--- a/output.pptx
+++ b/output.pptx
@@ -3104,15 +3104,19 @@
           <a:lstStyle/>
           <a:p>
             <a:r>
-              <a:t>Science 128Figure 8.1Figure 8.1Figure 8.1Figure 8.1Figure 8.1</a:t>
-            </a:r>
-          </a:p>
-          <a:p>
-            <a:r>
-              <a:t>Creation of diversity over succeeding</a:t>
-            </a:r>
-          </a:p>
-          <a:p/>
+              <a:t>Unit□1What is cold, sweet and creamy, and</a:t>
+            </a:r>
+          </a:p>
+          <a:p>
+            <a:r>
+              <a:t>wonderful to eat? Everyone's favourite treat especially</a:t>
+            </a:r>
+          </a:p>
+          <a:p>
+            <a:r>
+              <a:t>on</a:t>
+            </a:r>
+          </a:p>
         </p:txBody>
       </p:sp>
       <p:sp>
@@ -3155,237 +3159,32 @@
           <a:lstStyle/>
           <a:p>
             <a:r>
-              <a:t>Science 128Figure 8.1Figure 8.1Figure 8.1Figure 8.1Figure 8.1</a:t>
-            </a:r>
-          </a:p>
-          <a:p>
-            <a:r>
-              <a:t>Creation of diversity over succeeding</a:t>
-            </a:r>
-          </a:p>
-          <a:p>
-            <a:r>
-              <a:t>generations. The original organism at the top</a:t>
-            </a:r>
-          </a:p>
-          <a:p>
-            <a:r>
-              <a:t>will give rise to, say, two individuals, similar</a:t>
-            </a:r>
-          </a:p>
-          <a:p>
-            <a:r>
-              <a:t>in body design, but with subtle differences.</a:t>
-            </a:r>
-          </a:p>
-          <a:p>
-            <a:r>
-              <a:t>Each of them, in turn, will give rise to two</a:t>
-            </a:r>
-          </a:p>
-          <a:p>
-            <a:r>
-              <a:t>individuals in the next generation. Each of</a:t>
-            </a:r>
-          </a:p>
-          <a:p>
-            <a:r>
-              <a:t>the four individuals in the bottom row will</a:t>
-            </a:r>
-          </a:p>
-          <a:p>
-            <a:r>
-              <a:t>be dif ferent fr om each other . While some of</a:t>
-            </a:r>
-          </a:p>
-          <a:p>
-            <a:r>
-              <a:t>these differences will be unique, others will</a:t>
-            </a:r>
-          </a:p>
-          <a:p>
-            <a:r>
-              <a:t>be inherited from their respective parents,</a:t>
-            </a:r>
-          </a:p>
-          <a:p>
-            <a:r>
-              <a:t>who wer e different fr om each other .Heredity8 CHAPTER</a:t>
-            </a:r>
-          </a:p>
-          <a:p>
-            <a:r>
-              <a:t>We have seen that r eproductive pr ocesses give rise to new individuals</a:t>
-            </a:r>
-          </a:p>
-          <a:p>
-            <a:r>
-              <a:t>that ar e similar , but subtly dif ferent. W e have discussed how some</a:t>
-            </a:r>
-          </a:p>
-          <a:p>
-            <a:r>
-              <a:t>amount of variation is produced even during asexual reproduction. And</a:t>
-            </a:r>
-          </a:p>
-          <a:p>
-            <a:r>
-              <a:t>the number of successful variations are maximised by the process of</a:t>
-            </a:r>
-          </a:p>
-          <a:p>
-            <a:r>
-              <a:t>sexual reproduction. If we observe a field of sugarcane we find very little</a:t>
-            </a:r>
-          </a:p>
-          <a:p>
-            <a:r>
-              <a:t>variations among the individual plants. But in a number of animals</a:t>
-            </a:r>
-          </a:p>
-          <a:p>
-            <a:r>
-              <a:t>including human beings, which reproduce sexually, quite distinct</a:t>
-            </a:r>
-          </a:p>
-          <a:p>
-            <a:r>
-              <a:t>variations ar e visible among dif fer</a:t>
-            </a:r>
-          </a:p>
-          <a:p>
-            <a:r>
-              <a:t>ent individuals. In this chapter , we</a:t>
-            </a:r>
-          </a:p>
-          <a:p>
-            <a:r>
-              <a:t>shall be studying the mechanism by which variations are created and</a:t>
-            </a:r>
-          </a:p>
-          <a:p>
-            <a:r>
-              <a:t>inherited.</a:t>
-            </a:r>
-          </a:p>
-          <a:p>
-            <a:r>
-              <a:t>8.1 8.18.1 8.18.1A AA AACCUMULCCUMULCCUMUL CCUMULCCUMUL A AA AATION OF VTION OF VTION OF VTION OF VTION OF V ARIA ARIAARIA ARIAARIA TION TIONTION TIONTION</a:t>
-            </a:r>
-          </a:p>
-          <a:p>
-            <a:r>
-              <a:t>DURING REPRODUCTIONDURING REPRODUCTIONDURING REPRODUCTIONDURING REPRODUCTIONDURING REPRODUCTION</a:t>
-            </a:r>
-          </a:p>
-          <a:p>
-            <a:r>
-              <a:t>Inheritance from the previous generation provides</a:t>
-            </a:r>
-          </a:p>
-          <a:p>
-            <a:r>
-              <a:t>both a common basic body design, and subtle</a:t>
-            </a:r>
-          </a:p>
-          <a:p>
-            <a:r>
-              <a:t>changes in it, for the next generation. Now think</a:t>
-            </a:r>
-          </a:p>
-          <a:p>
-            <a:r>
-              <a:t>about what would happen when this new generation,</a:t>
-            </a:r>
-          </a:p>
-          <a:p>
-            <a:r>
-              <a:t>in its turn, reproduces. The second generation will</a:t>
-            </a:r>
-          </a:p>
-          <a:p>
-            <a:r>
-              <a:t>have differences that they inherit from the first</a:t>
-            </a:r>
-          </a:p>
-          <a:p>
-            <a:r>
-              <a:t>generation, as well as newly created differences</a:t>
-            </a:r>
-          </a:p>
-          <a:p>
-            <a:r>
-              <a:t>(Fig. 8.1).</a:t>
-            </a:r>
-          </a:p>
-          <a:p>
-            <a:r>
-              <a:t>Figure 8.1 would represent the situation if a</a:t>
-            </a:r>
-          </a:p>
-          <a:p>
-            <a:r>
-              <a:t>single individual reproduces, as happens in asexual</a:t>
-            </a:r>
-          </a:p>
-          <a:p>
-            <a:r>
-              <a:t>reproduction. If one bacterium divides, and then the</a:t>
-            </a:r>
-          </a:p>
-          <a:p>
-            <a:r>
-              <a:t>resultant two bacteria divide again, the four</a:t>
-            </a:r>
-          </a:p>
-          <a:p>
-            <a:r>
-              <a:t>individual bacteria generated would be very similar .</a:t>
-            </a:r>
-          </a:p>
-          <a:p>
-            <a:r>
-              <a:t>There would be only very minor differences between</a:t>
-            </a:r>
-          </a:p>
-          <a:p>
-            <a:r>
-              <a:t>them, generated due to small inaccuracies in DNA</a:t>
-            </a:r>
-          </a:p>
-          <a:p>
-            <a:r>
-              <a:t>copying. However , if sexual r eproduction is involved,</a:t>
-            </a:r>
-          </a:p>
-          <a:p>
-            <a:r>
-              <a:t>even greater diversity will be generated, as we will</a:t>
-            </a:r>
-          </a:p>
-          <a:p>
-            <a:r>
-              <a:t>see when we discuss the rules of inheritance.</a:t>
-            </a:r>
-          </a:p>
-          <a:p>
-            <a:r>
-              <a:t>Do all these variations in a species have equal</a:t>
-            </a:r>
-          </a:p>
-          <a:p>
-            <a:r>
-              <a:t>chances of surviving in the environment in which they</a:t>
-            </a:r>
-          </a:p>
-          <a:p>
-            <a:r>
-              <a:t>find themselves? Obviously not. Depending on the</a:t>
-            </a:r>
-          </a:p>
-          <a:p>
-            <a:r>
-              <a:t>nature of variations, different individuals would have</a:t>
+              <a:t>Unit□1What is cold, sweet and creamy, and</a:t>
+            </a:r>
+          </a:p>
+          <a:p>
+            <a:r>
+              <a:t>wonderful to eat? Everyone's favourite treat especially</a:t>
+            </a:r>
+          </a:p>
+          <a:p>
+            <a:r>
+              <a:t>on a hot summer day is an ice cream! And everyone's</a:t>
+            </a:r>
+          </a:p>
+          <a:p>
+            <a:r>
+              <a:t>favourite person might just be the Ice-cream Man!Ice cream□Man-</a:t>
+            </a:r>
+          </a:p>
+          <a:p>
+            <a:r>
+              <a:t>Read and Enjoy</a:t>
+            </a:r>
+          </a:p>
+          <a:p>
+            <a:r>
+              <a:t>2 3</a:t>
             </a:r>
           </a:p>
           <a:p>
@@ -3395,237 +3194,122 @@
           </a:p>
           <a:p>
             <a:r>
-              <a:t>Heredity 1298.2 HEREDITY8.2 HEREDITY8.2 HEREDITY8.2 HEREDITY8.2 HEREDITY</a:t>
-            </a:r>
-          </a:p>
-          <a:p>
-            <a:r>
-              <a:t>The most obvious outcome of the reproductive process still remains the</a:t>
-            </a:r>
-          </a:p>
-          <a:p>
-            <a:r>
-              <a:t>generation of individuals of similar design. The rules of heredity determine</a:t>
-            </a:r>
-          </a:p>
-          <a:p>
-            <a:r>
-              <a:t>the process by which traits and characteristics are reliably inherited. Let</a:t>
-            </a:r>
-          </a:p>
-          <a:p>
-            <a:r>
-              <a:t>us take a closer look at these rules.</a:t>
-            </a:r>
-          </a:p>
-          <a:p>
-            <a:r>
-              <a:t>8.2.1 Inherited T raits</a:t>
-            </a:r>
-          </a:p>
-          <a:p>
-            <a:r>
-              <a:t>What exactly do we mean by similarities and dif ferences? W e know that</a:t>
-            </a:r>
-          </a:p>
-          <a:p>
-            <a:r>
-              <a:t>a child bears all the basic featur es of a human being. However , it does</a:t>
-            </a:r>
-          </a:p>
-          <a:p>
-            <a:r>
-              <a:t>not look exactly like its parents, and human populations show a great</a:t>
-            </a:r>
-          </a:p>
-          <a:p>
-            <a:r>
-              <a:t>deal of variation.QUESTIONS</a:t>
-            </a:r>
-          </a:p>
-          <a:p>
-            <a:r>
-              <a:t>?1. If a trait A exists in 10% of a population of an asexually reproducing</a:t>
-            </a:r>
-          </a:p>
-          <a:p>
-            <a:r>
-              <a:t>species and a trait B exists in 60% of the same population, which trait</a:t>
-            </a:r>
-          </a:p>
-          <a:p>
-            <a:r>
-              <a:t>is likely to have arisen earlier?</a:t>
-            </a:r>
-          </a:p>
-          <a:p>
-            <a:r>
-              <a:t>2. How does the creation of variations in a species promote survival?</a:t>
-            </a:r>
-          </a:p>
-          <a:p>
-            <a:r>
-              <a:t>Activity 8.1Activity 8.1Activity 8.1Activity 8.1Activity 8.1</a:t>
-            </a:r>
-          </a:p>
-          <a:p>
-            <a:r>
-              <a:t>/square6Observe the ears of all the students in the class. Prepare a list of</a:t>
-            </a:r>
-          </a:p>
-          <a:p>
-            <a:r>
-              <a:t>students having free or attached earlobes and calculate the</a:t>
-            </a:r>
-          </a:p>
-          <a:p>
-            <a:r>
-              <a:t>percentage of students having each (Fig. 8.2). Find out about the</a:t>
-            </a:r>
-          </a:p>
-          <a:p>
-            <a:r>
-              <a:t>earlobes of the parents of each student in the class. Correlate the</a:t>
-            </a:r>
-          </a:p>
-          <a:p>
-            <a:r>
-              <a:t>earlobe type of each student with that of their parents. Based on</a:t>
-            </a:r>
-          </a:p>
-          <a:p>
-            <a:r>
-              <a:t>this evidence, suggest a possible rule for the inheritance of earlobe</a:t>
-            </a:r>
-          </a:p>
-          <a:p>
-            <a:r>
-              <a:t>types.</a:t>
-            </a:r>
-          </a:p>
-          <a:p>
-            <a:r>
-              <a:t>8.2.2 Rules for the Inheritance of T raits – ––––</a:t>
-            </a:r>
-          </a:p>
-          <a:p>
-            <a:r>
-              <a:t>Mendel’s Contributions</a:t>
-            </a:r>
-          </a:p>
-          <a:p>
-            <a:r>
-              <a:t>The rules for inheritance of such traits in human beings are related to</a:t>
-            </a:r>
-          </a:p>
-          <a:p>
-            <a:r>
-              <a:t>the fact that both the father and the mother contribute practically equal</a:t>
-            </a:r>
-          </a:p>
-          <a:p>
-            <a:r>
-              <a:t>amounts of genetic material to the child. This means that each trait can</a:t>
-            </a:r>
-          </a:p>
-          <a:p>
-            <a:r>
-              <a:t>be influenced by both paternal and maternal DNA. Thus, for each trait</a:t>
-            </a:r>
-          </a:p>
-          <a:p>
-            <a:r>
-              <a:t>there will be two versions in each child. What will, then, the trait seen in</a:t>
-            </a:r>
-          </a:p>
-          <a:p>
-            <a:r>
-              <a:t>the child be? Mendel (see box) worked out the main rules of such</a:t>
-            </a:r>
-          </a:p>
-          <a:p>
-            <a:r>
-              <a:t>inheritance, and it is interesting to look at some of his experiments from</a:t>
-            </a:r>
-          </a:p>
-          <a:p>
-            <a:r>
-              <a:t>more than a century ago.Figure 8.2Figure 8.2Figure 8.2Figure 8.2Figure 8.2</a:t>
-            </a:r>
-          </a:p>
-          <a:p>
-            <a:r>
-              <a:t>(a) Free and (b) attached</a:t>
-            </a:r>
-          </a:p>
-          <a:p>
-            <a:r>
-              <a:t>earlobes. The lowest part</a:t>
-            </a:r>
-          </a:p>
-          <a:p>
-            <a:r>
-              <a:t>of the ear , called the</a:t>
-            </a:r>
-          </a:p>
-          <a:p>
-            <a:r>
-              <a:t>earlobe, is closely attached</a:t>
-            </a:r>
-          </a:p>
-          <a:p>
-            <a:r>
-              <a:t>to the side of the head in</a:t>
-            </a:r>
-          </a:p>
-          <a:p>
-            <a:r>
-              <a:t>some of us, and not</a:t>
-            </a:r>
-          </a:p>
-          <a:p>
-            <a:r>
-              <a:t>in others. Free and</a:t>
-            </a:r>
-          </a:p>
-          <a:p>
-            <a:r>
-              <a:t>attached earlobes are two</a:t>
-            </a:r>
-          </a:p>
-          <a:p>
-            <a:r>
-              <a:t>variants found in human</a:t>
-            </a:r>
-          </a:p>
-          <a:p>
-            <a:r>
-              <a:t>populations.different kinds of advantages. Bacteria that can withstand heat will survive</a:t>
-            </a:r>
-          </a:p>
-          <a:p>
-            <a:r>
-              <a:t>better in a heat wave, as we have discussed earlier . Selection of variants</a:t>
-            </a:r>
-          </a:p>
-          <a:p>
-            <a:r>
-              <a:t>by environmental factors forms the basis for evolutionary processes, as</a:t>
-            </a:r>
-          </a:p>
-          <a:p>
-            <a:r>
-              <a:t>we will discuss in later sections.</a:t>
-            </a:r>
-          </a:p>
-          <a:p>
-            <a:r>
-              <a:t>(a)</a:t>
-            </a:r>
-          </a:p>
-          <a:p>
-            <a:r>
-              <a:t>(b)</a:t>
+              <a:t>When summer’s in the city,</a:t>
+            </a:r>
+          </a:p>
+          <a:p>
+            <a:r>
+              <a:t>And brick’s a blaze</a:t>
+            </a:r>
+          </a:p>
+          <a:p>
+            <a:r>
+              <a:t>of heat,</a:t>
+            </a:r>
+          </a:p>
+          <a:p>
+            <a:r>
+              <a:t>The Ice-cream Man with his little cart</a:t>
+            </a:r>
+          </a:p>
+          <a:p>
+            <a:r>
+              <a:t>Goes trundling down the street.</a:t>
+            </a:r>
+          </a:p>
+          <a:p>
+            <a:r>
+              <a:t>Beneath his round umbrella,</a:t>
+            </a:r>
+          </a:p>
+          <a:p>
+            <a:r>
+              <a:t>Oh, what a joyful sight,</a:t>
+            </a:r>
+          </a:p>
+          <a:p>
+            <a:r>
+              <a:t>To see him fill the cones with mounds</a:t>
+            </a:r>
+          </a:p>
+          <a:p>
+            <a:r>
+              <a:t>Of cooling brown and white:</a:t>
+            </a:r>
+          </a:p>
+          <a:p>
+            <a:r>
+              <a:t>Vanilla, chocolate, strawberry,</a:t>
+            </a:r>
+          </a:p>
+          <a:p>
+            <a:r>
+              <a:t>Or chilly things to drink</a:t>
+            </a:r>
+          </a:p>
+          <a:p>
+            <a:r>
+              <a:t>From bottles full of frosty-fizz,</a:t>
+            </a:r>
+          </a:p>
+          <a:p>
+            <a:r>
+              <a:t>Green, orange, white, or pink.</a:t>
+            </a:r>
+          </a:p>
+          <a:p>
+            <a:r>
+              <a:t>His cart might be a flower bed,</a:t>
+            </a:r>
+          </a:p>
+          <a:p>
+            <a:r>
+              <a:t>Of roses and sweet peas,</a:t>
+            </a:r>
+          </a:p>
+          <a:p>
+            <a:r>
+              <a:t>The way the children cluster round</a:t>
+            </a:r>
+          </a:p>
+          <a:p>
+            <a:r>
+              <a:t>As thick as honeybees.</a:t>
+            </a:r>
+          </a:p>
+          <a:p>
+            <a:r>
+              <a:t>RACHEL FIELD</a:t>
+            </a:r>
+          </a:p>
+          <a:p>
+            <a:r>
+              <a:t>Unit□1What is cold, sweet and creamy, and</a:t>
+            </a:r>
+          </a:p>
+          <a:p>
+            <a:r>
+              <a:t>wonderful to eat? Everyone's favourite treat especially</a:t>
+            </a:r>
+          </a:p>
+          <a:p>
+            <a:r>
+              <a:t>on a hot summer day is an ice cream! And everyone's</a:t>
+            </a:r>
+          </a:p>
+          <a:p>
+            <a:r>
+              <a:t>favourite person might just be the Ice-cream Man!Ice cream□Man</a:t>
+            </a:r>
+          </a:p>
+          <a:p>
+            <a:r>
+              <a:t>Read and Enjoy</a:t>
+            </a:r>
+          </a:p>
+          <a:p>
+            <a:r>
+              <a:t>2 3</a:t>
             </a:r>
           </a:p>
           <a:p>
@@ -3635,232 +3319,182 @@
           </a:p>
           <a:p>
             <a:r>
-              <a:t>Science 130Mendel used a number of contrasting visible characters of garden</a:t>
-            </a:r>
-          </a:p>
-          <a:p>
-            <a:r>
-              <a:t>peas – round/wrinkled seeds, tall/short plants, white/violet flowers and</a:t>
-            </a:r>
-          </a:p>
-          <a:p>
-            <a:r>
-              <a:t>so on.  He took pea plants with different characteristics – a tall plant and</a:t>
-            </a:r>
-          </a:p>
-          <a:p>
-            <a:r>
-              <a:t>a short plant, produced progeny by crossing them, and calculated the</a:t>
-            </a:r>
-          </a:p>
-          <a:p>
-            <a:r>
-              <a:t>percentages of tall or short progeny.</a:t>
-            </a:r>
-          </a:p>
-          <a:p>
-            <a:r>
-              <a:t>In the first place, there were no halfway characteristics in this first-</a:t>
-            </a:r>
-          </a:p>
-          <a:p>
-            <a:r>
-              <a:t>generation, or F1 progeny – no ‘medium-height’ plants. All plants were</a:t>
-            </a:r>
-          </a:p>
-          <a:p>
-            <a:r>
-              <a:t>tall. This meant that only one of the parental traits</a:t>
-            </a:r>
-          </a:p>
-          <a:p>
-            <a:r>
-              <a:t>was seen, not some mixture of the two. So the next</a:t>
-            </a:r>
-          </a:p>
-          <a:p>
-            <a:r>
-              <a:t>question was, were the tall plants in the F1</a:t>
-            </a:r>
-          </a:p>
-          <a:p>
-            <a:r>
-              <a:t>generation exactly the same as the tall plants of the</a:t>
-            </a:r>
-          </a:p>
-          <a:p>
-            <a:r>
-              <a:t>parent generation? Mendelian experiments test this</a:t>
-            </a:r>
-          </a:p>
-          <a:p>
-            <a:r>
-              <a:t>by getting both the parental plants and these F1 tall</a:t>
-            </a:r>
-          </a:p>
-          <a:p>
-            <a:r>
-              <a:t>plants to reproduce by self-pollination. The progeny</a:t>
-            </a:r>
-          </a:p>
-          <a:p>
-            <a:r>
-              <a:t>of the par ental plants ar e, of course, all tall. However ,</a:t>
-            </a:r>
-          </a:p>
-          <a:p>
-            <a:r>
-              <a:t>the second-generation, or F2, progeny of the F1 tall</a:t>
-            </a:r>
-          </a:p>
-          <a:p>
-            <a:r>
-              <a:t>plants are not all tall. Instead, one quarter of them</a:t>
-            </a:r>
-          </a:p>
-          <a:p>
-            <a:r>
-              <a:t>are short. This indicates that both the tallness and</a:t>
-            </a:r>
-          </a:p>
-          <a:p>
-            <a:r>
-              <a:t>shortness traits were inherited in the F1 plants, but</a:t>
-            </a:r>
-          </a:p>
-          <a:p>
-            <a:r>
-              <a:t>only the tallness trait was expressed. This led Mendel</a:t>
-            </a:r>
-          </a:p>
-          <a:p>
-            <a:r>
-              <a:t>to propose that two copies of factor (now called genes)</a:t>
-            </a:r>
-          </a:p>
-          <a:p>
-            <a:r>
-              <a:t>controlling traits are present in sexually reproducing</a:t>
-            </a:r>
-          </a:p>
-          <a:p>
-            <a:r>
-              <a:t>organism. These two may be identical, or may be</a:t>
-            </a:r>
-          </a:p>
-          <a:p>
-            <a:r>
-              <a:t>different, depending on the parentage. A pattern of</a:t>
-            </a:r>
-          </a:p>
-          <a:p>
-            <a:r>
-              <a:t>inheritance can be worked out with this assumption,</a:t>
-            </a:r>
-          </a:p>
-          <a:p>
-            <a:r>
-              <a:t>as shown in Fig. 8.3.Gregor Johann Mendel (1822–1884)</a:t>
-            </a:r>
-          </a:p>
-          <a:p>
-            <a:r>
-              <a:t>Mendel was educated in a monastery and went on to study science and</a:t>
-            </a:r>
-          </a:p>
-          <a:p>
-            <a:r>
-              <a:t>mathematics at the University of Vienna. Failure in the examinations for a</a:t>
-            </a:r>
-          </a:p>
-          <a:p>
-            <a:r>
-              <a:t>teaching certificate did not suppress his zeal for scientific quest. He went</a:t>
-            </a:r>
-          </a:p>
-          <a:p>
-            <a:r>
-              <a:t>back to his monastery and started growing peas. Many others had studied</a:t>
-            </a:r>
-          </a:p>
-          <a:p>
-            <a:r>
-              <a:t>the inheritance of traits in peas and other or ganisms earlier , but Mendel</a:t>
-            </a:r>
-          </a:p>
-          <a:p>
-            <a:r>
-              <a:t>blended his knowledge of science and mathematics and was the first one</a:t>
-            </a:r>
-          </a:p>
-          <a:p>
-            <a:r>
-              <a:t>to keep count of individuals exhibiting a particular trait in each generation.</a:t>
-            </a:r>
-          </a:p>
-          <a:p>
-            <a:r>
-              <a:t>This helped him to arrive at the laws of inheritance.</a:t>
-            </a:r>
-          </a:p>
-          <a:p>
-            <a:r>
-              <a:t>Figure 8.3Figure 8.3Figure 8.3Figure 8.3Figure 8.3</a:t>
-            </a:r>
-          </a:p>
-          <a:p>
-            <a:r>
-              <a:t>Inheritance of traits</a:t>
-            </a:r>
-          </a:p>
-          <a:p>
-            <a:r>
-              <a:t>over two generations Activity 8.2Activity 8.2Activity 8.2Activity 8.2Activity 8.2</a:t>
-            </a:r>
-          </a:p>
-          <a:p>
-            <a:r>
-              <a:t>/square6In Fig. 8.3, what experiment would we do to confirm that the F2</a:t>
-            </a:r>
-          </a:p>
-          <a:p>
-            <a:r>
-              <a:t>generation did in fact have a 1:2:1 ratio of TT, Tt and tt trait</a:t>
-            </a:r>
-          </a:p>
-          <a:p>
-            <a:r>
-              <a:t>combinations?</a:t>
-            </a:r>
-          </a:p>
-          <a:p>
-            <a:r>
-              <a:t>In this explanation, both TT and Tt are tall plants, while only tt is a</a:t>
-            </a:r>
-          </a:p>
-          <a:p>
-            <a:r>
-              <a:t>short plant. In other words, a single copy of ‘T’ is enough to make the</a:t>
-            </a:r>
-          </a:p>
-          <a:p>
-            <a:r>
-              <a:t>plant tall, while both copies have to be ‘t’ for the plant to be short. T raits</a:t>
-            </a:r>
-          </a:p>
-          <a:p>
-            <a:r>
-              <a:t>like ‘T’ are called dominant traits, while those that behave like ‘t’ are</a:t>
-            </a:r>
-          </a:p>
-          <a:p>
-            <a:r>
-              <a:t>called r ecessive traits. W ork out which trait would be consider ed</a:t>
-            </a:r>
-          </a:p>
-          <a:p>
-            <a:r>
-              <a:t>dominant and which one recessive in Fig. 8.4.</a:t>
+              <a:t>1. In which season is ice cream popular?</a:t>
+            </a:r>
+          </a:p>
+          <a:p>
+            <a:r>
+              <a:t>2. Who feels joyful on</a:t>
+            </a:r>
+          </a:p>
+          <a:p>
+            <a:r>
+              <a:t>seeing the Ice-cream Man?</a:t>
+            </a:r>
+          </a:p>
+          <a:p>
+            <a:r>
+              <a:t>3. Name the different flavours of ice cream the Ice-cream</a:t>
+            </a:r>
+          </a:p>
+          <a:p>
+            <a:r>
+              <a:t>Man has in his cart.</a:t>
+            </a:r>
+          </a:p>
+          <a:p>
+            <a:r>
+              <a:t>4. What are the two things that the Ice-cream Man is selling?</a:t>
+            </a:r>
+          </a:p>
+          <a:p>
+            <a:r>
+              <a:t>5. What is the ice-cream cart compared to in the poem?</a:t>
+            </a:r>
+          </a:p>
+          <a:p>
+            <a:r>
+              <a:t>Having an ice cream on a hot summer day is exciting and</a:t>
+            </a:r>
+          </a:p>
+          <a:p>
+            <a:r>
+              <a:t>enjoyable.</a:t>
+            </a:r>
+          </a:p>
+          <a:p>
+            <a:r>
+              <a:t>1. Write about some of the exciting and enjoyable things that</a:t>
+            </a:r>
+          </a:p>
+          <a:p>
+            <a:r>
+              <a:t>one can do in the winter season.</a:t>
+            </a:r>
+          </a:p>
+          <a:p>
+            <a:r>
+              <a:t>_________________________ _________________________</a:t>
+            </a:r>
+          </a:p>
+          <a:p>
+            <a:r>
+              <a:t>_________________________ _________________________</a:t>
+            </a:r>
+          </a:p>
+          <a:p>
+            <a:r>
+              <a:t>_________________________ _________________________</a:t>
+            </a:r>
+          </a:p>
+          <a:p>
+            <a:r>
+              <a:t>New Words</a:t>
+            </a:r>
+          </a:p>
+          <a:p>
+            <a:r>
+              <a:t>blaze : bright flame or</a:t>
+            </a:r>
+          </a:p>
+          <a:p>
+            <a:r>
+              <a:t>fire</a:t>
+            </a:r>
+          </a:p>
+          <a:p>
+            <a:r>
+              <a:t>trundling : moving on small br</a:t>
+            </a:r>
+          </a:p>
+          <a:p>
+            <a:r>
+              <a:t>oad wheels</a:t>
+            </a:r>
+          </a:p>
+          <a:p>
+            <a:r>
+              <a:t>mounds : heap, pile</a:t>
+            </a:r>
+          </a:p>
+          <a:p>
+            <a:r>
+              <a:t>frosty-fizz : chilled drink making a</a:t>
+            </a:r>
+          </a:p>
+          <a:p>
+            <a:r>
+              <a:t>hissing, bubbling sound</a:t>
+            </a:r>
+          </a:p>
+          <a:p>
+            <a:r>
+              <a:t>cluster : gather around, group of similar</a:t>
+            </a:r>
+          </a:p>
+          <a:p>
+            <a:r>
+              <a:t>things</a:t>
+            </a:r>
+          </a:p>
+          <a:p>
+            <a:r>
+              <a:t>Reading is Fun</a:t>
+            </a:r>
+          </a:p>
+          <a:p>
+            <a:r>
+              <a:t>Let's Write</a:t>
+            </a:r>
+          </a:p>
+          <a:p>
+            <a:r>
+              <a:t>Say Aloud</a:t>
+            </a:r>
+          </a:p>
+          <a:p>
+            <a:r>
+              <a:t>______________________________</a:t>
+            </a:r>
+          </a:p>
+          <a:p>
+            <a:r>
+              <a:t>______________________________</a:t>
+            </a:r>
+          </a:p>
+          <a:p>
+            <a:r>
+              <a:t>______________________________</a:t>
+            </a:r>
+          </a:p>
+          <a:p>
+            <a:r>
+              <a:t>______________________________</a:t>
+            </a:r>
+          </a:p>
+          <a:p>
+            <a:r>
+              <a:t>______________________________</a:t>
+            </a:r>
+          </a:p>
+          <a:p>
+            <a:r>
+              <a:t>______________________________</a:t>
+            </a:r>
+          </a:p>
+          <a:p>
+            <a:r>
+              <a:t>______________________________</a:t>
+            </a:r>
+          </a:p>
+          <a:p>
+            <a:r>
+              <a:t>______________________________</a:t>
+            </a:r>
+          </a:p>
+          <a:p>
+            <a:r>
+              <a:t>Marigold Marigold4 5</a:t>
             </a:r>
           </a:p>
           <a:p>
@@ -3870,102 +3504,1042 @@
           </a:p>
           <a:p>
             <a:r>
-              <a:t>Heredity 131</a:t>
-            </a:r>
-          </a:p>
-          <a:p>
-            <a:r>
-              <a:t>x</a:t>
-            </a:r>
-          </a:p>
-          <a:p>
-            <a:r>
-              <a:t>RR yy</a:t>
-            </a:r>
-          </a:p>
-          <a:p>
-            <a:r>
-              <a:t>(round, green)rr YY</a:t>
-            </a:r>
-          </a:p>
-          <a:p>
-            <a:r>
-              <a:t>(wrinkled, yellow)</a:t>
-            </a:r>
-          </a:p>
-          <a:p>
-            <a:r>
-              <a:t>Ry</a:t>
-            </a:r>
-          </a:p>
-          <a:p>
-            <a:r>
-              <a:t> rY</a:t>
-            </a:r>
-          </a:p>
-          <a:p>
-            <a:r>
-              <a:t>Rr Yy</a:t>
-            </a:r>
-          </a:p>
-          <a:p>
-            <a:r>
-              <a:t>(round, yellow)F1</a:t>
-            </a:r>
-          </a:p>
-          <a:p>
-            <a:r>
-              <a:t>x</a:t>
-            </a:r>
-          </a:p>
-          <a:p>
-            <a:r>
-              <a:t>Rr Yy</a:t>
-            </a:r>
-          </a:p>
-          <a:p>
-            <a:r>
-              <a:t>F1Rr Yy</a:t>
-            </a:r>
-          </a:p>
-          <a:p>
-            <a:r>
-              <a:t>F1</a:t>
-            </a:r>
-          </a:p>
-          <a:p>
-            <a:r>
-              <a:t>315 round, yellow</a:t>
-            </a:r>
-          </a:p>
-          <a:p>
-            <a:r>
-              <a:t>108 round, green</a:t>
-            </a:r>
-          </a:p>
-          <a:p>
-            <a:r>
-              <a:t>101 wrinkled, yellow</a:t>
-            </a:r>
-          </a:p>
-          <a:p>
-            <a:r>
-              <a:t>32 wrinkled, green</a:t>
-            </a:r>
-          </a:p>
-          <a:p>
-            <a:r>
-              <a:t>9</a:t>
-            </a:r>
-          </a:p>
-          <a:p>
-            <a:r>
-              <a:t>3</a:t>
-            </a:r>
-          </a:p>
-          <a:p>
-            <a:r>
-              <a:t>3</a:t>
+              <a:t>New Words</a:t>
+            </a:r>
+          </a:p>
+          <a:p>
+            <a:r>
+              <a:t>Reading is Fun</a:t>
+            </a:r>
+          </a:p>
+          <a:p>
+            <a:r>
+              <a:t>Let's Write</a:t>
+            </a:r>
+          </a:p>
+          <a:p>
+            <a:r>
+              <a:t>Say Aloud</a:t>
+            </a:r>
+          </a:p>
+          <a:p>
+            <a:r>
+              <a:t>2. List as many summer activities as you can.</a:t>
+            </a:r>
+          </a:p>
+          <a:p>
+            <a:r>
+              <a:t>3. Now gr oup</a:t>
+            </a:r>
+          </a:p>
+          <a:p>
+            <a:r>
+              <a:t>these activities into indoor and outdoor</a:t>
+            </a:r>
+          </a:p>
+          <a:p>
+            <a:r>
+              <a:t>activities.</a:t>
+            </a:r>
+          </a:p>
+          <a:p>
+            <a:r>
+              <a:t>______________________</a:t>
+            </a:r>
+          </a:p>
+          <a:p>
+            <a:r>
+              <a:t>honeybees______________________</a:t>
+            </a:r>
+          </a:p>
+          <a:p>
+            <a:r>
+              <a:t>______________________ ______________________</a:t>
+            </a:r>
+          </a:p>
+          <a:p>
+            <a:r>
+              <a:t>Circle the words where you get a zzzzz sound.</a:t>
+            </a:r>
+          </a:p>
+          <a:p>
+            <a:r>
+              <a:t>One is done for you.</a:t>
+            </a:r>
+          </a:p>
+          <a:p>
+            <a:r>
+              <a:t>price prize maze face</a:t>
+            </a:r>
+          </a:p>
+          <a:p>
+            <a:r>
+              <a:t>rice rise blaze fizz</a:t>
+            </a:r>
+          </a:p>
+          <a:p>
+            <a:r>
+              <a:t>lazy lacy busy racy</a:t>
+            </a:r>
+          </a:p>
+          <a:p>
+            <a:r>
+              <a:t>raise rays race ace</a:t>
+            </a:r>
+          </a:p>
+          <a:p>
+            <a:r>
+              <a:t>chase this these frosty______________________________</a:t>
+            </a:r>
+          </a:p>
+          <a:p>
+            <a:r>
+              <a:t>______________________________</a:t>
+            </a:r>
+          </a:p>
+          <a:p>
+            <a:r>
+              <a:t>______________________________</a:t>
+            </a:r>
+          </a:p>
+          <a:p>
+            <a:r>
+              <a:t>______________________________</a:t>
+            </a:r>
+          </a:p>
+          <a:p>
+            <a:r>
+              <a:t>______________________________</a:t>
+            </a:r>
+          </a:p>
+          <a:p>
+            <a:r>
+              <a:t>______________________________</a:t>
+            </a:r>
+          </a:p>
+          <a:p>
+            <a:r>
+              <a:t>______________________________</a:t>
+            </a:r>
+          </a:p>
+          <a:p>
+            <a:r>
+              <a:t>______________________________</a:t>
+            </a:r>
+          </a:p>
+          <a:p>
+            <a:r>
+              <a:t>Marigold Marigold4 5</a:t>
+            </a:r>
+          </a:p>
+          <a:p>
+            <a:r>
+              <a:t>Rationalised 2023-24</a:t>
+            </a:r>
+          </a:p>
+          <a:p>
+            <a:r>
+              <a:t>/c52</a:t>
+            </a:r>
+          </a:p>
+          <a:p>
+            <a:r>
+              <a:t>/c52</a:t>
+            </a:r>
+          </a:p>
+          <a:p>
+            <a:r>
+              <a:t>/c52</a:t>
+            </a:r>
+          </a:p>
+          <a:p>
+            <a:r>
+              <a:t>Word Building</a:t>
+            </a:r>
+          </a:p>
+          <a:p>
+            <a:r>
+              <a:t>Let's Listen</a:t>
+            </a:r>
+          </a:p>
+          <a:p>
+            <a:r>
+              <a:t>1. Listen and tell the sounds that these words in the poem</a:t>
+            </a:r>
+          </a:p>
+          <a:p>
+            <a:r>
+              <a:t>produce.</a:t>
+            </a:r>
+          </a:p>
+          <a:p>
+            <a:r>
+              <a:t>cart</a:t>
+            </a:r>
+          </a:p>
+          <a:p>
+            <a:r>
+              <a:t>drinks</a:t>
+            </a:r>
+          </a:p>
+          <a:p>
+            <a:r>
+              <a:t>Can you make</a:t>
+            </a:r>
+          </a:p>
+          <a:p>
+            <a:r>
+              <a:t>these sounds?</a:t>
+            </a:r>
+          </a:p>
+          <a:p>
+            <a:r>
+              <a:t>2. What are some of the different sounds you hear when</a:t>
+            </a:r>
+          </a:p>
+          <a:p>
+            <a:r>
+              <a:t>the Ice-cream Man comes?</a:t>
+            </a:r>
+          </a:p>
+          <a:p>
+            <a:r>
+              <a:t>Here is a report on Uncle Lal’s farm.</a:t>
+            </a:r>
+          </a:p>
+          <a:p>
+            <a:r>
+              <a:t>When writing a report, remember to do these things___________________</a:t>
+            </a:r>
+          </a:p>
+          <a:p>
+            <a:r>
+              <a:t>___________________</a:t>
+            </a:r>
+          </a:p>
+          <a:p>
+            <a:r>
+              <a:t>Think of a good title. Write it correctly.</a:t>
+            </a:r>
+          </a:p>
+          <a:p>
+            <a:r>
+              <a:t>Keep to your subject.</a:t>
+            </a:r>
+          </a:p>
+          <a:p>
+            <a:r>
+              <a:t>Tell things in the right order.</a:t>
+            </a:r>
+          </a:p>
+          <a:p>
+            <a:r>
+              <a:t>Make your paper look neat.</a:t>
+            </a:r>
+          </a:p>
+          <a:p>
+            <a:r>
+              <a:t>In groups of four, write a report on different brands of ice</a:t>
+            </a:r>
+          </a:p>
+          <a:p>
+            <a:r>
+              <a:t>creams available in your area.</a:t>
+            </a:r>
+          </a:p>
+          <a:p>
+            <a:r>
+              <a:t>You may use the following clues.</a:t>
+            </a:r>
+          </a:p>
+          <a:p>
+            <a:r>
+              <a:t>Start with a short introduction which contains the topic.</a:t>
+            </a:r>
+          </a:p>
+          <a:p>
+            <a:r>
+              <a:t>Then list the ice cream brands available in your area.Find Out and Write a Report/c52</a:t>
+            </a:r>
+          </a:p>
+          <a:p>
+            <a:r>
+              <a:t>/c52</a:t>
+            </a:r>
+          </a:p>
+          <a:p>
+            <a:r>
+              <a:t>/c52</a:t>
+            </a:r>
+          </a:p>
+          <a:p>
+            <a:r>
+              <a:t>/c52</a:t>
+            </a:r>
+          </a:p>
+          <a:p>
+            <a:r>
+              <a:t>/c52</a:t>
+            </a:r>
+          </a:p>
+          <a:p>
+            <a:r>
+              <a:t>/c52</a:t>
+            </a:r>
+          </a:p>
+          <a:p>
+            <a:r>
+              <a:t>/c52</a:t>
+            </a:r>
+          </a:p>
+          <a:p>
+            <a:r>
+              <a:t>/c52Father took me to visit Uncle Lal’s dairy farm.</a:t>
+            </a:r>
+          </a:p>
+          <a:p>
+            <a:r>
+              <a:t>Isaw all of Uncle</a:t>
+            </a:r>
+          </a:p>
+          <a:p>
+            <a:r>
+              <a:t>Lal's cows. He has fifty</a:t>
+            </a:r>
+          </a:p>
+          <a:p>
+            <a:r>
+              <a:t>cows. They eat grass in the big green</a:t>
+            </a:r>
+          </a:p>
+          <a:p>
+            <a:r>
+              <a:t>farms. In the evening the farmers bring</a:t>
+            </a:r>
+          </a:p>
+          <a:p>
+            <a:r>
+              <a:t>them to the barn to be milked. Uncle Lal</a:t>
+            </a:r>
+          </a:p>
+          <a:p>
+            <a:r>
+              <a:t>sells his milk in the city.</a:t>
+            </a:r>
+          </a:p>
+          <a:p>
+            <a:r>
+              <a:t>Marigold Marigold6 7</a:t>
+            </a:r>
+          </a:p>
+          <a:p>
+            <a:r>
+              <a:t>Rationalised 2023-24</a:t>
+            </a:r>
+          </a:p>
+          <a:p>
+            <a:r>
+              <a:t>/c52</a:t>
+            </a:r>
+          </a:p>
+          <a:p>
+            <a:r>
+              <a:t>/c52</a:t>
+            </a:r>
+          </a:p>
+          <a:p>
+            <a:r>
+              <a:t>/c52Next, say which are the common flavours of ice</a:t>
+            </a:r>
+          </a:p>
+          <a:p>
+            <a:r>
+              <a:t>cream in</a:t>
+            </a:r>
+          </a:p>
+          <a:p>
+            <a:r>
+              <a:t>each of</a:t>
+            </a:r>
+          </a:p>
+          <a:p>
+            <a:r>
+              <a:t>the brands.</a:t>
+            </a:r>
+          </a:p>
+          <a:p>
+            <a:r>
+              <a:t>Under each brand, find out which flavours</a:t>
+            </a:r>
+          </a:p>
+          <a:p>
+            <a:r>
+              <a:t>are being sold the most. Also find out their</a:t>
+            </a:r>
+          </a:p>
+          <a:p>
+            <a:r>
+              <a:t>prices.</a:t>
+            </a:r>
+          </a:p>
+          <a:p>
+            <a:r>
+              <a:t>Finally, write which do you think is the</a:t>
+            </a:r>
+          </a:p>
+          <a:p>
+            <a:r>
+              <a:t>most popular ice cream.</a:t>
+            </a:r>
+          </a:p>
+          <a:p>
+            <a:r>
+              <a:t>___________________________________________</a:t>
+            </a:r>
+          </a:p>
+          <a:p>
+            <a:r>
+              <a:t>____________________________________________</a:t>
+            </a:r>
+          </a:p>
+          <a:p>
+            <a:r>
+              <a:t>____________________________________________</a:t>
+            </a:r>
+          </a:p>
+          <a:p>
+            <a:r>
+              <a:t>_____________________________________________</a:t>
+            </a:r>
+          </a:p>
+          <a:p>
+            <a:r>
+              <a:t>______________________________________________________</a:t>
+            </a:r>
+          </a:p>
+          <a:p>
+            <a:r>
+              <a:t>______________________________________________________</a:t>
+            </a:r>
+          </a:p>
+          <a:p>
+            <a:r>
+              <a:t>______________________________________________________</a:t>
+            </a:r>
+          </a:p>
+          <a:p>
+            <a:r>
+              <a:t>______________________________________________________</a:t>
+            </a:r>
+          </a:p>
+          <a:p>
+            <a:r>
+              <a:t>1. Colour the boxes that have rhyming words.</a:t>
+            </a:r>
+          </a:p>
+          <a:p>
+            <a:r>
+              <a:t>city heat blows do</a:t>
+            </a:r>
+          </a:p>
+          <a:p>
+            <a:r>
+              <a:t>cart street goes go</a:t>
+            </a:r>
+          </a:p>
+          <a:p>
+            <a:r>
+              <a:t>hard bowl cow label</a:t>
+            </a:r>
+          </a:p>
+          <a:p>
+            <a:r>
+              <a:t>yard doll so table</a:t>
+            </a:r>
+          </a:p>
+          <a:p>
+            <a:r>
+              <a:t>sky play race write</a:t>
+            </a:r>
+          </a:p>
+          <a:p>
+            <a:r>
+              <a:t>my obey face nightWord Building</a:t>
+            </a:r>
+          </a:p>
+          <a:p>
+            <a:r>
+              <a:t>Let's Listen</a:t>
+            </a:r>
+          </a:p>
+          <a:p>
+            <a:r>
+              <a:t>Find Out and Write a Report/c52</a:t>
+            </a:r>
+          </a:p>
+          <a:p>
+            <a:r>
+              <a:t>/c52</a:t>
+            </a:r>
+          </a:p>
+          <a:p>
+            <a:r>
+              <a:t>/c52</a:t>
+            </a:r>
+          </a:p>
+          <a:p>
+            <a:r>
+              <a:t>/c52</a:t>
+            </a:r>
+          </a:p>
+          <a:p>
+            <a:r>
+              <a:t>/c52</a:t>
+            </a:r>
+          </a:p>
+          <a:p>
+            <a:r>
+              <a:t>/c52</a:t>
+            </a:r>
+          </a:p>
+          <a:p>
+            <a:r>
+              <a:t>/c52</a:t>
+            </a:r>
+          </a:p>
+          <a:p>
+            <a:r>
+              <a:t>/c52</a:t>
+            </a:r>
+          </a:p>
+          <a:p>
+            <a:r>
+              <a:t>Marigold Marigold6 7</a:t>
+            </a:r>
+          </a:p>
+          <a:p>
+            <a:r>
+              <a:t>Rationalised 2023-24</a:t>
+            </a:r>
+          </a:p>
+          <a:p>
+            <a:r>
+              <a:t>2. What do the following words describe in the poem?</a:t>
+            </a:r>
+          </a:p>
+          <a:p>
+            <a:r>
+              <a:t>joyful</a:t>
+            </a:r>
+          </a:p>
+          <a:p>
+            <a:r>
+              <a:t>little</a:t>
+            </a:r>
+          </a:p>
+          <a:p>
+            <a:r>
+              <a:t>round ______________________________________________</a:t>
+            </a:r>
+          </a:p>
+          <a:p>
+            <a:r>
+              <a:t>What ar</a:t>
+            </a:r>
+          </a:p>
+          <a:p>
+            <a:r>
+              <a:t>e the describing words used in the poem for the</a:t>
+            </a:r>
+          </a:p>
+          <a:p>
+            <a:r>
+              <a:t>following?</a:t>
+            </a:r>
+          </a:p>
+          <a:p>
+            <a:r>
+              <a:t>___ ______ __ mounds</a:t>
+            </a:r>
+          </a:p>
+          <a:p>
+            <a:r>
+              <a:t>flavour</a:t>
+            </a:r>
+          </a:p>
+          <a:p>
+            <a:r>
+              <a:t>cluster</a:t>
+            </a:r>
+          </a:p>
+          <a:p>
+            <a:r>
+              <a:t>1. Colour the boxes with the colours of the flavours</a:t>
+            </a:r>
+          </a:p>
+          <a:p>
+            <a:r>
+              <a:t>mentioned in each.</a:t>
+            </a:r>
+          </a:p>
+          <a:p>
+            <a:r>
+              <a:t>2. Draw and colour your dream ice cream.</a:t>
+            </a:r>
+          </a:p>
+          <a:p>
+            <a:r>
+              <a:t>Describe it using interesting describing words — the</a:t>
+            </a:r>
+          </a:p>
+          <a:p>
+            <a:r>
+              <a:t>colours, the flavours, the size, how it looks, tastes, feels etc.______________________________________________</a:t>
+            </a:r>
+          </a:p>
+          <a:p>
+            <a:r>
+              <a:t>______________________________________________</a:t>
+            </a:r>
+          </a:p>
+          <a:p>
+            <a:r>
+              <a:t>______ ___</a:t>
+            </a:r>
+          </a:p>
+          <a:p>
+            <a:r>
+              <a:t>____________________</a:t>
+            </a:r>
+          </a:p>
+          <a:p>
+            <a:r>
+              <a:t>____________________</a:t>
+            </a:r>
+          </a:p>
+          <a:p>
+            <a:r>
+              <a:t>Fun Time</a:t>
+            </a:r>
+          </a:p>
+          <a:p>
+            <a:r>
+              <a:t>Marigold Marigold8 9chocolate vanilla orange black currant</a:t>
+            </a:r>
+          </a:p>
+          <a:p>
+            <a:r>
+              <a:t>strawberry raspberry butterscotch pista</a:t>
+            </a:r>
+          </a:p>
+          <a:p>
+            <a:r>
+              <a:t>Rationalised 2023-24</a:t>
+            </a:r>
+          </a:p>
+          <a:p>
+            <a:r>
+              <a:t>Fun Time</a:t>
+            </a:r>
+          </a:p>
+          <a:p>
+            <a:r>
+              <a:t>3. Have you ever eaten the ice cream from North</a:t>
+            </a:r>
+          </a:p>
+          <a:p>
+            <a:r>
+              <a:t>India?</a:t>
+            </a:r>
+          </a:p>
+          <a:p>
+            <a:r>
+              <a:t>The following sentences describe</a:t>
+            </a:r>
+          </a:p>
+          <a:p>
+            <a:r>
+              <a:t>how it is served but</a:t>
+            </a:r>
+          </a:p>
+          <a:p>
+            <a:r>
+              <a:t>they are not in the correct order. Write the correct</a:t>
+            </a:r>
+          </a:p>
+          <a:p>
+            <a:r>
+              <a:t>number before each sentence.</a:t>
+            </a:r>
+          </a:p>
+          <a:p>
+            <a:r>
+              <a:t>____ He scoops out the on a plate.</a:t>
+            </a:r>
+          </a:p>
+          <a:p>
+            <a:r>
+              <a:t>____ Then he pours some sweet syrup over it</a:t>
+            </a:r>
+          </a:p>
+          <a:p>
+            <a:r>
+              <a:t>and serves it.</a:t>
+            </a:r>
+          </a:p>
+          <a:p>
+            <a:r>
+              <a:t>____ The takes the mould out</a:t>
+            </a:r>
+          </a:p>
+          <a:p>
+            <a:r>
+              <a:t>of the pitcher.</a:t>
+            </a:r>
+          </a:p>
+          <a:p>
+            <a:r>
+              <a:t>____ He arranges some around it.kulfi,</a:t>
+            </a:r>
+          </a:p>
+          <a:p>
+            <a:r>
+              <a:t>kulfi</a:t>
+            </a:r>
+          </a:p>
+          <a:p>
+            <a:r>
+              <a:t>kulfiwala kulfi</a:t>
+            </a:r>
+          </a:p>
+          <a:p>
+            <a:r>
+              <a:t>falooda</a:t>
+            </a:r>
+          </a:p>
+          <a:p>
+            <a:r>
+              <a:t>Marigold Marigold8 9</a:t>
+            </a:r>
+          </a:p>
+          <a:p>
+            <a:r>
+              <a:t>Rationalised 2023-24</a:t>
+            </a:r>
+          </a:p>
+          <a:p>
+            <a:r>
+              <a:t>Wonderful□Waste!</a:t>
+            </a:r>
+          </a:p>
+          <a:p>
+            <a:r>
+              <a:t>Waste can be quite useful !</a:t>
+            </a:r>
+          </a:p>
+          <a:p>
+            <a:r>
+              <a:t>Find out for yourself from this</a:t>
+            </a:r>
+          </a:p>
+          <a:p>
+            <a:r>
+              <a:t>story...</a:t>
+            </a:r>
+          </a:p>
+          <a:p>
+            <a:r>
+              <a:t>Once, the Maharaja of Travancore</a:t>
+            </a:r>
+          </a:p>
+          <a:p>
+            <a:r>
+              <a:t>ordered a grand dinner in</a:t>
+            </a:r>
+          </a:p>
+          <a:p>
+            <a:r>
+              <a:t>his palace. In the</a:t>
+            </a:r>
+          </a:p>
+          <a:p>
+            <a:r>
+              <a:t>afternoon before the dinner, the Maharaja</a:t>
+            </a:r>
+          </a:p>
+          <a:p>
+            <a:r>
+              <a:t>entered the kitchen to survey the dishes that</a:t>
+            </a:r>
+          </a:p>
+          <a:p>
+            <a:r>
+              <a:t>had been prepared for the feast.</a:t>
+            </a:r>
+          </a:p>
+          <a:p>
+            <a:r>
+              <a:t>“What are you going to do with those</a:t>
+            </a:r>
+          </a:p>
+          <a:p>
+            <a:r>
+              <a:t>vegetable scraps?” he asked the cook,</a:t>
+            </a:r>
+          </a:p>
+          <a:p>
+            <a:r>
+              <a:t>pointing to the basket of scraps near the</a:t>
+            </a:r>
+          </a:p>
+          <a:p>
+            <a:r>
+              <a:t>cook. The cook replied, “They are waste. We</a:t>
+            </a:r>
+          </a:p>
+          <a:p>
+            <a:r>
+              <a:t>will throw them away.”</a:t>
+            </a:r>
+          </a:p>
+          <a:p>
+            <a:r>
+              <a:t>“You cannot waste all these bits and</a:t>
+            </a:r>
+          </a:p>
+          <a:p>
+            <a:r>
+              <a:t>pieces of vegetables. Find a way to use them,”</a:t>
+            </a:r>
+          </a:p>
+          <a:p>
+            <a:r>
+              <a:t>the Maharaja commanded sternly and</a:t>
+            </a:r>
+          </a:p>
+          <a:p>
+            <a:r>
+              <a:t>walked away.</a:t>
+            </a:r>
+          </a:p>
+          <a:p>
+            <a:r>
+              <a:t>The cook was in</a:t>
+            </a:r>
+          </a:p>
+          <a:p>
+            <a:r>
+              <a:t>a fix and kept</a:t>
+            </a:r>
+          </a:p>
+          <a:p>
+            <a:r>
+              <a:t>staring at the</a:t>
+            </a:r>
+          </a:p>
+          <a:p>
+            <a:r>
+              <a:t>vegetable scraps for</a:t>
+            </a:r>
+          </a:p>
+          <a:p>
+            <a:r>
+              <a:t>some time. Suddenly,</a:t>
+            </a:r>
+          </a:p>
+          <a:p>
+            <a:r>
+              <a:t>Marigold10 11</a:t>
+            </a:r>
+          </a:p>
+          <a:p>
+            <a:r>
+              <a:t>Rationalised 2023-24</a:t>
+            </a:r>
+          </a:p>
+          <a:p>
+            <a:r>
+              <a:t>Wonderful□Waste!</a:t>
+            </a:r>
+          </a:p>
+          <a:p>
+            <a:r>
+              <a:t>an idea flashed across his</a:t>
+            </a:r>
+          </a:p>
+          <a:p>
+            <a:r>
+              <a:t>mind.</a:t>
+            </a:r>
+          </a:p>
+          <a:p>
+            <a:r>
+              <a:t>H e t o</a:t>
+            </a:r>
+          </a:p>
+          <a:p>
+            <a:r>
+              <a:t>o k a l l t h e</a:t>
+            </a:r>
+          </a:p>
+          <a:p>
+            <a:r>
+              <a:t>vegetable bits, washed</a:t>
+            </a:r>
+          </a:p>
+          <a:p>
+            <a:r>
+              <a:t>them and cleaned them</a:t>
+            </a:r>
+          </a:p>
+          <a:p>
+            <a:r>
+              <a:t>well.</a:t>
+            </a:r>
+          </a:p>
+          <a:p>
+            <a:r>
+              <a:t>Then he cut them into</a:t>
+            </a:r>
+          </a:p>
+          <a:p>
+            <a:r>
+              <a:t>long strips. He put them in</a:t>
+            </a:r>
+          </a:p>
+          <a:p>
+            <a:r>
+              <a:t>a huge pot and placed it on</a:t>
+            </a:r>
+          </a:p>
+          <a:p>
+            <a:r>
+              <a:t>the fire to cook. Next, he</a:t>
+            </a:r>
+          </a:p>
+          <a:p>
+            <a:r>
+              <a:t>g r o u n d s o m e f r e s h</a:t>
+            </a:r>
+          </a:p>
+          <a:p>
+            <a:r>
+              <a:t>coconut, green chillies and</a:t>
+            </a:r>
+          </a:p>
+          <a:p>
+            <a:r>
+              <a:t>garlic together. He added</a:t>
+            </a:r>
+          </a:p>
+          <a:p>
+            <a:r>
+              <a:t>this paste and some salt to the cooking vegetables.</a:t>
+            </a:r>
+          </a:p>
+          <a:p>
+            <a:r>
+              <a:t>A tempting smell started coming from the pot.</a:t>
+            </a:r>
+          </a:p>
+          <a:p>
+            <a:r>
+              <a:t>Now he whipped some curd and added it to the curry.</a:t>
+            </a:r>
+          </a:p>
+          <a:p>
+            <a:r>
+              <a:t>He also poured a few spoonfuls of coconut oil and</a:t>
+            </a:r>
+          </a:p>
+          <a:p>
+            <a:r>
+              <a:t>decorated the dish with curry leaves.</a:t>
+            </a:r>
+          </a:p>
+          <a:p>
+            <a:r>
+              <a:t>Lo and behold! The new dish was ready.</a:t>
+            </a:r>
+          </a:p>
+          <a:p>
+            <a:r>
+              <a:t>The cook served this new dish to the guests that</a:t>
+            </a:r>
+          </a:p>
+          <a:p>
+            <a:r>
+              <a:t>evening.</a:t>
+            </a:r>
+          </a:p>
+          <a:p>
+            <a:r>
+              <a:t>Everyone was eager to know the name of</a:t>
+            </a:r>
+          </a:p>
+          <a:p>
+            <a:r>
+              <a:t>the new dish. The cook thought and</a:t>
+            </a:r>
+          </a:p>
+          <a:p>
+            <a:r>
+              <a:t>thought. Then a name came to</a:t>
+            </a:r>
+          </a:p>
+          <a:p>
+            <a:r>
+              <a:t>his mind. He named it</a:t>
+            </a:r>
+          </a:p>
+          <a:p>
+            <a:r>
+              <a:t>(uh-vi-ul).</a:t>
+            </a:r>
+          </a:p>
+          <a:p>
+            <a:r>
+              <a:t>became famous all</a:t>
+            </a:r>
+          </a:p>
+          <a:p>
+            <a:r>
+              <a:t>over Kerala and is now one of the dishes in</a:t>
+            </a:r>
+          </a:p>
+          <a:p>
+            <a:r>
+              <a:t>a traditional Kerala feast. And imagine, it</a:t>
+            </a:r>
+          </a:p>
+          <a:p>
+            <a:r>
+              <a:t>all came from a basket of waste!avial</a:t>
+            </a:r>
+          </a:p>
+          <a:p>
+            <a:r>
+              <a:t>AvialWaste can be quite useful !</a:t>
+            </a:r>
+          </a:p>
+          <a:p>
+            <a:r>
+              <a:t>Find out for yourself</a:t>
+            </a:r>
+          </a:p>
+          <a:p>
+            <a:r>
+              <a:t>from this story...</a:t>
+            </a:r>
+          </a:p>
+          <a:p>
+            <a:r>
+              <a:t>Marigold10 11</a:t>
+            </a:r>
+          </a:p>
+          <a:p>
+            <a:r>
+              <a:t>Rationalised 2023-24</a:t>
             </a:r>
           </a:p>
           <a:p>
@@ -3975,307 +4549,142 @@
           </a:p>
           <a:p>
             <a:r>
-              <a:t>556 seeds16</a:t>
-            </a:r>
-          </a:p>
-          <a:p>
-            <a:r>
-              <a:t>Figure 9.5 Independent inheritance of two</a:t>
-            </a:r>
-          </a:p>
-          <a:p>
-            <a:r>
-              <a:t>separate traits, shape and colour of seeds</a:t>
-            </a:r>
-          </a:p>
-          <a:p>
-            <a:r>
-              <a:t>RY Ry rY ry</a:t>
-            </a:r>
-          </a:p>
-          <a:p>
-            <a:r>
-              <a:t>RY</a:t>
-            </a:r>
-          </a:p>
-          <a:p>
-            <a:r>
-              <a:t>Ry</a:t>
-            </a:r>
-          </a:p>
-          <a:p>
-            <a:r>
-              <a:t>rY</a:t>
-            </a:r>
-          </a:p>
-          <a:p>
-            <a:r>
-              <a:t>ryRRYY RRYy RrYY RrYy</a:t>
-            </a:r>
-          </a:p>
-          <a:p>
-            <a:r>
-              <a:t>RRYy RRyy RrYy Rryy</a:t>
-            </a:r>
-          </a:p>
-          <a:p>
-            <a:r>
-              <a:t>RrYY RrYy rrYY rrYy</a:t>
-            </a:r>
-          </a:p>
-          <a:p>
-            <a:r>
-              <a:t>RrYy Rryy rrYy rryyF2</a:t>
-            </a:r>
-          </a:p>
-          <a:p>
-            <a:r>
-              <a:t>Figure 8.5Figure 8.5Figure 8.5Figure 8.5Figure 8.5</a:t>
-            </a:r>
-          </a:p>
-          <a:p>
-            <a:r>
-              <a:t>Independent inheritance</a:t>
-            </a:r>
-          </a:p>
-          <a:p>
-            <a:r>
-              <a:t>of two separate traits,</a:t>
-            </a:r>
-          </a:p>
-          <a:p>
-            <a:r>
-              <a:t>shape and colour of seedsWhat happens when pea plants showing two different</a:t>
-            </a:r>
-          </a:p>
-          <a:p>
-            <a:r>
-              <a:t>characteristics, rather than just one, are bred with each other?</a:t>
-            </a:r>
-          </a:p>
-          <a:p>
-            <a:r>
-              <a:t>What do the progeny of a tall plant with round seeds and a short</a:t>
-            </a:r>
-          </a:p>
-          <a:p>
-            <a:r>
-              <a:t>plant with wrinkled-seeds look like? They are all tall and have</a:t>
-            </a:r>
-          </a:p>
-          <a:p>
-            <a:r>
-              <a:t>round seeds. Tallness and round seeds are thus dominant traits.</a:t>
-            </a:r>
-          </a:p>
-          <a:p>
-            <a:r>
-              <a:t>But what happens when these F1 progeny are used to generate</a:t>
-            </a:r>
-          </a:p>
-          <a:p>
-            <a:r>
-              <a:t>F2 progeny by self-pollination? A Mendelian experiment will find</a:t>
-            </a:r>
-          </a:p>
-          <a:p>
-            <a:r>
-              <a:t>that some F2 progeny are tall plants with round seeds, and some</a:t>
-            </a:r>
-          </a:p>
-          <a:p>
-            <a:r>
-              <a:t>were short plants with wrinkled seeds.  However , ther e would also</a:t>
-            </a:r>
-          </a:p>
-          <a:p>
-            <a:r>
-              <a:t>be some F2 progeny that showed new combinations. Some of them</a:t>
-            </a:r>
-          </a:p>
-          <a:p>
-            <a:r>
-              <a:t>would be tall, but have wrinkled seeds, while others would be short,</a:t>
-            </a:r>
-          </a:p>
-          <a:p>
-            <a:r>
-              <a:t>but have r ound seeds. Y ou can see as to how new combinations of</a:t>
-            </a:r>
-          </a:p>
-          <a:p>
-            <a:r>
-              <a:t>traits are formed in F2 offspring when factors controlling for seed</a:t>
-            </a:r>
-          </a:p>
-          <a:p>
-            <a:r>
-              <a:t>shape and seed colour recombine to form zygote leading to form</a:t>
-            </a:r>
-          </a:p>
-          <a:p>
-            <a:r>
-              <a:t>F2 offspring (Fig. 8.5). Thus, the tall/short trait and the round</a:t>
-            </a:r>
-          </a:p>
-          <a:p>
-            <a:r>
-              <a:t>seed/wrinkled seed trait are independently inherited.</a:t>
-            </a:r>
-          </a:p>
-          <a:p>
-            <a:r>
-              <a:t>8.2.3 How do these T raits get Expressed?</a:t>
-            </a:r>
-          </a:p>
-          <a:p>
-            <a:r>
-              <a:t>How does the mechanism of heredity work? Cellular DNA is</a:t>
-            </a:r>
-          </a:p>
-          <a:p>
-            <a:r>
-              <a:t>the information source for making proteins in the cell. A section</a:t>
-            </a:r>
-          </a:p>
-          <a:p>
-            <a:r>
-              <a:t>of DNA that provides information for one protein is called the</a:t>
-            </a:r>
-          </a:p>
-          <a:p>
-            <a:r>
-              <a:t>gene for that protein. How do proteins control the</a:t>
-            </a:r>
-          </a:p>
-          <a:p>
-            <a:r>
-              <a:t>characteristics that we are discussing here? Let us take the</a:t>
-            </a:r>
-          </a:p>
-          <a:p>
-            <a:r>
-              <a:t>example of tallness as a characteristic. W e know that plants</a:t>
-            </a:r>
-          </a:p>
-          <a:p>
-            <a:r>
-              <a:t>have hormones that can trigger growth. Plant height can thus</a:t>
-            </a:r>
-          </a:p>
-          <a:p>
-            <a:r>
-              <a:t>depend on the amount of a particular plant hormone. The</a:t>
-            </a:r>
-          </a:p>
-          <a:p>
-            <a:r>
-              <a:t>amount of the plant hormone made will depend on the</a:t>
-            </a:r>
-          </a:p>
-          <a:p>
-            <a:r>
-              <a:t>efficiency of the process for making it. Consider now an enzyme</a:t>
-            </a:r>
-          </a:p>
-          <a:p>
-            <a:r>
-              <a:t>that is important for this process. If this enzyme works</a:t>
-            </a:r>
-          </a:p>
-          <a:p>
-            <a:r>
-              <a:t>efficiently, a lot of hormone will be made, and the plant will be</a:t>
-            </a:r>
-          </a:p>
-          <a:p>
-            <a:r>
-              <a:t>tall. If the gene for that enzyme has an alteration that makes</a:t>
-            </a:r>
-          </a:p>
-          <a:p>
-            <a:r>
-              <a:t>the enzyme less efficient, the amount of hormone will be less,</a:t>
-            </a:r>
-          </a:p>
-          <a:p>
-            <a:r>
-              <a:t>and the plant will be short. Thus, genes control characteristics,</a:t>
-            </a:r>
-          </a:p>
-          <a:p>
-            <a:r>
-              <a:t>or traits.</a:t>
-            </a:r>
-          </a:p>
-          <a:p>
-            <a:r>
-              <a:t>If the interpretations of Mendelian experiments we have been</a:t>
-            </a:r>
-          </a:p>
-          <a:p>
-            <a:r>
-              <a:t>discussing are correct, then both parents must be contributing</a:t>
-            </a:r>
-          </a:p>
-          <a:p>
-            <a:r>
-              <a:t>equally to the DNA of the progeny during sexual reproduction.</a:t>
-            </a:r>
-          </a:p>
-          <a:p>
-            <a:r>
-              <a:t>We have disscussed this issue in the pr evious Chapter . If both</a:t>
-            </a:r>
-          </a:p>
-          <a:p>
-            <a:r>
-              <a:t>parents can help determine the trait in the progeny, both parents</a:t>
-            </a:r>
-          </a:p>
-          <a:p>
-            <a:r>
-              <a:t>must be contributing a copy of the same gene. This means that</a:t>
-            </a:r>
-          </a:p>
-          <a:p>
-            <a:r>
-              <a:t>each pea plant must have two sets of all genes, one inherited from</a:t>
-            </a:r>
-          </a:p>
-          <a:p>
-            <a:r>
-              <a:t>each parent. For this mechanism to work, each germ cell must</a:t>
-            </a:r>
-          </a:p>
-          <a:p>
-            <a:r>
-              <a:t>have only one gene set.</a:t>
-            </a:r>
-          </a:p>
-          <a:p>
-            <a:r>
-              <a:t>How do germ-cells make a single set of genes from the normal two</a:t>
-            </a:r>
-          </a:p>
-          <a:p>
-            <a:r>
-              <a:t>copies that all other cells in the body have? If progeny plants inherited a</a:t>
-            </a:r>
-          </a:p>
-          <a:p>
-            <a:r>
-              <a:t>single whole gene set from each parent, then the experiment explained</a:t>
-            </a:r>
-          </a:p>
-          <a:p>
-            <a:r>
-              <a:t>in Fig. 8.5 cannot work. This is because the two characteristics ‘R’ and</a:t>
-            </a:r>
-          </a:p>
-          <a:p>
-            <a:r>
-              <a:t>‘y’ would then be linked to each other and cannot be independentlyFigure 8.4Figure 8.4Figure 8.4Figure 8.4Figure 8.4</a:t>
+              <a:t>Marigold Marigold13</a:t>
+            </a:r>
+          </a:p>
+          <a:p>
+            <a:r>
+              <a:t>1. What were the preparations in the palace for?</a:t>
+            </a:r>
+          </a:p>
+          <a:p>
+            <a:r>
+              <a:t>2. Why did the Maharaja</a:t>
+            </a:r>
+          </a:p>
+          <a:p>
+            <a:r>
+              <a:t>go into the kitchen in the afternoon?</a:t>
+            </a:r>
+          </a:p>
+          <a:p>
+            <a:r>
+              <a:t>3. What had the cook planned to do with the vegetable</a:t>
+            </a:r>
+          </a:p>
+          <a:p>
+            <a:r>
+              <a:t>scraps?</a:t>
+            </a:r>
+          </a:p>
+          <a:p>
+            <a:r>
+              <a:t>4. Ingredients are the things that are used to make a dish.</a:t>
+            </a:r>
+          </a:p>
+          <a:p>
+            <a:r>
+              <a:t>Circle the ingredients of in the box below.</a:t>
+            </a:r>
+          </a:p>
+          <a:p>
+            <a:r>
+              <a:t>chillies groundnut wood vegetable scraps</a:t>
+            </a:r>
+          </a:p>
+          <a:p>
+            <a:r>
+              <a:t>coconut roasted peanuts curd pot</a:t>
+            </a:r>
+          </a:p>
+          <a:p>
+            <a:r>
+              <a:t>garlic broken bangles basket curry leaves</a:t>
+            </a:r>
+          </a:p>
+          <a:p>
+            <a:r>
+              <a:t>5. State whether the following are or</a:t>
+            </a:r>
+          </a:p>
+          <a:p>
+            <a:r>
+              <a:t>(i) The king had ordered a dinner in the palace.</a:t>
+            </a:r>
+          </a:p>
+          <a:p>
+            <a:r>
+              <a:t>__________</a:t>
+            </a:r>
+          </a:p>
+          <a:p>
+            <a:r>
+              <a:t>(ii) No one had heard of or tasted before.</a:t>
+            </a:r>
+          </a:p>
+          <a:p>
+            <a:r>
+              <a:t>____________</a:t>
+            </a:r>
+          </a:p>
+          <a:p>
+            <a:r>
+              <a:t>(iii) The cook had planned to make another dish using</a:t>
+            </a:r>
+          </a:p>
+          <a:p>
+            <a:r>
+              <a:t>the vegetable scraps.____________avial</a:t>
+            </a:r>
+          </a:p>
+          <a:p>
+            <a:r>
+              <a:t>avialTrue False.</a:t>
+            </a:r>
+          </a:p>
+          <a:p>
+            <a:r>
+              <a:t>New Phrases</a:t>
+            </a:r>
+          </a:p>
+          <a:p>
+            <a:r>
+              <a:t>in a fix : a situation hard to</a:t>
+            </a:r>
+          </a:p>
+          <a:p>
+            <a:r>
+              <a:t>escape from</a:t>
+            </a:r>
+          </a:p>
+          <a:p>
+            <a:r>
+              <a:t>flash across the mind : suddenly think of</a:t>
+            </a:r>
+          </a:p>
+          <a:p>
+            <a:r>
+              <a:t>lo and behold : look! what a surprise</a:t>
+            </a:r>
+          </a:p>
+          <a:p>
+            <a:r>
+              <a:t>traditional feast : hearty meal for many</a:t>
+            </a:r>
+          </a:p>
+          <a:p>
+            <a:r>
+              <a:t>guests served on a</a:t>
+            </a:r>
+          </a:p>
+          <a:p>
+            <a:r>
+              <a:t>special occasion</a:t>
+            </a:r>
+          </a:p>
+          <a:p>
+            <a:r>
+              <a:t>12Reading is Fun</a:t>
             </a:r>
           </a:p>
           <a:p>
@@ -4285,242 +4694,147 @@
           </a:p>
           <a:p>
             <a:r>
-              <a:t>Science 132inherited. This is explained by the fact that each gene set is present, not</a:t>
-            </a:r>
-          </a:p>
-          <a:p>
-            <a:r>
-              <a:t>as a single long thread of DNA, but as separate independent pieces,</a:t>
-            </a:r>
-          </a:p>
-          <a:p>
-            <a:r>
-              <a:t>each called a chromosome. Thus, each cell will have two copies of each</a:t>
-            </a:r>
-          </a:p>
-          <a:p>
-            <a:r>
-              <a:t>chromosome, one each from the male and female parents. Every germ-</a:t>
-            </a:r>
-          </a:p>
-          <a:p>
-            <a:r>
-              <a:t>cell will take one chromosome from each pair and these may be of either</a:t>
-            </a:r>
-          </a:p>
-          <a:p>
-            <a:r>
-              <a:t>maternal or paternal origin. When two germ cells combine, they will</a:t>
-            </a:r>
-          </a:p>
-          <a:p>
-            <a:r>
-              <a:t>restore the normal number of chromosomes in the progeny, ensuring</a:t>
-            </a:r>
-          </a:p>
-          <a:p>
-            <a:r>
-              <a:t>the stability of the DNA of the species. Such a mechanism of inheritance</a:t>
-            </a:r>
-          </a:p>
-          <a:p>
-            <a:r>
-              <a:t>explains the results of the Mendel experiments, and is used by all</a:t>
-            </a:r>
-          </a:p>
-          <a:p>
-            <a:r>
-              <a:t>sexually reproducing organisms. But asexually reproducing organisms</a:t>
-            </a:r>
-          </a:p>
-          <a:p>
-            <a:r>
-              <a:t>also follow similar rules of inheritance. Can we work out how their</a:t>
-            </a:r>
-          </a:p>
-          <a:p>
-            <a:r>
-              <a:t>inheritance might work?</a:t>
-            </a:r>
-          </a:p>
-          <a:p>
-            <a:r>
-              <a:t>8.2.4 Se x Deter mination</a:t>
-            </a:r>
-          </a:p>
-          <a:p>
-            <a:r>
-              <a:t>We have discussed the idea that the two sexes participating in sexual</a:t>
-            </a:r>
-          </a:p>
-          <a:p>
-            <a:r>
-              <a:t>reproduction must be somewhat different from each other for a number</a:t>
-            </a:r>
-          </a:p>
-          <a:p>
-            <a:r>
-              <a:t>of reasons. How is the sex of a newborn individual</a:t>
-            </a:r>
-          </a:p>
-          <a:p>
-            <a:r>
-              <a:t>determined? Different species use very different strategies</a:t>
-            </a:r>
-          </a:p>
-          <a:p>
-            <a:r>
-              <a:t>for this. Some rely entirely on environmental cues. Thus,</a:t>
-            </a:r>
-          </a:p>
-          <a:p>
-            <a:r>
-              <a:t>in some animals like a few reptiles, the temperature at</a:t>
-            </a:r>
-          </a:p>
-          <a:p>
-            <a:r>
-              <a:t>which fertilised eggs are kept determines whether the</a:t>
-            </a:r>
-          </a:p>
-          <a:p>
-            <a:r>
-              <a:t>animals developing in the eggs will be male or female. In</a:t>
-            </a:r>
-          </a:p>
-          <a:p>
-            <a:r>
-              <a:t>other animals, such as snails, individuals can change sex,</a:t>
-            </a:r>
-          </a:p>
-          <a:p>
-            <a:r>
-              <a:t>indicating that sex is not genetically deter mined. However ,</a:t>
-            </a:r>
-          </a:p>
-          <a:p>
-            <a:r>
-              <a:t>in human beings, the sex of the individual is largely</a:t>
-            </a:r>
-          </a:p>
-          <a:p>
-            <a:r>
-              <a:t>genetically determined. In other words, the genes inherited</a:t>
-            </a:r>
-          </a:p>
-          <a:p>
-            <a:r>
-              <a:t>from our parents decide whether we will be boys or girls.</a:t>
-            </a:r>
-          </a:p>
-          <a:p>
-            <a:r>
-              <a:t>But so far , we have assumed that similar gene sets are</a:t>
-            </a:r>
-          </a:p>
-          <a:p>
-            <a:r>
-              <a:t>inherited from both parents. If that is the case, how can</a:t>
-            </a:r>
-          </a:p>
-          <a:p>
-            <a:r>
-              <a:t>genetic inheritance determine sex?</a:t>
-            </a:r>
-          </a:p>
-          <a:p>
-            <a:r>
-              <a:t>The explanation lies in the fact that all human</a:t>
-            </a:r>
-          </a:p>
-          <a:p>
-            <a:r>
-              <a:t>chromosomes are not paired. Most human chromosomes</a:t>
-            </a:r>
-          </a:p>
-          <a:p>
-            <a:r>
-              <a:t>have a maternal and a paternal copy, and we have 22</a:t>
-            </a:r>
-          </a:p>
-          <a:p>
-            <a:r>
-              <a:t>such pairs. But one pair , called the sex chr omosomes, is</a:t>
-            </a:r>
-          </a:p>
-          <a:p>
-            <a:r>
-              <a:t>odd in not always being a per fect pair . Women have a</a:t>
-            </a:r>
-          </a:p>
-          <a:p>
-            <a:r>
-              <a:t>perfect pair of sex chromosomes, both called X. But men</a:t>
-            </a:r>
-          </a:p>
-          <a:p>
-            <a:r>
-              <a:t>have a mismatched pair in which one is a normal-sized X</a:t>
-            </a:r>
-          </a:p>
-          <a:p>
-            <a:r>
-              <a:t>while the other is a short one called Y . So women ar e XX,</a:t>
-            </a:r>
-          </a:p>
-          <a:p>
-            <a:r>
-              <a:t>while men ar e XY. Now, can we work out what the</a:t>
-            </a:r>
-          </a:p>
-          <a:p>
-            <a:r>
-              <a:t>inheritance pattern of X and Y will be?</a:t>
-            </a:r>
-          </a:p>
-          <a:p>
-            <a:r>
-              <a:t>As Fig. 8.6 shows, half the children will be boys and</a:t>
-            </a:r>
-          </a:p>
-          <a:p>
-            <a:r>
-              <a:t>half will be girls. All children will inherit an X chromosome</a:t>
-            </a:r>
-          </a:p>
-          <a:p>
-            <a:r>
-              <a:t>from their mother regardless of whether they are boys or</a:t>
-            </a:r>
-          </a:p>
-          <a:p>
-            <a:r>
-              <a:t>girls. Thus, the sex of the children will be determined by</a:t>
-            </a:r>
-          </a:p>
-          <a:p>
-            <a:r>
-              <a:t>what they inherit fr om their father . A child who inherits</a:t>
-            </a:r>
-          </a:p>
-          <a:p>
-            <a:r>
-              <a:t>an X chromosome from her father will be a girl, and one</a:t>
-            </a:r>
-          </a:p>
-          <a:p>
-            <a:r>
-              <a:t>who inherits a Y chromosome from him will be a boy.Figure 8.6Figure 8.6Figure 8.6Figure 8.6Figure 8.6</a:t>
-            </a:r>
-          </a:p>
-          <a:p>
-            <a:r>
-              <a:t>Sex determination in</a:t>
-            </a:r>
-          </a:p>
-          <a:p>
-            <a:r>
-              <a:t>human beings</a:t>
+              <a:t>Marigold Marigold</a:t>
+            </a:r>
+          </a:p>
+          <a:p>
+            <a:r>
+              <a:t>New Phrases</a:t>
+            </a:r>
+          </a:p>
+          <a:p>
+            <a:r>
+              <a:t>12Reading is Fun1. A recipe is a list of directions to prepare a dish. The</a:t>
+            </a:r>
+          </a:p>
+          <a:p>
+            <a:r>
+              <a:t>following sentences are not</a:t>
+            </a:r>
+          </a:p>
+          <a:p>
+            <a:r>
+              <a:t>in order for preparing</a:t>
+            </a:r>
+          </a:p>
+          <a:p>
+            <a:r>
+              <a:t>. Number them in the correct order.</a:t>
+            </a:r>
+          </a:p>
+          <a:p>
+            <a:r>
+              <a:t>Grind some coconut, green chillies and garlic.</a:t>
+            </a:r>
+          </a:p>
+          <a:p>
+            <a:r>
+              <a:t>Cut the vegetable scraps into long strips.</a:t>
+            </a:r>
+          </a:p>
+          <a:p>
+            <a:r>
+              <a:t>Wash and clean the mix of vegetable bits.</a:t>
+            </a:r>
+          </a:p>
+          <a:p>
+            <a:r>
+              <a:t>Decorate with curry leaves.</a:t>
+            </a:r>
+          </a:p>
+          <a:p>
+            <a:r>
+              <a:t>Whip some curd and mix it in.</a:t>
+            </a:r>
+          </a:p>
+          <a:p>
+            <a:r>
+              <a:t>Pour some coconut oil on top.</a:t>
+            </a:r>
+          </a:p>
+          <a:p>
+            <a:r>
+              <a:t>is ready.</a:t>
+            </a:r>
+          </a:p>
+          <a:p>
+            <a:r>
+              <a:t>2. Given in the box are some things that children do after</a:t>
+            </a:r>
+          </a:p>
+          <a:p>
+            <a:r>
+              <a:t>they reach home from school.</a:t>
+            </a:r>
+          </a:p>
+          <a:p>
+            <a:r>
+              <a:t>Choose five things that you do when you reach home</a:t>
+            </a:r>
+          </a:p>
+          <a:p>
+            <a:r>
+              <a:t>from school. Write them in order.</a:t>
+            </a:r>
+          </a:p>
+          <a:p>
+            <a:r>
+              <a:t>pack school bag put away school bag have lunch</a:t>
+            </a:r>
+          </a:p>
+          <a:p>
+            <a:r>
+              <a:t>read a story book chat with mummy about school</a:t>
+            </a:r>
+          </a:p>
+          <a:p>
+            <a:r>
+              <a:t>sleep for a while wash up</a:t>
+            </a:r>
+          </a:p>
+          <a:p>
+            <a:r>
+              <a:t>do the home work watch TV</a:t>
+            </a:r>
+          </a:p>
+          <a:p>
+            <a:r>
+              <a:t>go to play change out of school uniform</a:t>
+            </a:r>
+          </a:p>
+          <a:p>
+            <a:r>
+              <a:t>First, I_______________________________________________.</a:t>
+            </a:r>
+          </a:p>
+          <a:p>
+            <a:r>
+              <a:t>Then, I_______________________________________________.</a:t>
+            </a:r>
+          </a:p>
+          <a:p>
+            <a:r>
+              <a:t>Next, I_______________________________________________.</a:t>
+            </a:r>
+          </a:p>
+          <a:p>
+            <a:r>
+              <a:t>After that, I__________________________________________.</a:t>
+            </a:r>
+          </a:p>
+          <a:p>
+            <a:r>
+              <a:t>Finally, I_____________________________________________.avial</a:t>
+            </a:r>
+          </a:p>
+          <a:p>
+            <a:r>
+              <a:t>Avial1</a:t>
+            </a:r>
+          </a:p>
+          <a:p>
+            <a:r>
+              <a:t>13</a:t>
             </a:r>
           </a:p>
           <a:p>
@@ -4530,177 +4844,1062 @@
           </a:p>
           <a:p>
             <a:r>
-              <a:t>Heredity 133QUESTIONS</a:t>
-            </a:r>
-          </a:p>
-          <a:p>
-            <a:r>
-              <a:t>?1. How do Mendel’s experiments show that traits may be dominant or</a:t>
-            </a:r>
-          </a:p>
-          <a:p>
-            <a:r>
-              <a:t>recessive?</a:t>
-            </a:r>
-          </a:p>
-          <a:p>
-            <a:r>
-              <a:t>2. How do Mendel’s experiments show that traits are inherited</a:t>
-            </a:r>
-          </a:p>
-          <a:p>
-            <a:r>
-              <a:t>independently?</a:t>
-            </a:r>
-          </a:p>
-          <a:p>
-            <a:r>
-              <a:t>3. A man with blood group A marries a woman with blood group O and</a:t>
-            </a:r>
-          </a:p>
-          <a:p>
-            <a:r>
-              <a:t>their daughter has blood group O. Is this information enough to tell you</a:t>
-            </a:r>
-          </a:p>
-          <a:p>
-            <a:r>
-              <a:t>which of the traits – blood group A or O – is dominant? Why or why not?</a:t>
-            </a:r>
-          </a:p>
-          <a:p>
-            <a:r>
-              <a:t>4. How is the sex of the child determined in human beings?</a:t>
-            </a:r>
-          </a:p>
-          <a:p>
-            <a:r>
-              <a:t>What y ou hav e learnt</a:t>
-            </a:r>
-          </a:p>
-          <a:p>
-            <a:r>
-              <a:t>/square6Variations arising during the pr ocess of r eproduction can be inherited.</a:t>
-            </a:r>
-          </a:p>
-          <a:p>
-            <a:r>
-              <a:t>/square6These variations may lead to increased survival of the individuals.</a:t>
-            </a:r>
-          </a:p>
-          <a:p>
-            <a:r>
-              <a:t>/square6Sexually reproducing individuals have two copies of genes for the same trait. If the</a:t>
-            </a:r>
-          </a:p>
-          <a:p>
-            <a:r>
-              <a:t>copies are not identical, the trait that gets expressed is called the dominant trait</a:t>
-            </a:r>
-          </a:p>
-          <a:p>
-            <a:r>
-              <a:t>and the other is called the recessive trait.</a:t>
-            </a:r>
-          </a:p>
-          <a:p>
-            <a:r>
-              <a:t>/square6Traits in one individual may be inherited separately, giving rise to new combinations</a:t>
-            </a:r>
-          </a:p>
-          <a:p>
-            <a:r>
-              <a:t>of traits in the offspring of sexual reproduction.</a:t>
-            </a:r>
-          </a:p>
-          <a:p>
-            <a:r>
-              <a:t>/square6Sex is determined by different factors in various species. In human beings, the</a:t>
-            </a:r>
-          </a:p>
-          <a:p>
-            <a:r>
-              <a:t>sex of the child depends on whether the paternal chromosome is X (for girls) or Y</a:t>
-            </a:r>
-          </a:p>
-          <a:p>
-            <a:r>
-              <a:t>(for boys).</a:t>
-            </a:r>
-          </a:p>
-          <a:p>
-            <a:r>
-              <a:t>EXERCISES</a:t>
-            </a:r>
-          </a:p>
-          <a:p>
-            <a:r>
-              <a:t>1.A Mendelian experiment consisted of breeding tall pea plants bearing violet flowers</a:t>
-            </a:r>
-          </a:p>
-          <a:p>
-            <a:r>
-              <a:t>with short pea plants bearing white flowers. The progeny all bore violet flowers,</a:t>
-            </a:r>
-          </a:p>
-          <a:p>
-            <a:r>
-              <a:t>but almost half of them were short. This suggests that the genetic make-up of the</a:t>
-            </a:r>
-          </a:p>
-          <a:p>
-            <a:r>
-              <a:t>tall parent can be depicted as</a:t>
-            </a:r>
-          </a:p>
-          <a:p>
-            <a:r>
-              <a:t>(a) TTWW</a:t>
-            </a:r>
-          </a:p>
-          <a:p>
-            <a:r>
-              <a:t>(b) TTww</a:t>
-            </a:r>
-          </a:p>
-          <a:p>
-            <a:r>
-              <a:t>(c) TtWW</a:t>
-            </a:r>
-          </a:p>
-          <a:p>
-            <a:r>
-              <a:t>(d) TtWw</a:t>
-            </a:r>
-          </a:p>
-          <a:p>
-            <a:r>
-              <a:t>2.A study found that children with light-coloured eyes are likely to have parents</a:t>
-            </a:r>
-          </a:p>
-          <a:p>
-            <a:r>
-              <a:t>with light-coloured eyes. On this basis, can we say anything about whether the</a:t>
-            </a:r>
-          </a:p>
-          <a:p>
-            <a:r>
-              <a:t>light eye colour trait is dominant or recessive? Why or why not?</a:t>
-            </a:r>
-          </a:p>
-          <a:p>
-            <a:r>
-              <a:t>3.Outline a project which aims to find the dominant coat colour in dogs.</a:t>
-            </a:r>
-          </a:p>
-          <a:p>
-            <a:r>
-              <a:t>4.How is the equal genetic contribution of male and female parents ensured in</a:t>
-            </a:r>
-          </a:p>
-          <a:p>
-            <a:r>
-              <a:t>the progeny?</a:t>
+              <a:t>Let's Talk</a:t>
+            </a:r>
+          </a:p>
+          <a:p>
+            <a:r>
+              <a:t>The Maharaja was a wise man and ordered the</a:t>
+            </a:r>
+          </a:p>
+          <a:p>
+            <a:r>
+              <a:t>cook to use the</a:t>
+            </a:r>
+          </a:p>
+          <a:p>
+            <a:r>
+              <a:t>vegetable scraps instead of</a:t>
+            </a:r>
+          </a:p>
+          <a:p>
+            <a:r>
+              <a:t>throwing them away.</a:t>
+            </a:r>
+          </a:p>
+          <a:p>
+            <a:r>
+              <a:t>Put up your findings on the class board.</a:t>
+            </a:r>
+          </a:p>
+          <a:p>
+            <a:r>
+              <a:t>1. Some words have more than one meaning.</a:t>
+            </a:r>
+          </a:p>
+          <a:p>
+            <a:r>
+              <a:t>For example, —</a:t>
+            </a:r>
+          </a:p>
+          <a:p>
+            <a:r>
+              <a:t>Meanings: a dot in print or writing, full stop,</a:t>
+            </a:r>
+          </a:p>
+          <a:p>
+            <a:r>
+              <a:t>decimal, the number you score in</a:t>
+            </a:r>
+          </a:p>
+          <a:p>
+            <a:r>
+              <a:t>a game</a:t>
+            </a:r>
+          </a:p>
+          <a:p>
+            <a:r>
+              <a:t>to show or call attention to something</a:t>
+            </a:r>
+          </a:p>
+          <a:p>
+            <a:r>
+              <a:t>Look up the following words in the dictionary. They may</a:t>
+            </a:r>
+          </a:p>
+          <a:p>
+            <a:r>
+              <a:t>have more than one meaning. List these meanings.</a:t>
+            </a:r>
+          </a:p>
+          <a:p>
+            <a:r>
+              <a:t>ground</a:t>
+            </a:r>
+          </a:p>
+          <a:p>
+            <a:r>
+              <a:t>urvey</a:t>
+            </a:r>
+          </a:p>
+          <a:p>
+            <a:r>
+              <a:t>scrap</a:t>
+            </a:r>
+          </a:p>
+          <a:p>
+            <a:r>
+              <a:t>sternly</a:t>
+            </a:r>
+          </a:p>
+          <a:p>
+            <a:r>
+              <a:t>temptingName some of the things which are thrown away at home or</a:t>
+            </a:r>
+          </a:p>
+          <a:p>
+            <a:r>
+              <a:t>in school.</a:t>
+            </a:r>
+          </a:p>
+          <a:p>
+            <a:r>
+              <a:t>Sit in groups of four and think of interesting ways in</a:t>
+            </a:r>
+          </a:p>
+          <a:p>
+            <a:r>
+              <a:t>which they can be made useful.</a:t>
+            </a:r>
+          </a:p>
+          <a:p>
+            <a:r>
+              <a:t>______________________________________________</a:t>
+            </a:r>
+          </a:p>
+          <a:p>
+            <a:r>
+              <a:t>s ______________________________________________</a:t>
+            </a:r>
+          </a:p>
+          <a:p>
+            <a:r>
+              <a:t>______________________________________________</a:t>
+            </a:r>
+          </a:p>
+          <a:p>
+            <a:r>
+              <a:t>______________________________________________</a:t>
+            </a:r>
+          </a:p>
+          <a:p>
+            <a:r>
+              <a:t>______________________________________________Pair work/c52</a:t>
+            </a:r>
+          </a:p>
+          <a:p>
+            <a:r>
+              <a:t>/c52</a:t>
+            </a:r>
+          </a:p>
+          <a:p>
+            <a:r>
+              <a:t>/c52</a:t>
+            </a:r>
+          </a:p>
+          <a:p>
+            <a:r>
+              <a:t>point</a:t>
+            </a:r>
+          </a:p>
+          <a:p>
+            <a:r>
+              <a:t>noun</a:t>
+            </a:r>
+          </a:p>
+          <a:p>
+            <a:r>
+              <a:t>verb</a:t>
+            </a:r>
+          </a:p>
+          <a:p>
+            <a:r>
+              <a:t>Word Building</a:t>
+            </a:r>
+          </a:p>
+          <a:p>
+            <a:r>
+              <a:t>Find Out</a:t>
+            </a:r>
+          </a:p>
+          <a:p>
+            <a:r>
+              <a:t>/c52</a:t>
+            </a:r>
+          </a:p>
+          <a:p>
+            <a:r>
+              <a:t>/c52</a:t>
+            </a:r>
+          </a:p>
+          <a:p>
+            <a:r>
+              <a:t>/c52</a:t>
+            </a:r>
+          </a:p>
+          <a:p>
+            <a:r>
+              <a:t>/c52</a:t>
+            </a:r>
+          </a:p>
+          <a:p>
+            <a:r>
+              <a:t>Marigold Marigold14 15</a:t>
+            </a:r>
+          </a:p>
+          <a:p>
+            <a:r>
+              <a:t>Rationalised 2023-24</a:t>
+            </a:r>
+          </a:p>
+          <a:p>
+            <a:r>
+              <a:t>Let's Talk</a:t>
+            </a:r>
+          </a:p>
+          <a:p>
+            <a:r>
+              <a:t>/c52</a:t>
+            </a:r>
+          </a:p>
+          <a:p>
+            <a:r>
+              <a:t>/c52</a:t>
+            </a:r>
+          </a:p>
+          <a:p>
+            <a:r>
+              <a:t>/c52</a:t>
+            </a:r>
+          </a:p>
+          <a:p>
+            <a:r>
+              <a:t>Word Building2. Make new words by adding/dropping a few letters from the</a:t>
+            </a:r>
+          </a:p>
+          <a:p>
+            <a:r>
+              <a:t>root wor d.</a:t>
+            </a:r>
+          </a:p>
+          <a:p>
+            <a:r>
+              <a:t>Some are done for you.</a:t>
+            </a:r>
+          </a:p>
+          <a:p>
+            <a:r>
+              <a:t>pound × ×</a:t>
+            </a:r>
+          </a:p>
+          <a:p>
+            <a:r>
+              <a:t>try tried × ×</a:t>
+            </a:r>
+          </a:p>
+          <a:p>
+            <a:r>
+              <a:t>large × ×</a:t>
+            </a:r>
+          </a:p>
+          <a:p>
+            <a:r>
+              <a:t>new × ×</a:t>
+            </a:r>
+          </a:p>
+          <a:p>
+            <a:r>
+              <a:t>tasty tasted tasting tastier</a:t>
+            </a:r>
+          </a:p>
+          <a:p>
+            <a:r>
+              <a:t>wise × ×</a:t>
+            </a:r>
+          </a:p>
+          <a:p>
+            <a:r>
+              <a:t>stare × ×</a:t>
+            </a:r>
+          </a:p>
+          <a:p>
+            <a:r>
+              <a:t>clean</a:t>
+            </a:r>
+          </a:p>
+          <a:p>
+            <a:r>
+              <a:t>Do any of these words use all of four endings ______</a:t>
+            </a:r>
+          </a:p>
+          <a:p>
+            <a:r>
+              <a:t>1. Name food that is made in your home</a:t>
+            </a:r>
+          </a:p>
+          <a:p>
+            <a:r>
+              <a:t>(i) for a feast/ festival.</a:t>
+            </a:r>
+          </a:p>
+          <a:p>
+            <a:r>
+              <a:t>(ii) when you are unwell.</a:t>
+            </a:r>
+          </a:p>
+          <a:p>
+            <a:r>
+              <a:t>(iii) everyday.</a:t>
+            </a:r>
+          </a:p>
+          <a:p>
+            <a:r>
+              <a:t>Share the information with your friends.</a:t>
+            </a:r>
+          </a:p>
+          <a:p>
+            <a:r>
+              <a:t>2. is a dish made in Kerala.</a:t>
+            </a:r>
+          </a:p>
+          <a:p>
+            <a:r>
+              <a:t>Do you have a similar dish in your state made from a mix of</a:t>
+            </a:r>
+          </a:p>
+          <a:p>
+            <a:r>
+              <a:t>many vegetables?</a:t>
+            </a:r>
+          </a:p>
+          <a:p>
+            <a:r>
+              <a:t>What is it called? _______________</a:t>
+            </a:r>
+          </a:p>
+          <a:p>
+            <a:r>
+              <a:t>Note down the ingredients used to make it.</a:t>
+            </a:r>
+          </a:p>
+          <a:p>
+            <a:r>
+              <a:t>Write the recipe.</a:t>
+            </a:r>
+          </a:p>
+          <a:p>
+            <a:r>
+              <a:t>Present attractively and display on the class board. You can</a:t>
+            </a:r>
+          </a:p>
+          <a:p>
+            <a:r>
+              <a:t>draw and stick pictures too.? ______</a:t>
+            </a:r>
+          </a:p>
+          <a:p>
+            <a:r>
+              <a:t>downAvial-ed -ing -er -est</a:t>
+            </a:r>
+          </a:p>
+          <a:p>
+            <a:r>
+              <a:t>Find Out</a:t>
+            </a:r>
+          </a:p>
+          <a:p>
+            <a:r>
+              <a:t>/c52</a:t>
+            </a:r>
+          </a:p>
+          <a:p>
+            <a:r>
+              <a:t>/c52</a:t>
+            </a:r>
+          </a:p>
+          <a:p>
+            <a:r>
+              <a:t>/c52</a:t>
+            </a:r>
+          </a:p>
+          <a:p>
+            <a:r>
+              <a:t>/c52</a:t>
+            </a:r>
+          </a:p>
+          <a:p>
+            <a:r>
+              <a:t>Marigold Marigold14 15</a:t>
+            </a:r>
+          </a:p>
+          <a:p>
+            <a:r>
+              <a:t>Rationalised 2023-24</a:t>
+            </a:r>
+          </a:p>
+          <a:p>
+            <a:r>
+              <a:t>1. One day the mother-in-law of</a:t>
+            </a:r>
+          </a:p>
+          <a:p>
+            <a:r>
+              <a:t>a Santhal bridegr oom</a:t>
+            </a:r>
+          </a:p>
+          <a:p>
+            <a:r>
+              <a:t>cooked</a:t>
+            </a:r>
+          </a:p>
+          <a:p>
+            <a:r>
+              <a:t>a special dish for him when</a:t>
+            </a:r>
+          </a:p>
+          <a:p>
+            <a:r>
+              <a:t>he visited her.</a:t>
+            </a:r>
+          </a:p>
+          <a:p>
+            <a:r>
+              <a:t>2. “This curry is delicious. What</a:t>
+            </a:r>
+          </a:p>
+          <a:p>
+            <a:r>
+              <a:t>is it?” The mother-in-law</a:t>
+            </a:r>
+          </a:p>
+          <a:p>
+            <a:r>
+              <a:t>pointed at the bamboo door.</a:t>
+            </a:r>
+          </a:p>
+          <a:p>
+            <a:r>
+              <a:t>3. Next morning, just as he</a:t>
+            </a:r>
+          </a:p>
+          <a:p>
+            <a:r>
+              <a:t>was about to leave, he</a:t>
+            </a:r>
+          </a:p>
+          <a:p>
+            <a:r>
+              <a:t>remembered that there was</a:t>
+            </a:r>
+          </a:p>
+          <a:p>
+            <a:r>
+              <a:t>no bamboo in his village.</a:t>
+            </a:r>
+          </a:p>
+          <a:p>
+            <a:r>
+              <a:t>4. So he removed the bamboo</a:t>
+            </a:r>
+          </a:p>
+          <a:p>
+            <a:r>
+              <a:t>door and carrying it with him</a:t>
+            </a:r>
+          </a:p>
+          <a:p>
+            <a:r>
+              <a:t>left for his home.</a:t>
+            </a:r>
+          </a:p>
+          <a:p>
+            <a:r>
+              <a:t>5. On reaching his village, he</a:t>
+            </a:r>
+          </a:p>
+          <a:p>
+            <a:r>
+              <a:t>told his wife, “Make curry</a:t>
+            </a:r>
+          </a:p>
+          <a:p>
+            <a:r>
+              <a:t>with this bamboo door.”</a:t>
+            </a:r>
+          </a:p>
+          <a:p>
+            <a:r>
+              <a:t>Have you ever eaten a dish made of bamboo?</a:t>
+            </a:r>
+          </a:p>
+          <a:p>
+            <a:r>
+              <a:t>Let's read this picture</a:t>
+            </a:r>
+          </a:p>
+          <a:p>
+            <a:r>
+              <a:t>story and find out which part</a:t>
+            </a:r>
+          </a:p>
+          <a:p>
+            <a:r>
+              <a:t>of bamboo can be cooked and eaten.Bamboo□Curry</a:t>
+            </a:r>
+          </a:p>
+          <a:p>
+            <a:r>
+              <a:t>Marigold Marigold16 17</a:t>
+            </a:r>
+          </a:p>
+          <a:p>
+            <a:r>
+              <a:t>Rationalised 2023-24</a:t>
+            </a:r>
+          </a:p>
+          <a:p>
+            <a:r>
+              <a:t>Have you ever eaten a dish made of bamboo?</a:t>
+            </a:r>
+          </a:p>
+          <a:p>
+            <a:r>
+              <a:t>Let's read this picture</a:t>
+            </a:r>
+          </a:p>
+          <a:p>
+            <a:r>
+              <a:t>story and find out which part</a:t>
+            </a:r>
+          </a:p>
+          <a:p>
+            <a:r>
+              <a:t>of bamboo can be cooked and eaten.Bamboo□Curry</a:t>
+            </a:r>
+          </a:p>
+          <a:p>
+            <a:r>
+              <a:t>6. She was shocked. “How can I</a:t>
+            </a:r>
+          </a:p>
+          <a:p>
+            <a:r>
+              <a:t>make curry out of</a:t>
+            </a:r>
+          </a:p>
+          <a:p>
+            <a:r>
+              <a:t>a bamboo</a:t>
+            </a:r>
+          </a:p>
+          <a:p>
+            <a:r>
+              <a:t>door?”</a:t>
+            </a:r>
+          </a:p>
+          <a:p>
+            <a:r>
+              <a:t>7. “Come, I'll help you by</a:t>
+            </a:r>
+          </a:p>
+          <a:p>
+            <a:r>
+              <a:t>chopping up the bamboo,” he</a:t>
+            </a:r>
+          </a:p>
+          <a:p>
+            <a:r>
+              <a:t>said.</a:t>
+            </a:r>
+          </a:p>
+          <a:p>
+            <a:r>
+              <a:t>8. His wife boiled it and boiled it.</a:t>
+            </a:r>
+          </a:p>
+          <a:p>
+            <a:r>
+              <a:t>Later when her husband</a:t>
+            </a:r>
+          </a:p>
+          <a:p>
+            <a:r>
+              <a:t>tasted it he said, “It’s too hard</a:t>
+            </a:r>
+          </a:p>
+          <a:p>
+            <a:r>
+              <a:t>to eat. You don’t know how</a:t>
+            </a:r>
+          </a:p>
+          <a:p>
+            <a:r>
+              <a:t>to cook.”</a:t>
+            </a:r>
+          </a:p>
+          <a:p>
+            <a:r>
+              <a:t>9. His wife added more water and</a:t>
+            </a:r>
+          </a:p>
+          <a:p>
+            <a:r>
+              <a:t>boiled it and boiled it.</a:t>
+            </a:r>
+          </a:p>
+          <a:p>
+            <a:r>
+              <a:t>“It’s still too hard. I can’t eat it.”</a:t>
+            </a:r>
+          </a:p>
+          <a:p>
+            <a:r>
+              <a:t>10. The in-laws came to visit the</a:t>
+            </a:r>
+          </a:p>
+          <a:p>
+            <a:r>
+              <a:t>young couple that evening.</a:t>
+            </a:r>
+          </a:p>
+          <a:p>
+            <a:r>
+              <a:t>They</a:t>
+            </a:r>
+          </a:p>
+          <a:p>
+            <a:r>
+              <a:t>all laughed at his</a:t>
+            </a:r>
+          </a:p>
+          <a:p>
+            <a:r>
+              <a:t>foolishness. The mother-in-</a:t>
+            </a:r>
+          </a:p>
+          <a:p>
+            <a:r>
+              <a:t>law said, “ Didn’t you know</a:t>
+            </a:r>
+          </a:p>
+          <a:p>
+            <a:r>
+              <a:t>the curry was made from</a:t>
+            </a:r>
+          </a:p>
+          <a:p>
+            <a:r>
+              <a:t>and not from</a:t>
+            </a:r>
+          </a:p>
+          <a:p>
+            <a:r>
+              <a:t>a ?</a:t>
+            </a:r>
+          </a:p>
+          <a:p>
+            <a:r>
+              <a:t>(A Santhal folk tale)bamboo shoot</a:t>
+            </a:r>
+          </a:p>
+          <a:p>
+            <a:r>
+              <a:t>bamboo door</a:t>
+            </a:r>
+          </a:p>
+          <a:p>
+            <a:r>
+              <a:t>Did you know this?</a:t>
+            </a:r>
+          </a:p>
+          <a:p>
+            <a:r>
+              <a:t>Marigold Marigold16 17</a:t>
+            </a:r>
+          </a:p>
+          <a:p>
+            <a:r>
+              <a:t>Rationalised 2023-24</a:t>
+            </a:r>
+          </a:p>
+          <a:p>
+            <a:r>
+              <a:t>1. Complete the sentences meaningfully.</a:t>
+            </a:r>
+          </a:p>
+          <a:p>
+            <a:r>
+              <a:t>(i) The bridegr oom</a:t>
+            </a:r>
+          </a:p>
+          <a:p>
+            <a:r>
+              <a:t>left with the door of his in-laws' house</a:t>
+            </a:r>
+          </a:p>
+          <a:p>
+            <a:r>
+              <a:t>because it was made of ______________ and there was</a:t>
+            </a:r>
+          </a:p>
+          <a:p>
+            <a:r>
+              <a:t>no bamboo in his ______________.</a:t>
+            </a:r>
+          </a:p>
+          <a:p>
+            <a:r>
+              <a:t>(ii) The bridegroom was unable to have bamboo</a:t>
+            </a:r>
+          </a:p>
+          <a:p>
+            <a:r>
+              <a:t>curry in the end because ______________</a:t>
+            </a:r>
+          </a:p>
+          <a:p>
+            <a:r>
+              <a:t>2. Word hunt</a:t>
+            </a:r>
+          </a:p>
+          <a:p>
+            <a:r>
+              <a:t>Fill in the blanks with words from the story.</a:t>
+            </a:r>
+          </a:p>
+          <a:p>
+            <a:r>
+              <a:t>(i) The bridegroom went to visit his ______________ .</a:t>
+            </a:r>
+          </a:p>
+          <a:p>
+            <a:r>
+              <a:t>(ii) The mother-in-law pointed _________ _________the</a:t>
+            </a:r>
+          </a:p>
+          <a:p>
+            <a:r>
+              <a:t>bamboo door.</a:t>
+            </a:r>
+          </a:p>
+          <a:p>
+            <a:r>
+              <a:t>(iii) He stayed the night ____________ his in-laws.</a:t>
+            </a:r>
+          </a:p>
+          <a:p>
+            <a:r>
+              <a:t>(iv) He carried the __________ __________back with him.</a:t>
+            </a:r>
+          </a:p>
+          <a:p>
+            <a:r>
+              <a:t>(v) The curry was made _________ bamboo shoots.</a:t>
+            </a:r>
+          </a:p>
+          <a:p>
+            <a:r>
+              <a:t>im-pa-tient ( im-pay-shnt)</a:t>
+            </a:r>
+          </a:p>
+          <a:p>
+            <a:r>
+              <a:t>de-li-cious (di-li-shius)</a:t>
+            </a:r>
+          </a:p>
+          <a:p>
+            <a:r>
+              <a:t>bo-iled</a:t>
+            </a:r>
+          </a:p>
+          <a:p>
+            <a:r>
+              <a:t>cho-pped</a:t>
+            </a:r>
+          </a:p>
+          <a:p>
+            <a:r>
+              <a:t>bam-boo</a:t>
+            </a:r>
+          </a:p>
+          <a:p>
+            <a:r>
+              <a:t>be-ganSay Aloud</a:t>
+            </a:r>
+          </a:p>
+          <a:p>
+            <a:r>
+              <a:t>Let's Write</a:t>
+            </a:r>
+          </a:p>
+          <a:p>
+            <a:r>
+              <a:t>Teacher's□Page</a:t>
+            </a:r>
+          </a:p>
+          <a:p>
+            <a:r>
+              <a:t>Marigold Marigold18 19</a:t>
+            </a:r>
+          </a:p>
+          <a:p>
+            <a:r>
+              <a:t>Rationalised 2023-24</a:t>
+            </a:r>
+          </a:p>
+          <a:p>
+            <a:r>
+              <a:t>Say Aloud</a:t>
+            </a:r>
+          </a:p>
+          <a:p>
+            <a:r>
+              <a:t>Let's Write</a:t>
+            </a:r>
+          </a:p>
+          <a:p>
+            <a:r>
+              <a:t>:</a:t>
+            </a:r>
+          </a:p>
+          <a:p>
+            <a:r>
+              <a:t>:</a:t>
+            </a:r>
+          </a:p>
+          <a:p>
+            <a:r>
+              <a:t>:</a:t>
+            </a:r>
+          </a:p>
+          <a:p>
+            <a:r>
+              <a:t>Recycling waste</a:t>
+            </a:r>
+          </a:p>
+          <a:p>
+            <a:r>
+              <a:t>Folk tales</a:t>
+            </a:r>
+          </a:p>
+          <a:p>
+            <a:r>
+              <a:t>Multi-cultural appr</a:t>
+            </a:r>
+          </a:p>
+          <a:p>
+            <a:r>
+              <a:t>oach to food</a:t>
+            </a:r>
+          </a:p>
+          <a:p>
+            <a:r>
+              <a:t>To avoid wastage of food</a:t>
+            </a:r>
+          </a:p>
+          <a:p>
+            <a:r>
+              <a:t>In every country of the world, there are stories which have been handed down from</a:t>
+            </a:r>
+          </a:p>
+          <a:p>
+            <a:r>
+              <a:t>grandparents to grandchildren or which have been sung by mothers to their babies.</a:t>
+            </a:r>
+          </a:p>
+          <a:p>
+            <a:r>
+              <a:t>These stories are called and tell us about the customs and culture of the place</a:t>
+            </a:r>
+          </a:p>
+          <a:p>
+            <a:r>
+              <a:t>they are set in.</a:t>
+            </a:r>
+          </a:p>
+          <a:p>
+            <a:r>
+              <a:t>A Kerala folk tale and a Santhal folk tale have been retold in this unit. The teacher</a:t>
+            </a:r>
+          </a:p>
+          <a:p>
+            <a:r>
+              <a:t>should encourage children to read folk tales from different parts of the country. The</a:t>
+            </a:r>
+          </a:p>
+          <a:p>
+            <a:r>
+              <a:t>mother tongue can be given its due place by being used for discussion and</a:t>
+            </a:r>
+          </a:p>
+          <a:p>
+            <a:r>
+              <a:t>understanding, along with teaching of English.</a:t>
+            </a:r>
+          </a:p>
+          <a:p>
+            <a:r>
+              <a:t>The and activities should be done through imitation — the teacher</a:t>
+            </a:r>
+          </a:p>
+          <a:p>
+            <a:r>
+              <a:t>first and then the children. Poems could be recited in groups. They may also be</a:t>
+            </a:r>
+          </a:p>
+          <a:p>
+            <a:r>
+              <a:t>presented through dramatisation, actions etc. in the school assembly. The children</a:t>
+            </a:r>
+          </a:p>
+          <a:p>
+            <a:r>
+              <a:t>can make big cutouts of ice creams and vegetables or dress up as particular</a:t>
+            </a:r>
+          </a:p>
+          <a:p>
+            <a:r>
+              <a:t>vegetables or ice-cream and recite the poem. You could think of a suitable rhythm for</a:t>
+            </a:r>
+          </a:p>
+          <a:p>
+            <a:r>
+              <a:t>the poem.</a:t>
+            </a:r>
+          </a:p>
+          <a:p>
+            <a:r>
+              <a:t>The section can begin with a discussion started by the teacher, in this case</a:t>
+            </a:r>
+          </a:p>
+          <a:p>
+            <a:r>
+              <a:t>on environment and recycling of waste. This can be done with the help of a practical</a:t>
+            </a:r>
+          </a:p>
+          <a:p>
+            <a:r>
+              <a:t>example of children making paper bags from old newspaper. These bags could</a:t>
+            </a:r>
+          </a:p>
+          <a:p>
+            <a:r>
+              <a:t>be given to the neighbourhood provision store to be used instead of plastic bags.</a:t>
+            </a:r>
+          </a:p>
+          <a:p>
+            <a:r>
+              <a:t>Remember, paper bags are environment friendly. Old newspapers can also be</a:t>
+            </a:r>
+          </a:p>
+          <a:p>
+            <a:r>
+              <a:t>used to make envelopes of different sizes and masks for school plays.</a:t>
+            </a:r>
+          </a:p>
+          <a:p>
+            <a:r>
+              <a:t>When we use several sentences to tell others about something that we have</a:t>
+            </a:r>
+          </a:p>
+          <a:p>
+            <a:r>
+              <a:t>seen, read, heard or done, it is called a report. For the teacher,</a:t>
+            </a:r>
+          </a:p>
+          <a:p>
+            <a:r>
+              <a:t>along with the children, should first go through the report on Uncle Lal's farm.</a:t>
+            </a:r>
+          </a:p>
+          <a:p>
+            <a:r>
+              <a:t>The children can then do the guided report on ice creams available in their area</a:t>
+            </a:r>
+          </a:p>
+          <a:p>
+            <a:r>
+              <a:t>or on food, toyshops, soaps, some animal, care of pets etc.</a:t>
+            </a:r>
+          </a:p>
+          <a:p>
+            <a:r>
+              <a:t>A creative activity should be followed by a presentation before the entire class.</a:t>
+            </a:r>
+          </a:p>
+          <a:p>
+            <a:r>
+              <a:t>The poems, recipes, the findings of any task etc. could be done as group</a:t>
+            </a:r>
+          </a:p>
+          <a:p>
+            <a:r>
+              <a:t>activities and presented or displayed in the classroom. This sharing is as</a:t>
+            </a:r>
+          </a:p>
+          <a:p>
+            <a:r>
+              <a:t>important an experience as any individual activity.Ice-cream Man</a:t>
+            </a:r>
+          </a:p>
+          <a:p>
+            <a:r>
+              <a:t>Wonderful Waste !</a:t>
+            </a:r>
+          </a:p>
+          <a:p>
+            <a:r>
+              <a:t>Bamboo CurryPoem</a:t>
+            </a:r>
+          </a:p>
+          <a:p>
+            <a:r>
+              <a:t>Story</a:t>
+            </a:r>
+          </a:p>
+          <a:p>
+            <a:r>
+              <a:t>Picture Story</a:t>
+            </a:r>
+          </a:p>
+          <a:p>
+            <a:r>
+              <a:t>folk</a:t>
+            </a:r>
+          </a:p>
+          <a:p>
+            <a:r>
+              <a:t>tales</a:t>
+            </a:r>
+          </a:p>
+          <a:p>
+            <a:r>
+              <a:t>Poem Say Aloud</a:t>
+            </a:r>
+          </a:p>
+          <a:p>
+            <a:r>
+              <a:t>Let's Talk</a:t>
+            </a:r>
+          </a:p>
+          <a:p>
+            <a:r>
+              <a:t>Report WritingTHEMES</a:t>
+            </a:r>
+          </a:p>
+          <a:p>
+            <a:r>
+              <a:t>READING TIME</a:t>
+            </a:r>
+          </a:p>
+          <a:p>
+            <a:r>
+              <a:t>CONVERSATION TIME</a:t>
+            </a:r>
+          </a:p>
+          <a:p>
+            <a:r>
+              <a:t>WRITING TIME</a:t>
+            </a:r>
+          </a:p>
+          <a:p>
+            <a:r>
+              <a:t>PROJECT WORKTeacher's□Page UNIT I</a:t>
+            </a:r>
+          </a:p>
+          <a:p>
+            <a:r>
+              <a:t>Marigold Marigold18 19</a:t>
             </a:r>
           </a:p>
           <a:p>

--- a/output.pptx
+++ b/output.pptx
@@ -6,6 +6,68 @@
   </p:sldMasterIdLst>
   <p:sldIdLst>
     <p:sldId id="256" r:id="rId7"/>
+    <p:sldId id="257" r:id="rId8"/>
+    <p:sldId id="258" r:id="rId9"/>
+    <p:sldId id="259" r:id="rId10"/>
+    <p:sldId id="260" r:id="rId11"/>
+    <p:sldId id="261" r:id="rId12"/>
+    <p:sldId id="262" r:id="rId13"/>
+    <p:sldId id="263" r:id="rId14"/>
+    <p:sldId id="264" r:id="rId15"/>
+    <p:sldId id="265" r:id="rId16"/>
+    <p:sldId id="266" r:id="rId17"/>
+    <p:sldId id="267" r:id="rId18"/>
+    <p:sldId id="268" r:id="rId19"/>
+    <p:sldId id="269" r:id="rId20"/>
+    <p:sldId id="270" r:id="rId21"/>
+    <p:sldId id="271" r:id="rId22"/>
+    <p:sldId id="272" r:id="rId23"/>
+    <p:sldId id="273" r:id="rId24"/>
+    <p:sldId id="274" r:id="rId25"/>
+    <p:sldId id="275" r:id="rId26"/>
+    <p:sldId id="276" r:id="rId27"/>
+    <p:sldId id="277" r:id="rId28"/>
+    <p:sldId id="278" r:id="rId29"/>
+    <p:sldId id="279" r:id="rId30"/>
+    <p:sldId id="280" r:id="rId31"/>
+    <p:sldId id="281" r:id="rId32"/>
+    <p:sldId id="282" r:id="rId33"/>
+    <p:sldId id="283" r:id="rId34"/>
+    <p:sldId id="284" r:id="rId35"/>
+    <p:sldId id="285" r:id="rId36"/>
+    <p:sldId id="286" r:id="rId37"/>
+    <p:sldId id="287" r:id="rId38"/>
+    <p:sldId id="288" r:id="rId39"/>
+    <p:sldId id="289" r:id="rId40"/>
+    <p:sldId id="290" r:id="rId41"/>
+    <p:sldId id="291" r:id="rId42"/>
+    <p:sldId id="292" r:id="rId43"/>
+    <p:sldId id="293" r:id="rId44"/>
+    <p:sldId id="294" r:id="rId45"/>
+    <p:sldId id="295" r:id="rId46"/>
+    <p:sldId id="296" r:id="rId47"/>
+    <p:sldId id="297" r:id="rId48"/>
+    <p:sldId id="298" r:id="rId49"/>
+    <p:sldId id="299" r:id="rId50"/>
+    <p:sldId id="300" r:id="rId51"/>
+    <p:sldId id="301" r:id="rId52"/>
+    <p:sldId id="302" r:id="rId53"/>
+    <p:sldId id="303" r:id="rId54"/>
+    <p:sldId id="304" r:id="rId55"/>
+    <p:sldId id="305" r:id="rId56"/>
+    <p:sldId id="306" r:id="rId57"/>
+    <p:sldId id="307" r:id="rId58"/>
+    <p:sldId id="308" r:id="rId59"/>
+    <p:sldId id="309" r:id="rId60"/>
+    <p:sldId id="310" r:id="rId61"/>
+    <p:sldId id="311" r:id="rId62"/>
+    <p:sldId id="312" r:id="rId63"/>
+    <p:sldId id="313" r:id="rId64"/>
+    <p:sldId id="314" r:id="rId65"/>
+    <p:sldId id="315" r:id="rId66"/>
+    <p:sldId id="316" r:id="rId67"/>
+    <p:sldId id="317" r:id="rId68"/>
+    <p:sldId id="318" r:id="rId69"/>
   </p:sldIdLst>
   <p:sldSz cx="9144000" cy="6858000" type="screen4x3"/>
   <p:notesSz cx="6858000" cy="9144000"/>
@@ -3102,50 +3164,19 @@
         <p:txBody>
           <a:bodyPr/>
           <a:lstStyle/>
-          <a:p>
-            <a:r>
-              <a:t>Unit□1What is cold, sweet and creamy, and</a:t>
-            </a:r>
-          </a:p>
-          <a:p>
-            <a:r>
-              <a:t>wonderful to eat? Everyone's favourite treat especially</a:t>
-            </a:r>
-          </a:p>
-          <a:p>
-            <a:r>
-              <a:t>on</a:t>
-            </a:r>
-          </a:p>
-        </p:txBody>
-      </p:sp>
-      <p:sp>
-        <p:nvSpPr>
-          <p:cNvPr id="3" name="Content Placeholder 2"/>
-          <p:cNvSpPr>
-            <a:spLocks noGrp="1"/>
-          </p:cNvSpPr>
-          <p:nvPr>
-            <p:ph idx="1"/>
-          </p:nvPr>
-        </p:nvSpPr>
-        <p:spPr/>
-        <p:txBody>
-          <a:bodyPr/>
-          <a:lstStyle/>
-          <a:p/>
-        </p:txBody>
-      </p:sp>
-      <p:sp>
-        <p:nvSpPr>
-          <p:cNvPr id="4" name="TextBox 3"/>
+          <a:p/>
+        </p:txBody>
+      </p:sp>
+      <p:sp>
+        <p:nvSpPr>
+          <p:cNvPr id="3" name="TextBox 2"/>
           <p:cNvSpPr txBox="1"/>
           <p:nvPr/>
         </p:nvSpPr>
         <p:spPr>
           <a:xfrm>
-            <a:off x="100" y="100"/>
-            <a:ext cx="500" cy="300"/>
+            <a:off x="914400" y="914400"/>
+            <a:ext cx="7315200" cy="4572000"/>
           </a:xfrm>
           <a:prstGeom prst="rect">
             <a:avLst/>
@@ -3157,2757 +3188,6063 @@
             <a:spAutoFit/>
           </a:bodyPr>
           <a:lstStyle/>
-          <a:p>
-            <a:r>
-              <a:t>Unit□1What is cold, sweet and creamy, and</a:t>
-            </a:r>
-          </a:p>
-          <a:p>
-            <a:r>
-              <a:t>wonderful to eat? Everyone's favourite treat especially</a:t>
-            </a:r>
-          </a:p>
-          <a:p>
-            <a:r>
-              <a:t>on a hot summer day is an ice cream! And everyone's</a:t>
-            </a:r>
-          </a:p>
-          <a:p>
-            <a:r>
-              <a:t>favourite person might just be the Ice-cream Man!Ice cream□Man-</a:t>
-            </a:r>
-          </a:p>
-          <a:p>
-            <a:r>
-              <a:t>Read and Enjoy</a:t>
-            </a:r>
-          </a:p>
-          <a:p>
-            <a:r>
-              <a:t>2 3</a:t>
-            </a:r>
-          </a:p>
-          <a:p>
-            <a:r>
-              <a:t>Rationalised 2023-24</a:t>
-            </a:r>
-          </a:p>
-          <a:p>
-            <a:r>
-              <a:t>When summer’s in the city,</a:t>
-            </a:r>
-          </a:p>
-          <a:p>
-            <a:r>
-              <a:t>And brick’s a blaze</a:t>
-            </a:r>
-          </a:p>
-          <a:p>
-            <a:r>
-              <a:t>of heat,</a:t>
-            </a:r>
-          </a:p>
-          <a:p>
-            <a:r>
-              <a:t>The Ice-cream Man with his little cart</a:t>
-            </a:r>
-          </a:p>
-          <a:p>
-            <a:r>
-              <a:t>Goes trundling down the street.</a:t>
-            </a:r>
-          </a:p>
-          <a:p>
-            <a:r>
-              <a:t>Beneath his round umbrella,</a:t>
-            </a:r>
-          </a:p>
-          <a:p>
-            <a:r>
-              <a:t>Oh, what a joyful sight,</a:t>
-            </a:r>
-          </a:p>
-          <a:p>
-            <a:r>
-              <a:t>To see him fill the cones with mounds</a:t>
-            </a:r>
-          </a:p>
-          <a:p>
-            <a:r>
-              <a:t>Of cooling brown and white:</a:t>
-            </a:r>
-          </a:p>
-          <a:p>
-            <a:r>
-              <a:t>Vanilla, chocolate, strawberry,</a:t>
-            </a:r>
-          </a:p>
-          <a:p>
-            <a:r>
-              <a:t>Or chilly things to drink</a:t>
-            </a:r>
-          </a:p>
-          <a:p>
-            <a:r>
-              <a:t>From bottles full of frosty-fizz,</a:t>
-            </a:r>
-          </a:p>
-          <a:p>
-            <a:r>
-              <a:t>Green, orange, white, or pink.</a:t>
-            </a:r>
-          </a:p>
-          <a:p>
-            <a:r>
-              <a:t>His cart might be a flower bed,</a:t>
-            </a:r>
-          </a:p>
-          <a:p>
-            <a:r>
-              <a:t>Of roses and sweet peas,</a:t>
-            </a:r>
-          </a:p>
-          <a:p>
-            <a:r>
-              <a:t>The way the children cluster round</a:t>
-            </a:r>
-          </a:p>
-          <a:p>
-            <a:r>
-              <a:t>As thick as honeybees.</a:t>
-            </a:r>
-          </a:p>
-          <a:p>
-            <a:r>
-              <a:t>RACHEL FIELD</a:t>
-            </a:r>
-          </a:p>
-          <a:p>
-            <a:r>
-              <a:t>Unit□1What is cold, sweet and creamy, and</a:t>
-            </a:r>
-          </a:p>
-          <a:p>
-            <a:r>
-              <a:t>wonderful to eat? Everyone's favourite treat especially</a:t>
-            </a:r>
-          </a:p>
-          <a:p>
-            <a:r>
-              <a:t>on a hot summer day is an ice cream! And everyone's</a:t>
-            </a:r>
-          </a:p>
-          <a:p>
-            <a:r>
-              <a:t>favourite person might just be the Ice-cream Man!Ice cream□Man</a:t>
-            </a:r>
-          </a:p>
-          <a:p>
-            <a:r>
-              <a:t>Read and Enjoy</a:t>
-            </a:r>
-          </a:p>
-          <a:p>
-            <a:r>
-              <a:t>2 3</a:t>
-            </a:r>
-          </a:p>
-          <a:p>
-            <a:r>
-              <a:t>Rationalised 2023-24</a:t>
-            </a:r>
-          </a:p>
-          <a:p>
-            <a:r>
-              <a:t>1. In which season is ice cream popular?</a:t>
-            </a:r>
-          </a:p>
-          <a:p>
-            <a:r>
-              <a:t>2. Who feels joyful on</a:t>
-            </a:r>
-          </a:p>
-          <a:p>
-            <a:r>
-              <a:t>seeing the Ice-cream Man?</a:t>
-            </a:r>
-          </a:p>
-          <a:p>
-            <a:r>
-              <a:t>3. Name the different flavours of ice cream the Ice-cream</a:t>
-            </a:r>
-          </a:p>
-          <a:p>
-            <a:r>
-              <a:t>Man has in his cart.</a:t>
-            </a:r>
-          </a:p>
-          <a:p>
-            <a:r>
-              <a:t>4. What are the two things that the Ice-cream Man is selling?</a:t>
-            </a:r>
-          </a:p>
-          <a:p>
-            <a:r>
-              <a:t>5. What is the ice-cream cart compared to in the poem?</a:t>
-            </a:r>
-          </a:p>
-          <a:p>
-            <a:r>
-              <a:t>Having an ice cream on a hot summer day is exciting and</a:t>
-            </a:r>
-          </a:p>
-          <a:p>
-            <a:r>
-              <a:t>enjoyable.</a:t>
-            </a:r>
-          </a:p>
-          <a:p>
-            <a:r>
-              <a:t>1. Write about some of the exciting and enjoyable things that</a:t>
-            </a:r>
-          </a:p>
-          <a:p>
-            <a:r>
-              <a:t>one can do in the winter season.</a:t>
-            </a:r>
-          </a:p>
-          <a:p>
-            <a:r>
-              <a:t>_________________________ _________________________</a:t>
-            </a:r>
-          </a:p>
-          <a:p>
-            <a:r>
-              <a:t>_________________________ _________________________</a:t>
-            </a:r>
-          </a:p>
-          <a:p>
-            <a:r>
-              <a:t>_________________________ _________________________</a:t>
-            </a:r>
-          </a:p>
-          <a:p>
-            <a:r>
-              <a:t>New Words</a:t>
-            </a:r>
-          </a:p>
-          <a:p>
-            <a:r>
-              <a:t>blaze : bright flame or</a:t>
-            </a:r>
-          </a:p>
-          <a:p>
-            <a:r>
-              <a:t>fire</a:t>
-            </a:r>
-          </a:p>
-          <a:p>
-            <a:r>
-              <a:t>trundling : moving on small br</a:t>
-            </a:r>
-          </a:p>
-          <a:p>
-            <a:r>
-              <a:t>oad wheels</a:t>
-            </a:r>
-          </a:p>
-          <a:p>
-            <a:r>
-              <a:t>mounds : heap, pile</a:t>
-            </a:r>
-          </a:p>
-          <a:p>
-            <a:r>
-              <a:t>frosty-fizz : chilled drink making a</a:t>
-            </a:r>
-          </a:p>
-          <a:p>
-            <a:r>
-              <a:t>hissing, bubbling sound</a:t>
-            </a:r>
-          </a:p>
-          <a:p>
-            <a:r>
-              <a:t>cluster : gather around, group of similar</a:t>
-            </a:r>
-          </a:p>
-          <a:p>
-            <a:r>
-              <a:t>things</a:t>
-            </a:r>
-          </a:p>
-          <a:p>
-            <a:r>
-              <a:t>Reading is Fun</a:t>
-            </a:r>
-          </a:p>
-          <a:p>
-            <a:r>
-              <a:t>Let's Write</a:t>
-            </a:r>
-          </a:p>
-          <a:p>
-            <a:r>
-              <a:t>Say Aloud</a:t>
-            </a:r>
-          </a:p>
-          <a:p>
-            <a:r>
-              <a:t>______________________________</a:t>
-            </a:r>
-          </a:p>
-          <a:p>
-            <a:r>
-              <a:t>______________________________</a:t>
-            </a:r>
-          </a:p>
-          <a:p>
-            <a:r>
-              <a:t>______________________________</a:t>
-            </a:r>
-          </a:p>
-          <a:p>
-            <a:r>
-              <a:t>______________________________</a:t>
-            </a:r>
-          </a:p>
-          <a:p>
-            <a:r>
-              <a:t>______________________________</a:t>
-            </a:r>
-          </a:p>
-          <a:p>
-            <a:r>
-              <a:t>______________________________</a:t>
-            </a:r>
-          </a:p>
-          <a:p>
-            <a:r>
-              <a:t>______________________________</a:t>
-            </a:r>
-          </a:p>
-          <a:p>
-            <a:r>
-              <a:t>______________________________</a:t>
-            </a:r>
-          </a:p>
-          <a:p>
-            <a:r>
-              <a:t>Marigold Marigold4 5</a:t>
-            </a:r>
-          </a:p>
-          <a:p>
-            <a:r>
-              <a:t>Rationalised 2023-24</a:t>
-            </a:r>
-          </a:p>
-          <a:p>
-            <a:r>
-              <a:t>New Words</a:t>
-            </a:r>
-          </a:p>
-          <a:p>
-            <a:r>
-              <a:t>Reading is Fun</a:t>
-            </a:r>
-          </a:p>
-          <a:p>
-            <a:r>
-              <a:t>Let's Write</a:t>
-            </a:r>
-          </a:p>
-          <a:p>
-            <a:r>
-              <a:t>Say Aloud</a:t>
-            </a:r>
-          </a:p>
-          <a:p>
-            <a:r>
-              <a:t>2. List as many summer activities as you can.</a:t>
-            </a:r>
-          </a:p>
-          <a:p>
-            <a:r>
-              <a:t>3. Now gr oup</a:t>
-            </a:r>
-          </a:p>
-          <a:p>
-            <a:r>
-              <a:t>these activities into indoor and outdoor</a:t>
-            </a:r>
-          </a:p>
-          <a:p>
-            <a:r>
-              <a:t>activities.</a:t>
-            </a:r>
-          </a:p>
-          <a:p>
-            <a:r>
-              <a:t>______________________</a:t>
-            </a:r>
-          </a:p>
-          <a:p>
-            <a:r>
-              <a:t>honeybees______________________</a:t>
-            </a:r>
-          </a:p>
-          <a:p>
-            <a:r>
-              <a:t>______________________ ______________________</a:t>
-            </a:r>
-          </a:p>
-          <a:p>
-            <a:r>
-              <a:t>Circle the words where you get a zzzzz sound.</a:t>
-            </a:r>
-          </a:p>
-          <a:p>
-            <a:r>
-              <a:t>One is done for you.</a:t>
-            </a:r>
-          </a:p>
-          <a:p>
-            <a:r>
-              <a:t>price prize maze face</a:t>
-            </a:r>
-          </a:p>
-          <a:p>
-            <a:r>
-              <a:t>rice rise blaze fizz</a:t>
-            </a:r>
-          </a:p>
-          <a:p>
-            <a:r>
-              <a:t>lazy lacy busy racy</a:t>
-            </a:r>
-          </a:p>
-          <a:p>
-            <a:r>
-              <a:t>raise rays race ace</a:t>
-            </a:r>
-          </a:p>
-          <a:p>
-            <a:r>
-              <a:t>chase this these frosty______________________________</a:t>
-            </a:r>
-          </a:p>
-          <a:p>
-            <a:r>
-              <a:t>______________________________</a:t>
-            </a:r>
-          </a:p>
-          <a:p>
-            <a:r>
-              <a:t>______________________________</a:t>
-            </a:r>
-          </a:p>
-          <a:p>
-            <a:r>
-              <a:t>______________________________</a:t>
-            </a:r>
-          </a:p>
-          <a:p>
-            <a:r>
-              <a:t>______________________________</a:t>
-            </a:r>
-          </a:p>
-          <a:p>
-            <a:r>
-              <a:t>______________________________</a:t>
-            </a:r>
-          </a:p>
-          <a:p>
-            <a:r>
-              <a:t>______________________________</a:t>
-            </a:r>
-          </a:p>
-          <a:p>
-            <a:r>
-              <a:t>______________________________</a:t>
-            </a:r>
-          </a:p>
-          <a:p>
-            <a:r>
-              <a:t>Marigold Marigold4 5</a:t>
-            </a:r>
-          </a:p>
-          <a:p>
-            <a:r>
-              <a:t>Rationalised 2023-24</a:t>
-            </a:r>
-          </a:p>
-          <a:p>
-            <a:r>
-              <a:t>/c52</a:t>
-            </a:r>
-          </a:p>
-          <a:p>
-            <a:r>
-              <a:t>/c52</a:t>
-            </a:r>
-          </a:p>
-          <a:p>
-            <a:r>
-              <a:t>/c52</a:t>
-            </a:r>
-          </a:p>
-          <a:p>
-            <a:r>
-              <a:t>Word Building</a:t>
-            </a:r>
-          </a:p>
-          <a:p>
-            <a:r>
-              <a:t>Let's Listen</a:t>
-            </a:r>
-          </a:p>
-          <a:p>
-            <a:r>
-              <a:t>1. Listen and tell the sounds that these words in the poem</a:t>
-            </a:r>
-          </a:p>
-          <a:p>
-            <a:r>
-              <a:t>produce.</a:t>
-            </a:r>
-          </a:p>
-          <a:p>
-            <a:r>
-              <a:t>cart</a:t>
-            </a:r>
-          </a:p>
-          <a:p>
-            <a:r>
-              <a:t>drinks</a:t>
-            </a:r>
-          </a:p>
-          <a:p>
-            <a:r>
-              <a:t>Can you make</a:t>
-            </a:r>
-          </a:p>
-          <a:p>
-            <a:r>
-              <a:t>these sounds?</a:t>
-            </a:r>
-          </a:p>
-          <a:p>
-            <a:r>
-              <a:t>2. What are some of the different sounds you hear when</a:t>
-            </a:r>
-          </a:p>
-          <a:p>
-            <a:r>
-              <a:t>the Ice-cream Man comes?</a:t>
-            </a:r>
-          </a:p>
-          <a:p>
-            <a:r>
-              <a:t>Here is a report on Uncle Lal’s farm.</a:t>
-            </a:r>
-          </a:p>
-          <a:p>
-            <a:r>
-              <a:t>When writing a report, remember to do these things___________________</a:t>
-            </a:r>
-          </a:p>
-          <a:p>
-            <a:r>
-              <a:t>___________________</a:t>
-            </a:r>
-          </a:p>
-          <a:p>
-            <a:r>
-              <a:t>Think of a good title. Write it correctly.</a:t>
-            </a:r>
-          </a:p>
-          <a:p>
-            <a:r>
-              <a:t>Keep to your subject.</a:t>
-            </a:r>
-          </a:p>
-          <a:p>
-            <a:r>
-              <a:t>Tell things in the right order.</a:t>
-            </a:r>
-          </a:p>
-          <a:p>
-            <a:r>
-              <a:t>Make your paper look neat.</a:t>
-            </a:r>
-          </a:p>
-          <a:p>
-            <a:r>
-              <a:t>In groups of four, write a report on different brands of ice</a:t>
-            </a:r>
-          </a:p>
-          <a:p>
-            <a:r>
-              <a:t>creams available in your area.</a:t>
-            </a:r>
-          </a:p>
-          <a:p>
-            <a:r>
-              <a:t>You may use the following clues.</a:t>
-            </a:r>
-          </a:p>
-          <a:p>
-            <a:r>
-              <a:t>Start with a short introduction which contains the topic.</a:t>
-            </a:r>
-          </a:p>
-          <a:p>
-            <a:r>
-              <a:t>Then list the ice cream brands available in your area.Find Out and Write a Report/c52</a:t>
-            </a:r>
-          </a:p>
-          <a:p>
-            <a:r>
-              <a:t>/c52</a:t>
-            </a:r>
-          </a:p>
-          <a:p>
-            <a:r>
-              <a:t>/c52</a:t>
-            </a:r>
-          </a:p>
-          <a:p>
-            <a:r>
-              <a:t>/c52</a:t>
-            </a:r>
-          </a:p>
-          <a:p>
-            <a:r>
-              <a:t>/c52</a:t>
-            </a:r>
-          </a:p>
-          <a:p>
-            <a:r>
-              <a:t>/c52</a:t>
-            </a:r>
-          </a:p>
-          <a:p>
-            <a:r>
-              <a:t>/c52</a:t>
-            </a:r>
-          </a:p>
-          <a:p>
-            <a:r>
-              <a:t>/c52Father took me to visit Uncle Lal’s dairy farm.</a:t>
-            </a:r>
-          </a:p>
-          <a:p>
-            <a:r>
-              <a:t>Isaw all of Uncle</a:t>
-            </a:r>
-          </a:p>
-          <a:p>
-            <a:r>
-              <a:t>Lal's cows. He has fifty</a:t>
-            </a:r>
-          </a:p>
-          <a:p>
-            <a:r>
-              <a:t>cows. They eat grass in the big green</a:t>
-            </a:r>
-          </a:p>
-          <a:p>
-            <a:r>
-              <a:t>farms. In the evening the farmers bring</a:t>
-            </a:r>
-          </a:p>
-          <a:p>
-            <a:r>
-              <a:t>them to the barn to be milked. Uncle Lal</a:t>
-            </a:r>
-          </a:p>
-          <a:p>
-            <a:r>
-              <a:t>sells his milk in the city.</a:t>
-            </a:r>
-          </a:p>
-          <a:p>
-            <a:r>
-              <a:t>Marigold Marigold6 7</a:t>
-            </a:r>
-          </a:p>
-          <a:p>
-            <a:r>
-              <a:t>Rationalised 2023-24</a:t>
-            </a:r>
-          </a:p>
-          <a:p>
-            <a:r>
-              <a:t>/c52</a:t>
-            </a:r>
-          </a:p>
-          <a:p>
-            <a:r>
-              <a:t>/c52</a:t>
-            </a:r>
-          </a:p>
-          <a:p>
-            <a:r>
-              <a:t>/c52Next, say which are the common flavours of ice</a:t>
-            </a:r>
-          </a:p>
-          <a:p>
-            <a:r>
-              <a:t>cream in</a:t>
-            </a:r>
-          </a:p>
-          <a:p>
-            <a:r>
-              <a:t>each of</a:t>
-            </a:r>
-          </a:p>
-          <a:p>
-            <a:r>
-              <a:t>the brands.</a:t>
-            </a:r>
-          </a:p>
-          <a:p>
-            <a:r>
-              <a:t>Under each brand, find out which flavours</a:t>
-            </a:r>
-          </a:p>
-          <a:p>
-            <a:r>
-              <a:t>are being sold the most. Also find out their</a:t>
-            </a:r>
-          </a:p>
-          <a:p>
-            <a:r>
-              <a:t>prices.</a:t>
-            </a:r>
-          </a:p>
-          <a:p>
-            <a:r>
-              <a:t>Finally, write which do you think is the</a:t>
-            </a:r>
-          </a:p>
-          <a:p>
-            <a:r>
-              <a:t>most popular ice cream.</a:t>
-            </a:r>
-          </a:p>
-          <a:p>
-            <a:r>
-              <a:t>___________________________________________</a:t>
-            </a:r>
-          </a:p>
-          <a:p>
-            <a:r>
-              <a:t>____________________________________________</a:t>
-            </a:r>
-          </a:p>
-          <a:p>
-            <a:r>
-              <a:t>____________________________________________</a:t>
-            </a:r>
-          </a:p>
-          <a:p>
-            <a:r>
-              <a:t>_____________________________________________</a:t>
-            </a:r>
-          </a:p>
-          <a:p>
-            <a:r>
-              <a:t>______________________________________________________</a:t>
-            </a:r>
-          </a:p>
-          <a:p>
-            <a:r>
-              <a:t>______________________________________________________</a:t>
-            </a:r>
-          </a:p>
-          <a:p>
-            <a:r>
-              <a:t>______________________________________________________</a:t>
-            </a:r>
-          </a:p>
-          <a:p>
-            <a:r>
-              <a:t>______________________________________________________</a:t>
-            </a:r>
-          </a:p>
-          <a:p>
-            <a:r>
-              <a:t>1. Colour the boxes that have rhyming words.</a:t>
-            </a:r>
-          </a:p>
-          <a:p>
-            <a:r>
-              <a:t>city heat blows do</a:t>
-            </a:r>
-          </a:p>
-          <a:p>
-            <a:r>
-              <a:t>cart street goes go</a:t>
-            </a:r>
-          </a:p>
-          <a:p>
-            <a:r>
-              <a:t>hard bowl cow label</a:t>
-            </a:r>
-          </a:p>
-          <a:p>
-            <a:r>
-              <a:t>yard doll so table</a:t>
-            </a:r>
-          </a:p>
-          <a:p>
-            <a:r>
-              <a:t>sky play race write</a:t>
-            </a:r>
-          </a:p>
-          <a:p>
-            <a:r>
-              <a:t>my obey face nightWord Building</a:t>
-            </a:r>
-          </a:p>
-          <a:p>
-            <a:r>
-              <a:t>Let's Listen</a:t>
-            </a:r>
-          </a:p>
-          <a:p>
-            <a:r>
-              <a:t>Find Out and Write a Report/c52</a:t>
-            </a:r>
-          </a:p>
-          <a:p>
-            <a:r>
-              <a:t>/c52</a:t>
-            </a:r>
-          </a:p>
-          <a:p>
-            <a:r>
-              <a:t>/c52</a:t>
-            </a:r>
-          </a:p>
-          <a:p>
-            <a:r>
-              <a:t>/c52</a:t>
-            </a:r>
-          </a:p>
-          <a:p>
-            <a:r>
-              <a:t>/c52</a:t>
-            </a:r>
-          </a:p>
-          <a:p>
-            <a:r>
-              <a:t>/c52</a:t>
-            </a:r>
-          </a:p>
-          <a:p>
-            <a:r>
-              <a:t>/c52</a:t>
-            </a:r>
-          </a:p>
-          <a:p>
-            <a:r>
-              <a:t>/c52</a:t>
-            </a:r>
-          </a:p>
-          <a:p>
-            <a:r>
-              <a:t>Marigold Marigold6 7</a:t>
-            </a:r>
-          </a:p>
-          <a:p>
-            <a:r>
-              <a:t>Rationalised 2023-24</a:t>
-            </a:r>
-          </a:p>
-          <a:p>
-            <a:r>
-              <a:t>2. What do the following words describe in the poem?</a:t>
-            </a:r>
-          </a:p>
-          <a:p>
-            <a:r>
-              <a:t>joyful</a:t>
-            </a:r>
-          </a:p>
-          <a:p>
-            <a:r>
-              <a:t>little</a:t>
-            </a:r>
-          </a:p>
-          <a:p>
-            <a:r>
-              <a:t>round ______________________________________________</a:t>
-            </a:r>
-          </a:p>
-          <a:p>
-            <a:r>
-              <a:t>What ar</a:t>
-            </a:r>
-          </a:p>
-          <a:p>
-            <a:r>
-              <a:t>e the describing words used in the poem for the</a:t>
-            </a:r>
-          </a:p>
-          <a:p>
-            <a:r>
-              <a:t>following?</a:t>
-            </a:r>
-          </a:p>
-          <a:p>
-            <a:r>
-              <a:t>___ ______ __ mounds</a:t>
-            </a:r>
-          </a:p>
-          <a:p>
-            <a:r>
-              <a:t>flavour</a:t>
-            </a:r>
-          </a:p>
-          <a:p>
-            <a:r>
-              <a:t>cluster</a:t>
-            </a:r>
-          </a:p>
-          <a:p>
-            <a:r>
-              <a:t>1. Colour the boxes with the colours of the flavours</a:t>
-            </a:r>
-          </a:p>
-          <a:p>
-            <a:r>
-              <a:t>mentioned in each.</a:t>
-            </a:r>
-          </a:p>
-          <a:p>
-            <a:r>
-              <a:t>2. Draw and colour your dream ice cream.</a:t>
-            </a:r>
-          </a:p>
-          <a:p>
-            <a:r>
-              <a:t>Describe it using interesting describing words — the</a:t>
-            </a:r>
-          </a:p>
-          <a:p>
-            <a:r>
-              <a:t>colours, the flavours, the size, how it looks, tastes, feels etc.______________________________________________</a:t>
-            </a:r>
-          </a:p>
-          <a:p>
-            <a:r>
-              <a:t>______________________________________________</a:t>
-            </a:r>
-          </a:p>
-          <a:p>
-            <a:r>
-              <a:t>______ ___</a:t>
-            </a:r>
-          </a:p>
-          <a:p>
-            <a:r>
-              <a:t>____________________</a:t>
-            </a:r>
-          </a:p>
-          <a:p>
-            <a:r>
-              <a:t>____________________</a:t>
-            </a:r>
-          </a:p>
-          <a:p>
-            <a:r>
-              <a:t>Fun Time</a:t>
-            </a:r>
-          </a:p>
-          <a:p>
-            <a:r>
-              <a:t>Marigold Marigold8 9chocolate vanilla orange black currant</a:t>
-            </a:r>
-          </a:p>
-          <a:p>
-            <a:r>
-              <a:t>strawberry raspberry butterscotch pista</a:t>
-            </a:r>
-          </a:p>
-          <a:p>
-            <a:r>
-              <a:t>Rationalised 2023-24</a:t>
-            </a:r>
-          </a:p>
-          <a:p>
-            <a:r>
-              <a:t>Fun Time</a:t>
-            </a:r>
-          </a:p>
-          <a:p>
-            <a:r>
-              <a:t>3. Have you ever eaten the ice cream from North</a:t>
-            </a:r>
-          </a:p>
-          <a:p>
-            <a:r>
-              <a:t>India?</a:t>
-            </a:r>
-          </a:p>
-          <a:p>
-            <a:r>
-              <a:t>The following sentences describe</a:t>
-            </a:r>
-          </a:p>
-          <a:p>
-            <a:r>
-              <a:t>how it is served but</a:t>
-            </a:r>
-          </a:p>
-          <a:p>
-            <a:r>
-              <a:t>they are not in the correct order. Write the correct</a:t>
-            </a:r>
-          </a:p>
-          <a:p>
-            <a:r>
-              <a:t>number before each sentence.</a:t>
-            </a:r>
-          </a:p>
-          <a:p>
-            <a:r>
-              <a:t>____ He scoops out the on a plate.</a:t>
-            </a:r>
-          </a:p>
-          <a:p>
-            <a:r>
-              <a:t>____ Then he pours some sweet syrup over it</a:t>
-            </a:r>
-          </a:p>
-          <a:p>
-            <a:r>
-              <a:t>and serves it.</a:t>
-            </a:r>
-          </a:p>
-          <a:p>
-            <a:r>
-              <a:t>____ The takes the mould out</a:t>
-            </a:r>
-          </a:p>
-          <a:p>
-            <a:r>
-              <a:t>of the pitcher.</a:t>
-            </a:r>
-          </a:p>
-          <a:p>
-            <a:r>
-              <a:t>____ He arranges some around it.kulfi,</a:t>
-            </a:r>
-          </a:p>
-          <a:p>
-            <a:r>
-              <a:t>kulfi</a:t>
-            </a:r>
-          </a:p>
-          <a:p>
-            <a:r>
-              <a:t>kulfiwala kulfi</a:t>
-            </a:r>
-          </a:p>
-          <a:p>
-            <a:r>
-              <a:t>falooda</a:t>
-            </a:r>
-          </a:p>
-          <a:p>
-            <a:r>
-              <a:t>Marigold Marigold8 9</a:t>
-            </a:r>
-          </a:p>
-          <a:p>
-            <a:r>
-              <a:t>Rationalised 2023-24</a:t>
-            </a:r>
-          </a:p>
-          <a:p>
-            <a:r>
-              <a:t>Wonderful□Waste!</a:t>
-            </a:r>
-          </a:p>
-          <a:p>
-            <a:r>
-              <a:t>Waste can be quite useful !</a:t>
-            </a:r>
-          </a:p>
-          <a:p>
-            <a:r>
-              <a:t>Find out for yourself from this</a:t>
-            </a:r>
-          </a:p>
-          <a:p>
-            <a:r>
-              <a:t>story...</a:t>
-            </a:r>
-          </a:p>
-          <a:p>
-            <a:r>
-              <a:t>Once, the Maharaja of Travancore</a:t>
-            </a:r>
-          </a:p>
-          <a:p>
-            <a:r>
-              <a:t>ordered a grand dinner in</a:t>
-            </a:r>
-          </a:p>
-          <a:p>
-            <a:r>
-              <a:t>his palace. In the</a:t>
-            </a:r>
-          </a:p>
-          <a:p>
-            <a:r>
-              <a:t>afternoon before the dinner, the Maharaja</a:t>
-            </a:r>
-          </a:p>
-          <a:p>
-            <a:r>
-              <a:t>entered the kitchen to survey the dishes that</a:t>
-            </a:r>
-          </a:p>
-          <a:p>
-            <a:r>
-              <a:t>had been prepared for the feast.</a:t>
-            </a:r>
-          </a:p>
-          <a:p>
-            <a:r>
-              <a:t>“What are you going to do with those</a:t>
-            </a:r>
-          </a:p>
-          <a:p>
-            <a:r>
-              <a:t>vegetable scraps?” he asked the cook,</a:t>
-            </a:r>
-          </a:p>
-          <a:p>
-            <a:r>
-              <a:t>pointing to the basket of scraps near the</a:t>
-            </a:r>
-          </a:p>
-          <a:p>
-            <a:r>
-              <a:t>cook. The cook replied, “They are waste. We</a:t>
-            </a:r>
-          </a:p>
-          <a:p>
-            <a:r>
-              <a:t>will throw them away.”</a:t>
-            </a:r>
-          </a:p>
-          <a:p>
-            <a:r>
-              <a:t>“You cannot waste all these bits and</a:t>
-            </a:r>
-          </a:p>
-          <a:p>
-            <a:r>
-              <a:t>pieces of vegetables. Find a way to use them,”</a:t>
-            </a:r>
-          </a:p>
-          <a:p>
-            <a:r>
-              <a:t>the Maharaja commanded sternly and</a:t>
-            </a:r>
-          </a:p>
-          <a:p>
-            <a:r>
-              <a:t>walked away.</a:t>
-            </a:r>
-          </a:p>
-          <a:p>
-            <a:r>
-              <a:t>The cook was in</a:t>
-            </a:r>
-          </a:p>
-          <a:p>
-            <a:r>
-              <a:t>a fix and kept</a:t>
-            </a:r>
-          </a:p>
-          <a:p>
-            <a:r>
-              <a:t>staring at the</a:t>
-            </a:r>
-          </a:p>
-          <a:p>
-            <a:r>
-              <a:t>vegetable scraps for</a:t>
-            </a:r>
-          </a:p>
-          <a:p>
-            <a:r>
-              <a:t>some time. Suddenly,</a:t>
-            </a:r>
-          </a:p>
-          <a:p>
-            <a:r>
-              <a:t>Marigold10 11</a:t>
-            </a:r>
-          </a:p>
-          <a:p>
-            <a:r>
-              <a:t>Rationalised 2023-24</a:t>
-            </a:r>
-          </a:p>
-          <a:p>
-            <a:r>
-              <a:t>Wonderful□Waste!</a:t>
-            </a:r>
-          </a:p>
-          <a:p>
-            <a:r>
-              <a:t>an idea flashed across his</a:t>
-            </a:r>
-          </a:p>
-          <a:p>
-            <a:r>
-              <a:t>mind.</a:t>
-            </a:r>
-          </a:p>
-          <a:p>
-            <a:r>
-              <a:t>H e t o</a:t>
-            </a:r>
-          </a:p>
-          <a:p>
-            <a:r>
-              <a:t>o k a l l t h e</a:t>
-            </a:r>
-          </a:p>
-          <a:p>
-            <a:r>
-              <a:t>vegetable bits, washed</a:t>
-            </a:r>
-          </a:p>
-          <a:p>
-            <a:r>
-              <a:t>them and cleaned them</a:t>
-            </a:r>
-          </a:p>
-          <a:p>
-            <a:r>
-              <a:t>well.</a:t>
-            </a:r>
-          </a:p>
-          <a:p>
-            <a:r>
-              <a:t>Then he cut them into</a:t>
-            </a:r>
-          </a:p>
-          <a:p>
-            <a:r>
-              <a:t>long strips. He put them in</a:t>
-            </a:r>
-          </a:p>
-          <a:p>
-            <a:r>
-              <a:t>a huge pot and placed it on</a:t>
-            </a:r>
-          </a:p>
-          <a:p>
-            <a:r>
-              <a:t>the fire to cook. Next, he</a:t>
-            </a:r>
-          </a:p>
-          <a:p>
-            <a:r>
-              <a:t>g r o u n d s o m e f r e s h</a:t>
-            </a:r>
-          </a:p>
-          <a:p>
-            <a:r>
-              <a:t>coconut, green chillies and</a:t>
-            </a:r>
-          </a:p>
-          <a:p>
-            <a:r>
-              <a:t>garlic together. He added</a:t>
-            </a:r>
-          </a:p>
-          <a:p>
-            <a:r>
-              <a:t>this paste and some salt to the cooking vegetables.</a:t>
-            </a:r>
-          </a:p>
-          <a:p>
-            <a:r>
-              <a:t>A tempting smell started coming from the pot.</a:t>
-            </a:r>
-          </a:p>
-          <a:p>
-            <a:r>
-              <a:t>Now he whipped some curd and added it to the curry.</a:t>
-            </a:r>
-          </a:p>
-          <a:p>
-            <a:r>
-              <a:t>He also poured a few spoonfuls of coconut oil and</a:t>
-            </a:r>
-          </a:p>
-          <a:p>
-            <a:r>
-              <a:t>decorated the dish with curry leaves.</a:t>
-            </a:r>
-          </a:p>
-          <a:p>
-            <a:r>
-              <a:t>Lo and behold! The new dish was ready.</a:t>
-            </a:r>
-          </a:p>
-          <a:p>
-            <a:r>
-              <a:t>The cook served this new dish to the guests that</a:t>
-            </a:r>
-          </a:p>
-          <a:p>
-            <a:r>
-              <a:t>evening.</a:t>
-            </a:r>
-          </a:p>
-          <a:p>
-            <a:r>
-              <a:t>Everyone was eager to know the name of</a:t>
-            </a:r>
-          </a:p>
-          <a:p>
-            <a:r>
-              <a:t>the new dish. The cook thought and</a:t>
-            </a:r>
-          </a:p>
-          <a:p>
-            <a:r>
-              <a:t>thought. Then a name came to</a:t>
-            </a:r>
-          </a:p>
-          <a:p>
-            <a:r>
-              <a:t>his mind. He named it</a:t>
-            </a:r>
-          </a:p>
-          <a:p>
-            <a:r>
-              <a:t>(uh-vi-ul).</a:t>
-            </a:r>
-          </a:p>
-          <a:p>
-            <a:r>
-              <a:t>became famous all</a:t>
-            </a:r>
-          </a:p>
-          <a:p>
-            <a:r>
-              <a:t>over Kerala and is now one of the dishes in</a:t>
-            </a:r>
-          </a:p>
-          <a:p>
-            <a:r>
-              <a:t>a traditional Kerala feast. And imagine, it</a:t>
-            </a:r>
-          </a:p>
-          <a:p>
-            <a:r>
-              <a:t>all came from a basket of waste!avial</a:t>
-            </a:r>
-          </a:p>
-          <a:p>
-            <a:r>
-              <a:t>AvialWaste can be quite useful !</a:t>
-            </a:r>
-          </a:p>
-          <a:p>
-            <a:r>
-              <a:t>Find out for yourself</a:t>
-            </a:r>
-          </a:p>
-          <a:p>
-            <a:r>
-              <a:t>from this story...</a:t>
-            </a:r>
-          </a:p>
-          <a:p>
-            <a:r>
-              <a:t>Marigold10 11</a:t>
-            </a:r>
-          </a:p>
-          <a:p>
-            <a:r>
-              <a:t>Rationalised 2023-24</a:t>
+          <a:p/>
+          <a:p>
+            <a:r>
+              <a:t>DLC: Computer algorithms.</a:t>
+            </a:r>
+            <a:br/>
+          </a:p>
+          <a:p>
+            <a:r>
+              <a:t>Machine Learning</a:t>
+            </a:r>
+            <a:br/>
+            <a:r>
+              <a:t>Tom M. Mitchell</a:t>
+            </a:r>
+            <a:br/>
+            <a:r>
+              <a:t>Product Details</a:t>
+            </a:r>
+            <a:br/>
+            <a:r>
+              <a:t>• Hardcover: 432 pages ; Dimensions (in inches): 0.75 x 10.00 x 6.50</a:t>
+            </a:r>
+            <a:br/>
+            <a:r>
+              <a:t>• Publisher: McGraw-Hill Science/Engineering/Math; (March 1, 1997)</a:t>
+            </a:r>
+            <a:br/>
+            <a:r>
+              <a:t>• ISBN: 0070428077</a:t>
+            </a:r>
+            <a:br/>
+            <a:r>
+              <a:t>• Average Customer Review: Based on 16 reviews.</a:t>
+            </a:r>
+            <a:br/>
+          </a:p>
+          <a:p>
+            <a:r>
+              <a:t>• Amazon.com Sales Rank: 42,816</a:t>
+            </a:r>
+            <a:br/>
+            <a:r>
+              <a:t>• Popular in: Redmond, WA (#17) , Ithaca, NY (#9)</a:t>
+            </a:r>
+            <a:br/>
+            <a:r>
+              <a:t>Editorial Reviews</a:t>
+            </a:r>
+            <a:br/>
+            <a:r>
+              <a:t>From Book News, Inc.</a:t>
+            </a:r>
+          </a:p>
+        </p:txBody>
+      </p:sp>
+    </p:spTree>
+  </p:cSld>
+  <p:clrMapOvr>
+    <a:masterClrMapping/>
+  </p:clrMapOvr>
+</p:sld>
+</file>
+
+<file path=ppt/slides/slide10.xml><?xml version="1.0" encoding="utf-8"?>
+<p:sld xmlns:a="http://schemas.openxmlformats.org/drawingml/2006/main" xmlns:p="http://schemas.openxmlformats.org/presentationml/2006/main" xmlns:r="http://schemas.openxmlformats.org/officeDocument/2006/relationships">
+  <p:cSld>
+    <p:spTree>
+      <p:nvGrpSpPr>
+        <p:cNvPr id="1" name=""/>
+        <p:cNvGrpSpPr/>
+        <p:nvPr/>
+      </p:nvGrpSpPr>
+      <p:grpSpPr/>
+      <p:sp>
+        <p:nvSpPr>
+          <p:cNvPr id="2" name="Title 1"/>
+          <p:cNvSpPr>
+            <a:spLocks noGrp="1"/>
+          </p:cNvSpPr>
+          <p:nvPr>
+            <p:ph type="title"/>
+          </p:nvPr>
+        </p:nvSpPr>
+        <p:spPr/>
+        <p:txBody>
+          <a:bodyPr/>
+          <a:lstStyle/>
+          <a:p/>
+        </p:txBody>
+      </p:sp>
+      <p:sp>
+        <p:nvSpPr>
+          <p:cNvPr id="3" name="TextBox 2"/>
+          <p:cNvSpPr txBox="1"/>
+          <p:nvPr/>
+        </p:nvSpPr>
+        <p:spPr>
+          <a:xfrm>
+            <a:off x="914400" y="914400"/>
+            <a:ext cx="7315200" cy="4572000"/>
+          </a:xfrm>
+          <a:prstGeom prst="rect">
+            <a:avLst/>
+          </a:prstGeom>
+          <a:noFill/>
+        </p:spPr>
+        <p:txBody>
+          <a:bodyPr wrap="none">
+            <a:spAutoFit/>
+          </a:bodyPr>
+          <a:lstStyle/>
+          <a:p/>
+          <a:p>
+            <a:r>
+              <a:t>Subsequent</a:t>
+            </a:r>
+            <a:br/>
+            <a:r>
+              <a:t>chapters consider a number of settings for learning, including settings in which</a:t>
+            </a:r>
+            <a:br/>
+            <a:r>
+              <a:t>training experience is provided by a random process outside the learner's control,</a:t>
+            </a:r>
+            <a:br/>
+            <a:r>
+              <a:t>settings in which the learner may pose various types of queries to an expert teacher,</a:t>
+            </a:r>
+            <a:br/>
+            <a:r>
+              <a:t>and settings in which the learner collects training examples by autonomously</a:t>
+            </a:r>
+            <a:br/>
+            <a:r>
+              <a:t>exploring its environment.</a:t>
+            </a:r>
+            <a:br/>
+          </a:p>
+          <a:p>
+            <a:r>
+              <a:t>We shall see</a:t>
+            </a:r>
+            <a:br/>
+            <a:r>
+              <a:t>that most current theory of machine learning rests on the crucial assumption that</a:t>
+            </a:r>
+            <a:br/>
+            <a:r>
+              <a:t>the distribution of training examples is identical to the distribution of test ex-</a:t>
+            </a:r>
+            <a:br/>
+            <a:r>
+              <a:t>amples.</a:t>
+            </a:r>
+          </a:p>
+        </p:txBody>
+      </p:sp>
+    </p:spTree>
+  </p:cSld>
+  <p:clrMapOvr>
+    <a:masterClrMapping/>
+  </p:clrMapOvr>
+</p:sld>
+</file>
+
+<file path=ppt/slides/slide11.xml><?xml version="1.0" encoding="utf-8"?>
+<p:sld xmlns:a="http://schemas.openxmlformats.org/drawingml/2006/main" xmlns:p="http://schemas.openxmlformats.org/presentationml/2006/main" xmlns:r="http://schemas.openxmlformats.org/officeDocument/2006/relationships">
+  <p:cSld>
+    <p:spTree>
+      <p:nvGrpSpPr>
+        <p:cNvPr id="1" name=""/>
+        <p:cNvGrpSpPr/>
+        <p:nvPr/>
+      </p:nvGrpSpPr>
+      <p:grpSpPr/>
+      <p:sp>
+        <p:nvSpPr>
+          <p:cNvPr id="2" name="Title 1"/>
+          <p:cNvSpPr>
+            <a:spLocks noGrp="1"/>
+          </p:cNvSpPr>
+          <p:nvPr>
+            <p:ph type="title"/>
+          </p:nvPr>
+        </p:nvSpPr>
+        <p:spPr/>
+        <p:txBody>
+          <a:bodyPr/>
+          <a:lstStyle/>
+          <a:p/>
+        </p:txBody>
+      </p:sp>
+      <p:sp>
+        <p:nvSpPr>
+          <p:cNvPr id="3" name="TextBox 2"/>
+          <p:cNvSpPr txBox="1"/>
+          <p:nvPr/>
+        </p:nvSpPr>
+        <p:spPr>
+          <a:xfrm>
+            <a:off x="914400" y="914400"/>
+            <a:ext cx="7315200" cy="4572000"/>
+          </a:xfrm>
+          <a:prstGeom prst="rect">
+            <a:avLst/>
+          </a:prstGeom>
+          <a:noFill/>
+        </p:spPr>
+        <p:txBody>
+          <a:bodyPr wrap="none">
+            <a:spAutoFit/>
+          </a:bodyPr>
+          <a:lstStyle/>
+          <a:p/>
+          <a:p>
+            <a:r>
+              <a:t>CHAFTER I INTRODUCTION 7</a:t>
+            </a:r>
+            <a:br/>
+            <a:r>
+              <a:t>1.2.2 Choosing the Target Function</a:t>
+            </a:r>
+            <a:br/>
+            <a:r>
+              <a:t>The next design choice is to determine exactly what type of knowledge will be</a:t>
+            </a:r>
+            <a:br/>
+            <a:r>
+              <a:t>learned and how this will be used by the performance program.</a:t>
+            </a:r>
+          </a:p>
+          <a:p>
+            <a:r>
+              <a:t>Let us begin with</a:t>
+            </a:r>
+            <a:br/>
+            <a:r>
+              <a:t>a checkers-playing program that can generate the legal moves from any board</a:t>
+            </a:r>
+            <a:br/>
+            <a:r>
+              <a:t>state.</a:t>
+            </a:r>
+          </a:p>
+        </p:txBody>
+      </p:sp>
+    </p:spTree>
+  </p:cSld>
+  <p:clrMapOvr>
+    <a:masterClrMapping/>
+  </p:clrMapOvr>
+</p:sld>
+</file>
+
+<file path=ppt/slides/slide12.xml><?xml version="1.0" encoding="utf-8"?>
+<p:sld xmlns:a="http://schemas.openxmlformats.org/drawingml/2006/main" xmlns:p="http://schemas.openxmlformats.org/presentationml/2006/main" xmlns:r="http://schemas.openxmlformats.org/officeDocument/2006/relationships">
+  <p:cSld>
+    <p:spTree>
+      <p:nvGrpSpPr>
+        <p:cNvPr id="1" name=""/>
+        <p:cNvGrpSpPr/>
+        <p:nvPr/>
+      </p:nvGrpSpPr>
+      <p:grpSpPr/>
+      <p:sp>
+        <p:nvSpPr>
+          <p:cNvPr id="2" name="Title 1"/>
+          <p:cNvSpPr>
+            <a:spLocks noGrp="1"/>
+          </p:cNvSpPr>
+          <p:nvPr>
+            <p:ph type="title"/>
+          </p:nvPr>
+        </p:nvSpPr>
+        <p:spPr/>
+        <p:txBody>
+          <a:bodyPr/>
+          <a:lstStyle/>
+          <a:p/>
+        </p:txBody>
+      </p:sp>
+      <p:sp>
+        <p:nvSpPr>
+          <p:cNvPr id="3" name="TextBox 2"/>
+          <p:cNvSpPr txBox="1"/>
+          <p:nvPr/>
+        </p:nvSpPr>
+        <p:spPr>
+          <a:xfrm>
+            <a:off x="914400" y="914400"/>
+            <a:ext cx="7315200" cy="4572000"/>
+          </a:xfrm>
+          <a:prstGeom prst="rect">
+            <a:avLst/>
+          </a:prstGeom>
+          <a:noFill/>
+        </p:spPr>
+        <p:txBody>
+          <a:bodyPr wrap="none">
+            <a:spAutoFit/>
+          </a:bodyPr>
+          <a:lstStyle/>
+          <a:p/>
+          <a:p>
+            <a:r>
+              <a:t>Or we could allow it to</a:t>
+            </a:r>
+            <a:br/>
+            <a:r>
+              <a:t>represent using a collection of rules that match against features of the board</a:t>
+            </a:r>
+            <a:br/>
+            <a:r>
+              <a:t>state, or a quadratic polynomial function of predefined board features, or an arti-</a:t>
+            </a:r>
+            <a:br/>
+            <a:r>
+              <a:t>ficial neural network.</a:t>
+            </a:r>
+          </a:p>
+          <a:p>
+            <a:r>
+              <a:t>In fact,</a:t>
+            </a:r>
+            <a:br/>
+            <a:r>
+              <a:t>we often expect learning algorithms to acquire only some approximation to the</a:t>
+            </a:r>
+            <a:br/>
+            <a:r>
+              <a:t>target function, and for this reason the process of learning the target function</a:t>
+            </a:r>
+            <a:br/>
+            <a:r>
+              <a:t>is often called function approximation.</a:t>
+            </a:r>
+          </a:p>
+          <a:p>
+            <a:r>
+              <a:t>4.</a:t>
+            </a:r>
+          </a:p>
+        </p:txBody>
+      </p:sp>
+    </p:spTree>
+  </p:cSld>
+  <p:clrMapOvr>
+    <a:masterClrMapping/>
+  </p:clrMapOvr>
+</p:sld>
+</file>
+
+<file path=ppt/slides/slide13.xml><?xml version="1.0" encoding="utf-8"?>
+<p:sld xmlns:a="http://schemas.openxmlformats.org/drawingml/2006/main" xmlns:p="http://schemas.openxmlformats.org/presentationml/2006/main" xmlns:r="http://schemas.openxmlformats.org/officeDocument/2006/relationships">
+  <p:cSld>
+    <p:spTree>
+      <p:nvGrpSpPr>
+        <p:cNvPr id="1" name=""/>
+        <p:cNvGrpSpPr/>
+        <p:nvPr/>
+      </p:nvGrpSpPr>
+      <p:grpSpPr/>
+      <p:sp>
+        <p:nvSpPr>
+          <p:cNvPr id="2" name="Title 1"/>
+          <p:cNvSpPr>
+            <a:spLocks noGrp="1"/>
+          </p:cNvSpPr>
+          <p:nvPr>
+            <p:ph type="title"/>
+          </p:nvPr>
+        </p:nvSpPr>
+        <p:spPr/>
+        <p:txBody>
+          <a:bodyPr/>
+          <a:lstStyle/>
+          <a:p/>
+        </p:txBody>
+      </p:sp>
+      <p:sp>
+        <p:nvSpPr>
+          <p:cNvPr id="3" name="TextBox 2"/>
+          <p:cNvSpPr txBox="1"/>
+          <p:nvPr/>
+        </p:nvSpPr>
+        <p:spPr>
+          <a:xfrm>
+            <a:off x="914400" y="914400"/>
+            <a:ext cx="7315200" cy="4572000"/>
+          </a:xfrm>
+          <a:prstGeom prst="rect">
+            <a:avLst/>
+          </a:prstGeom>
+          <a:noFill/>
+        </p:spPr>
+        <p:txBody>
+          <a:bodyPr wrap="none">
+            <a:spAutoFit/>
+          </a:bodyPr>
+          <a:lstStyle/>
+          <a:p/>
+          <a:p>
+            <a:r>
+              <a:t>CHAPTER I INTRODUCTION 9</a:t>
+            </a:r>
+            <a:br/>
+            <a:r>
+              <a:t>x5:</a:t>
+            </a:r>
+          </a:p>
+          <a:p>
+            <a:r>
+              <a:t>the number of black pieces threatened by red (i.e., which can be captured</a:t>
+            </a:r>
+            <a:br/>
+            <a:r>
+              <a:t>on red's next turn)</a:t>
+            </a:r>
+            <a:br/>
+            <a:r>
+              <a:t>X6: the number of red pieces threatened by black</a:t>
+            </a:r>
+            <a:br/>
+            <a:r>
+              <a:t>Thus, our learning program will represent c(b) as a linear function of the</a:t>
+            </a:r>
+            <a:br/>
+            <a:r>
+              <a:t>form</a:t>
+            </a:r>
+            <a:br/>
+            <a:r>
+              <a:t>where wo through W6 are numerical coefficients, or weights, to be chosen by the</a:t>
+            </a:r>
+            <a:br/>
+            <a:r>
+              <a:t>learning algorithm.</a:t>
+            </a:r>
+          </a:p>
+          <a:p>
+            <a:r>
+              <a:t>Learned values for the weights wl through W6 will determine</a:t>
+            </a:r>
+            <a:br/>
+            <a:r>
+              <a:t>the relative importance of the various board features in determining the value of</a:t>
+            </a:r>
+            <a:br/>
+            <a:r>
+              <a:t>the board, whereas the weight wo will provide an additive constant to the board</a:t>
+            </a:r>
+            <a:br/>
+            <a:r>
+              <a:t>value.</a:t>
+            </a:r>
+            <a:br/>
+          </a:p>
+        </p:txBody>
+      </p:sp>
+    </p:spTree>
+  </p:cSld>
+  <p:clrMapOvr>
+    <a:masterClrMapping/>
+  </p:clrMapOvr>
+</p:sld>
+</file>
+
+<file path=ppt/slides/slide14.xml><?xml version="1.0" encoding="utf-8"?>
+<p:sld xmlns:a="http://schemas.openxmlformats.org/drawingml/2006/main" xmlns:p="http://schemas.openxmlformats.org/presentationml/2006/main" xmlns:r="http://schemas.openxmlformats.org/officeDocument/2006/relationships">
+  <p:cSld>
+    <p:spTree>
+      <p:nvGrpSpPr>
+        <p:cNvPr id="1" name=""/>
+        <p:cNvGrpSpPr/>
+        <p:nvPr/>
+      </p:nvGrpSpPr>
+      <p:grpSpPr/>
+      <p:sp>
+        <p:nvSpPr>
+          <p:cNvPr id="2" name="Title 1"/>
+          <p:cNvSpPr>
+            <a:spLocks noGrp="1"/>
+          </p:cNvSpPr>
+          <p:nvPr>
+            <p:ph type="title"/>
+          </p:nvPr>
+        </p:nvSpPr>
+        <p:spPr/>
+        <p:txBody>
+          <a:bodyPr/>
+          <a:lstStyle/>
+          <a:p/>
+        </p:txBody>
+      </p:sp>
+      <p:sp>
+        <p:nvSpPr>
+          <p:cNvPr id="3" name="TextBox 2"/>
+          <p:cNvSpPr txBox="1"/>
+          <p:nvPr/>
+        </p:nvSpPr>
+        <p:spPr>
+          <a:xfrm>
+            <a:off x="914400" y="914400"/>
+            <a:ext cx="7315200" cy="4572000"/>
+          </a:xfrm>
+          <a:prstGeom prst="rect">
+            <a:avLst/>
+          </a:prstGeom>
+          <a:noFill/>
+        </p:spPr>
+        <p:txBody>
+          <a:bodyPr wrap="none">
+            <a:spAutoFit/>
+          </a:bodyPr>
+          <a:lstStyle/>
+          <a:p/>
+          <a:p>
+            <a:r>
+              <a:t>10 MACHINE LEARNING</a:t>
+            </a:r>
+            <a:br/>
+          </a:p>
+          <a:p>
+            <a:r>
+              <a:t>Below we describe a procedure that first derives such training examples from</a:t>
+            </a:r>
+            <a:br/>
+            <a:r>
+              <a:t>the indirect training experience available to the learner, then adjusts the weights</a:t>
+            </a:r>
+            <a:br/>
+            <a:r>
+              <a:t>wi to best fit these training examples.</a:t>
+            </a:r>
+            <a:br/>
+          </a:p>
+        </p:txBody>
+      </p:sp>
+    </p:spTree>
+  </p:cSld>
+  <p:clrMapOvr>
+    <a:masterClrMapping/>
+  </p:clrMapOvr>
+</p:sld>
+</file>
+
+<file path=ppt/slides/slide15.xml><?xml version="1.0" encoding="utf-8"?>
+<p:sld xmlns:a="http://schemas.openxmlformats.org/drawingml/2006/main" xmlns:p="http://schemas.openxmlformats.org/presentationml/2006/main" xmlns:r="http://schemas.openxmlformats.org/officeDocument/2006/relationships">
+  <p:cSld>
+    <p:spTree>
+      <p:nvGrpSpPr>
+        <p:cNvPr id="1" name=""/>
+        <p:cNvGrpSpPr/>
+        <p:nvPr/>
+      </p:nvGrpSpPr>
+      <p:grpSpPr/>
+      <p:sp>
+        <p:nvSpPr>
+          <p:cNvPr id="2" name="Title 1"/>
+          <p:cNvSpPr>
+            <a:spLocks noGrp="1"/>
+          </p:cNvSpPr>
+          <p:nvPr>
+            <p:ph type="title"/>
+          </p:nvPr>
+        </p:nvSpPr>
+        <p:spPr/>
+        <p:txBody>
+          <a:bodyPr/>
+          <a:lstStyle/>
+          <a:p/>
+        </p:txBody>
+      </p:sp>
+      <p:sp>
+        <p:nvSpPr>
+          <p:cNvPr id="3" name="TextBox 2"/>
+          <p:cNvSpPr txBox="1"/>
+          <p:nvPr/>
+        </p:nvSpPr>
+        <p:spPr>
+          <a:xfrm>
+            <a:off x="914400" y="914400"/>
+            <a:ext cx="7315200" cy="4572000"/>
+          </a:xfrm>
+          <a:prstGeom prst="rect">
+            <a:avLst/>
+          </a:prstGeom>
+          <a:noFill/>
+        </p:spPr>
+        <p:txBody>
+          <a:bodyPr wrap="none">
+            <a:spAutoFit/>
+          </a:bodyPr>
+          <a:lstStyle/>
+          <a:p/>
+          <a:p>
+            <a:r>
+              <a:t>As discussed in Chapter 4, this algorithm can be</a:t>
+            </a:r>
+            <a:br/>
+            <a:r>
+              <a:t>viewed as performing a stochastic gradient-descent search through the space of</a:t>
+            </a:r>
+            <a:br/>
+            <a:r>
+              <a:t>possible hypotheses (weight values) to minimize the squared enor E. The LMS</a:t>
+            </a:r>
+            <a:br/>
+            <a:r>
+              <a:t>algorithm is defined as follows:</a:t>
+            </a:r>
+            <a:br/>
+            <a:r>
+              <a:t>LMS weight update rule.</a:t>
+            </a:r>
+            <a:br/>
+          </a:p>
+          <a:p>
+            <a:r>
+              <a:t>Thus, we seek the weights, or equivalently the c,t hat minimize E for the observed</a:t>
+            </a:r>
+            <a:br/>
+            <a:r>
+              <a:t>training examples.</a:t>
+            </a:r>
+          </a:p>
+        </p:txBody>
+      </p:sp>
+    </p:spTree>
+  </p:cSld>
+  <p:clrMapOvr>
+    <a:masterClrMapping/>
+  </p:clrMapOvr>
+</p:sld>
+</file>
+
+<file path=ppt/slides/slide16.xml><?xml version="1.0" encoding="utf-8"?>
+<p:sld xmlns:a="http://schemas.openxmlformats.org/drawingml/2006/main" xmlns:p="http://schemas.openxmlformats.org/presentationml/2006/main" xmlns:r="http://schemas.openxmlformats.org/officeDocument/2006/relationships">
+  <p:cSld>
+    <p:spTree>
+      <p:nvGrpSpPr>
+        <p:cNvPr id="1" name=""/>
+        <p:cNvGrpSpPr/>
+        <p:nvPr/>
+      </p:nvGrpSpPr>
+      <p:grpSpPr/>
+      <p:sp>
+        <p:nvSpPr>
+          <p:cNvPr id="2" name="Title 1"/>
+          <p:cNvSpPr>
+            <a:spLocks noGrp="1"/>
+          </p:cNvSpPr>
+          <p:nvPr>
+            <p:ph type="title"/>
+          </p:nvPr>
+        </p:nvSpPr>
+        <p:spPr/>
+        <p:txBody>
+          <a:bodyPr/>
+          <a:lstStyle/>
+          <a:p/>
+        </p:txBody>
+      </p:sp>
+      <p:sp>
+        <p:nvSpPr>
+          <p:cNvPr id="3" name="TextBox 2"/>
+          <p:cNvSpPr txBox="1"/>
+          <p:nvPr/>
+        </p:nvSpPr>
+        <p:spPr>
+          <a:xfrm>
+            <a:off x="914400" y="914400"/>
+            <a:ext cx="7315200" cy="4572000"/>
+          </a:xfrm>
+          <a:prstGeom prst="rect">
+            <a:avLst/>
+          </a:prstGeom>
+          <a:noFill/>
+        </p:spPr>
+        <p:txBody>
+          <a:bodyPr wrap="none">
+            <a:spAutoFit/>
+          </a:bodyPr>
+          <a:lstStyle/>
+          <a:p/>
+          <a:p>
+            <a:r>
+              <a:t>12 MACHINE LEARNING</a:t>
+            </a:r>
+            <a:br/>
+            <a:r>
+              <a:t>Experiment</a:t>
+            </a:r>
+            <a:br/>
+            <a:r>
+              <a:t>Generator</a:t>
+            </a:r>
+            <a:br/>
+            <a:r>
+              <a:t>New problem Hypothesis</a:t>
+            </a:r>
+            <a:br/>
+            <a:r>
+              <a:t>(initial game board) f VJ</a:t>
+            </a:r>
+            <a:br/>
+            <a:r>
+              <a:t>Performance</a:t>
+            </a:r>
+            <a:br/>
+            <a:r>
+              <a:t>Generalizer</a:t>
+            </a:r>
+            <a:br/>
+            <a:r>
+              <a:t>System</a:t>
+            </a:r>
+            <a:br/>
+            <a:r>
+              <a:t>Training examples</a:t>
+            </a:r>
+            <a:br/>
+            <a:r>
+              <a:t>Solution tract</a:t>
+            </a:r>
+            <a:br/>
+            <a:r>
+              <a:t>(game history)</a:t>
+            </a:r>
+          </a:p>
+          <a:p>
+            <a:r>
+              <a:t>The Critic takes as input the history or trace of the game and produces as</a:t>
+            </a:r>
+            <a:br/>
+            <a:r>
+              <a:t>output a set of training examples of the target function.</a:t>
+            </a:r>
+          </a:p>
+        </p:txBody>
+      </p:sp>
+    </p:spTree>
+  </p:cSld>
+  <p:clrMapOvr>
+    <a:masterClrMapping/>
+  </p:clrMapOvr>
+</p:sld>
+</file>
+
+<file path=ppt/slides/slide17.xml><?xml version="1.0" encoding="utf-8"?>
+<p:sld xmlns:a="http://schemas.openxmlformats.org/drawingml/2006/main" xmlns:p="http://schemas.openxmlformats.org/presentationml/2006/main" xmlns:r="http://schemas.openxmlformats.org/officeDocument/2006/relationships">
+  <p:cSld>
+    <p:spTree>
+      <p:nvGrpSpPr>
+        <p:cNvPr id="1" name=""/>
+        <p:cNvGrpSpPr/>
+        <p:nvPr/>
+      </p:nvGrpSpPr>
+      <p:grpSpPr/>
+      <p:sp>
+        <p:nvSpPr>
+          <p:cNvPr id="2" name="Title 1"/>
+          <p:cNvSpPr>
+            <a:spLocks noGrp="1"/>
+          </p:cNvSpPr>
+          <p:nvPr>
+            <p:ph type="title"/>
+          </p:nvPr>
+        </p:nvSpPr>
+        <p:spPr/>
+        <p:txBody>
+          <a:bodyPr/>
+          <a:lstStyle/>
+          <a:p/>
+        </p:txBody>
+      </p:sp>
+      <p:sp>
+        <p:nvSpPr>
+          <p:cNvPr id="3" name="TextBox 2"/>
+          <p:cNvSpPr txBox="1"/>
+          <p:nvPr/>
+        </p:nvSpPr>
+        <p:spPr>
+          <a:xfrm>
+            <a:off x="914400" y="914400"/>
+            <a:ext cx="7315200" cy="4572000"/>
+          </a:xfrm>
+          <a:prstGeom prst="rect">
+            <a:avLst/>
+          </a:prstGeom>
+          <a:noFill/>
+        </p:spPr>
+        <p:txBody>
+          <a:bodyPr wrap="none">
+            <a:spAutoFit/>
+          </a:bodyPr>
+          <a:lstStyle/>
+          <a:p/>
+          <a:p>
+            <a:r>
+              <a:t>could involve creating board positions designed to explore particular regions</a:t>
+            </a:r>
+            <a:br/>
+            <a:r>
+              <a:t>of the state space.</a:t>
+            </a:r>
+            <a:br/>
+          </a:p>
+          <a:p>
+            <a:r>
+              <a:t>Together, the design choices we made for our checkers program produce</a:t>
+            </a:r>
+            <a:br/>
+            <a:r>
+              <a:t>specific instantiations for the performance system, critic; generalizer, and experi-</a:t>
+            </a:r>
+            <a:br/>
+            <a:r>
+              <a:t>ment generator.</a:t>
+            </a:r>
+          </a:p>
+        </p:txBody>
+      </p:sp>
+    </p:spTree>
+  </p:cSld>
+  <p:clrMapOvr>
+    <a:masterClrMapping/>
+  </p:clrMapOvr>
+</p:sld>
+</file>
+
+<file path=ppt/slides/slide18.xml><?xml version="1.0" encoding="utf-8"?>
+<p:sld xmlns:a="http://schemas.openxmlformats.org/drawingml/2006/main" xmlns:p="http://schemas.openxmlformats.org/presentationml/2006/main" xmlns:r="http://schemas.openxmlformats.org/officeDocument/2006/relationships">
+  <p:cSld>
+    <p:spTree>
+      <p:nvGrpSpPr>
+        <p:cNvPr id="1" name=""/>
+        <p:cNvGrpSpPr/>
+        <p:nvPr/>
+      </p:nvGrpSpPr>
+      <p:grpSpPr/>
+      <p:sp>
+        <p:nvSpPr>
+          <p:cNvPr id="2" name="Title 1"/>
+          <p:cNvSpPr>
+            <a:spLocks noGrp="1"/>
+          </p:cNvSpPr>
+          <p:nvPr>
+            <p:ph type="title"/>
+          </p:nvPr>
+        </p:nvSpPr>
+        <p:spPr/>
+        <p:txBody>
+          <a:bodyPr/>
+          <a:lstStyle/>
+          <a:p/>
+        </p:txBody>
+      </p:sp>
+      <p:sp>
+        <p:nvSpPr>
+          <p:cNvPr id="3" name="TextBox 2"/>
+          <p:cNvSpPr txBox="1"/>
+          <p:nvPr/>
+        </p:nvSpPr>
+        <p:spPr>
+          <a:xfrm>
+            <a:off x="914400" y="914400"/>
+            <a:ext cx="7315200" cy="4572000"/>
+          </a:xfrm>
+          <a:prstGeom prst="rect">
+            <a:avLst/>
+          </a:prstGeom>
+          <a:noFill/>
+        </p:spPr>
+        <p:txBody>
+          <a:bodyPr wrap="none">
+            <a:spAutoFit/>
+          </a:bodyPr>
+          <a:lstStyle/>
+          <a:p/>
+          <a:p>
+            <a:r>
+              <a:t>Fortunately, practical experience indicates that this approach to learning</a:t>
+            </a:r>
+            <a:br/>
+            <a:r>
+              <a:t>evaluation functions is often successful, even outside the range of situations for</a:t>
+            </a:r>
+            <a:br/>
+            <a:r>
+              <a:t>which such guarantees can be proven.</a:t>
+            </a:r>
+            <a:br/>
+          </a:p>
+          <a:p>
+            <a:r>
+              <a:t>One might, for example, simply store the given training</a:t>
+            </a:r>
+            <a:br/>
+            <a:r>
+              <a:t>examples, then try to find the "closest" stored situation to match any new situation</a:t>
+            </a:r>
+            <a:br/>
+            <a:r>
+              <a:t>(nearest neighbor algorithm, Chapter 8).</a:t>
+            </a:r>
+          </a:p>
+          <a:p>
+            <a:r>
+              <a:t>particular features, then our program has a good chance to learn it.</a:t>
+            </a:r>
+          </a:p>
+        </p:txBody>
+      </p:sp>
+    </p:spTree>
+  </p:cSld>
+  <p:clrMapOvr>
+    <a:masterClrMapping/>
+  </p:clrMapOvr>
+</p:sld>
+</file>
+
+<file path=ppt/slides/slide19.xml><?xml version="1.0" encoding="utf-8"?>
+<p:sld xmlns:a="http://schemas.openxmlformats.org/drawingml/2006/main" xmlns:p="http://schemas.openxmlformats.org/presentationml/2006/main" xmlns:r="http://schemas.openxmlformats.org/officeDocument/2006/relationships">
+  <p:cSld>
+    <p:spTree>
+      <p:nvGrpSpPr>
+        <p:cNvPr id="1" name=""/>
+        <p:cNvGrpSpPr/>
+        <p:nvPr/>
+      </p:nvGrpSpPr>
+      <p:grpSpPr/>
+      <p:sp>
+        <p:nvSpPr>
+          <p:cNvPr id="2" name="Title 1"/>
+          <p:cNvSpPr>
+            <a:spLocks noGrp="1"/>
+          </p:cNvSpPr>
+          <p:nvPr>
+            <p:ph type="title"/>
+          </p:nvPr>
+        </p:nvSpPr>
+        <p:spPr/>
+        <p:txBody>
+          <a:bodyPr/>
+          <a:lstStyle/>
+          <a:p/>
+        </p:txBody>
+      </p:sp>
+      <p:sp>
+        <p:nvSpPr>
+          <p:cNvPr id="3" name="TextBox 2"/>
+          <p:cNvSpPr txBox="1"/>
+          <p:nvPr/>
+        </p:nvSpPr>
+        <p:spPr>
+          <a:xfrm>
+            <a:off x="914400" y="914400"/>
+            <a:ext cx="7315200" cy="4572000"/>
+          </a:xfrm>
+          <a:prstGeom prst="rect">
+            <a:avLst/>
+          </a:prstGeom>
+          <a:noFill/>
+        </p:spPr>
+        <p:txBody>
+          <a:bodyPr wrap="none">
+            <a:spAutoFit/>
+          </a:bodyPr>
+          <a:lstStyle/>
+          <a:p/>
+          <a:p>
+            <a:r>
+              <a:t>We will also</a:t>
+            </a:r>
+            <a:br/>
+            <a:r>
+              <a:t>find this viewpoint useful in formally analyzing the relationship between the size</a:t>
+            </a:r>
+            <a:br/>
+            <a:r>
+              <a:t>of the hypothesis space to be searched, the number of training examples available,</a:t>
+            </a:r>
+            <a:br/>
+            <a:r>
+              <a:t>and the confidence we can have that a hypothesis consistent with the training data</a:t>
+            </a:r>
+            <a:br/>
+            <a:r>
+              <a:t>will correctly generalize to unseen examples.</a:t>
+            </a:r>
+            <a:br/>
+          </a:p>
+          <a:p>
+            <a:r>
+              <a:t>What general bounds can be found</a:t>
+            </a:r>
+            <a:br/>
+            <a:r>
+              <a:t>to relate the confidence in learned hypotheses to the amount of training</a:t>
+            </a:r>
+            <a:br/>
+            <a:r>
+              <a:t>experience and the character of the learner's hypothesis space?</a:t>
+            </a:r>
+            <a:br/>
+          </a:p>
+          <a:p>
+            <a:r>
+              <a:t>In what settings will particular algorithms converge to the</a:t>
+            </a:r>
+            <a:br/>
+            <a:r>
+              <a:t>desired function, given sufficient training data?</a:t>
+            </a:r>
+          </a:p>
+        </p:txBody>
+      </p:sp>
+    </p:spTree>
+  </p:cSld>
+  <p:clrMapOvr>
+    <a:masterClrMapping/>
+  </p:clrMapOvr>
+</p:sld>
+</file>
+
+<file path=ppt/slides/slide2.xml><?xml version="1.0" encoding="utf-8"?>
+<p:sld xmlns:a="http://schemas.openxmlformats.org/drawingml/2006/main" xmlns:p="http://schemas.openxmlformats.org/presentationml/2006/main" xmlns:r="http://schemas.openxmlformats.org/officeDocument/2006/relationships">
+  <p:cSld>
+    <p:spTree>
+      <p:nvGrpSpPr>
+        <p:cNvPr id="1" name=""/>
+        <p:cNvGrpSpPr/>
+        <p:nvPr/>
+      </p:nvGrpSpPr>
+      <p:grpSpPr/>
+      <p:sp>
+        <p:nvSpPr>
+          <p:cNvPr id="2" name="Title 1"/>
+          <p:cNvSpPr>
+            <a:spLocks noGrp="1"/>
+          </p:cNvSpPr>
+          <p:nvPr>
+            <p:ph type="title"/>
+          </p:nvPr>
+        </p:nvSpPr>
+        <p:spPr/>
+        <p:txBody>
+          <a:bodyPr/>
+          <a:lstStyle/>
+          <a:p/>
+        </p:txBody>
+      </p:sp>
+      <p:sp>
+        <p:nvSpPr>
+          <p:cNvPr id="3" name="TextBox 2"/>
+          <p:cNvSpPr txBox="1"/>
+          <p:nvPr/>
+        </p:nvSpPr>
+        <p:spPr>
+          <a:xfrm>
+            <a:off x="914400" y="914400"/>
+            <a:ext cx="7315200" cy="4572000"/>
+          </a:xfrm>
+          <a:prstGeom prst="rect">
+            <a:avLst/>
+          </a:prstGeom>
+          <a:noFill/>
+        </p:spPr>
+        <p:txBody>
+          <a:bodyPr wrap="none">
+            <a:spAutoFit/>
+          </a:bodyPr>
+          <a:lstStyle/>
+          <a:p/>
+          <a:p>
+            <a:r>
+              <a:t>Machine learning draws on concepts and</a:t>
+            </a:r>
+            <a:br/>
+            <a:r>
+              <a:t>results from many fields, including statistics, artificial intelligence, philosophy,</a:t>
+            </a:r>
+            <a:br/>
+            <a:r>
+              <a:t>information theory, biology, cognitive science, computational complexity, and</a:t>
+            </a:r>
+            <a:br/>
+            <a:r>
+              <a:t>control theory.</a:t>
+            </a:r>
+          </a:p>
+          <a:p>
+            <a:r>
+              <a:t>PREFACE</a:t>
+            </a:r>
+            <a:br/>
+            <a:r>
+              <a:t>The field of machine learning is concerned with the question of how to construct</a:t>
+            </a:r>
+            <a:br/>
+            <a:r>
+              <a:t>computer programs that automatically improve with experience.</a:t>
+            </a:r>
+          </a:p>
+        </p:txBody>
+      </p:sp>
+    </p:spTree>
+  </p:cSld>
+  <p:clrMapOvr>
+    <a:masterClrMapping/>
+  </p:clrMapOvr>
+</p:sld>
+</file>
+
+<file path=ppt/slides/slide20.xml><?xml version="1.0" encoding="utf-8"?>
+<p:sld xmlns:a="http://schemas.openxmlformats.org/drawingml/2006/main" xmlns:p="http://schemas.openxmlformats.org/presentationml/2006/main" xmlns:r="http://schemas.openxmlformats.org/officeDocument/2006/relationships">
+  <p:cSld>
+    <p:spTree>
+      <p:nvGrpSpPr>
+        <p:cNvPr id="1" name=""/>
+        <p:cNvGrpSpPr/>
+        <p:nvPr/>
+      </p:nvGrpSpPr>
+      <p:grpSpPr/>
+      <p:sp>
+        <p:nvSpPr>
+          <p:cNvPr id="2" name="Title 1"/>
+          <p:cNvSpPr>
+            <a:spLocks noGrp="1"/>
+          </p:cNvSpPr>
+          <p:nvPr>
+            <p:ph type="title"/>
+          </p:nvPr>
+        </p:nvSpPr>
+        <p:spPr/>
+        <p:txBody>
+          <a:bodyPr/>
+          <a:lstStyle/>
+          <a:p/>
+        </p:txBody>
+      </p:sp>
+      <p:sp>
+        <p:nvSpPr>
+          <p:cNvPr id="3" name="TextBox 2"/>
+          <p:cNvSpPr txBox="1"/>
+          <p:nvPr/>
+        </p:nvSpPr>
+        <p:spPr>
+          <a:xfrm>
+            <a:off x="914400" y="914400"/>
+            <a:ext cx="7315200" cy="4572000"/>
+          </a:xfrm>
+          <a:prstGeom prst="rect">
+            <a:avLst/>
+          </a:prstGeom>
+          <a:noFill/>
+        </p:spPr>
+        <p:txBody>
+          <a:bodyPr wrap="none">
+            <a:spAutoFit/>
+          </a:bodyPr>
+          <a:lstStyle/>
+          <a:p/>
+          <a:p>
+            <a:r>
+              <a:t>Chapter 9 discusses learning algorithms modeled after biological evolution,</a:t>
+            </a:r>
+            <a:br/>
+            <a:r>
+              <a:t>0</a:t>
+            </a:r>
+            <a:br/>
+            <a:r>
+              <a:t>including genetic algorithms and genetic programming.</a:t>
+            </a:r>
+          </a:p>
+          <a:p>
+            <a:r>
+              <a:t>This includes a discussion of the WEIGHTEMD AJORITYal gorithm for</a:t>
+            </a:r>
+            <a:br/>
+            <a:r>
+              <a:t>combining multiple learning methods.</a:t>
+            </a:r>
+            <a:br/>
+          </a:p>
+          <a:p>
+            <a:r>
+              <a:t>16</a:t>
+            </a:r>
+            <a:br/>
+            <a:r>
+              <a:t>MACHINE LEARNING</a:t>
+            </a:r>
+            <a:br/>
+            <a:r>
+              <a:t>1.4 HOW TO READ THIS BOOK</a:t>
+            </a:r>
+            <a:br/>
+          </a:p>
+        </p:txBody>
+      </p:sp>
+    </p:spTree>
+  </p:cSld>
+  <p:clrMapOvr>
+    <a:masterClrMapping/>
+  </p:clrMapOvr>
+</p:sld>
+</file>
+
+<file path=ppt/slides/slide21.xml><?xml version="1.0" encoding="utf-8"?>
+<p:sld xmlns:a="http://schemas.openxmlformats.org/drawingml/2006/main" xmlns:p="http://schemas.openxmlformats.org/presentationml/2006/main" xmlns:r="http://schemas.openxmlformats.org/officeDocument/2006/relationships">
+  <p:cSld>
+    <p:spTree>
+      <p:nvGrpSpPr>
+        <p:cNvPr id="1" name=""/>
+        <p:cNvGrpSpPr/>
+        <p:nvPr/>
+      </p:nvGrpSpPr>
+      <p:grpSpPr/>
+      <p:sp>
+        <p:nvSpPr>
+          <p:cNvPr id="2" name="Title 1"/>
+          <p:cNvSpPr>
+            <a:spLocks noGrp="1"/>
+          </p:cNvSpPr>
+          <p:nvPr>
+            <p:ph type="title"/>
+          </p:nvPr>
+        </p:nvSpPr>
+        <p:spPr/>
+        <p:txBody>
+          <a:bodyPr/>
+          <a:lstStyle/>
+          <a:p/>
+        </p:txBody>
+      </p:sp>
+      <p:sp>
+        <p:nvSpPr>
+          <p:cNvPr id="3" name="TextBox 2"/>
+          <p:cNvSpPr txBox="1"/>
+          <p:nvPr/>
+        </p:nvSpPr>
+        <p:spPr>
+          <a:xfrm>
+            <a:off x="914400" y="914400"/>
+            <a:ext cx="7315200" cy="4572000"/>
+          </a:xfrm>
+          <a:prstGeom prst="rect">
+            <a:avLst/>
+          </a:prstGeom>
+          <a:noFill/>
+        </p:spPr>
+        <p:txBody>
+          <a:bodyPr wrap="none">
+            <a:spAutoFit/>
+          </a:bodyPr>
+          <a:lstStyle/>
+          <a:p/>
+          <a:p>
+            <a:r>
+              <a:t>Major points of this</a:t>
+            </a:r>
+            <a:br/>
+            <a:r>
+              <a:t>chapter include:</a:t>
+            </a:r>
+            <a:br/>
+            <a:r>
+              <a:t>Machine learning algorithms have proven to be of great practical value in a</a:t>
+            </a:r>
+            <a:br/>
+            <a:r>
+              <a:t>variety of application domains.</a:t>
+            </a:r>
+          </a:p>
+          <a:p>
+            <a:r>
+              <a:t>Chapter 10 covers algorithms for learning sets of rules, including Inductive</a:t>
+            </a:r>
+            <a:br/>
+            <a:r>
+              <a:t>0</a:t>
+            </a:r>
+            <a:br/>
+            <a:r>
+              <a:t>Logic Programming approaches to learning first-order Horn clauses.</a:t>
+            </a:r>
+            <a:br/>
+          </a:p>
+          <a:p>
+            <a:r>
+              <a:t>Chapter 11 covers explanation-based learning, a learning method that uses</a:t>
+            </a:r>
+            <a:br/>
+            <a:r>
+              <a:t>0</a:t>
+            </a:r>
+            <a:br/>
+            <a:r>
+              <a:t>prior knowledge to explain observed training examples, then generalizes</a:t>
+            </a:r>
+            <a:br/>
+            <a:r>
+              <a:t>based on these explanations.</a:t>
+            </a:r>
+            <a:br/>
+          </a:p>
+        </p:txBody>
+      </p:sp>
+    </p:spTree>
+  </p:cSld>
+  <p:clrMapOvr>
+    <a:masterClrMapping/>
+  </p:clrMapOvr>
+</p:sld>
+</file>
+
+<file path=ppt/slides/slide22.xml><?xml version="1.0" encoding="utf-8"?>
+<p:sld xmlns:a="http://schemas.openxmlformats.org/drawingml/2006/main" xmlns:p="http://schemas.openxmlformats.org/presentationml/2006/main" xmlns:r="http://schemas.openxmlformats.org/officeDocument/2006/relationships">
+  <p:cSld>
+    <p:spTree>
+      <p:nvGrpSpPr>
+        <p:cNvPr id="1" name=""/>
+        <p:cNvGrpSpPr/>
+        <p:nvPr/>
+      </p:nvGrpSpPr>
+      <p:grpSpPr/>
+      <p:sp>
+        <p:nvSpPr>
+          <p:cNvPr id="2" name="Title 1"/>
+          <p:cNvSpPr>
+            <a:spLocks noGrp="1"/>
+          </p:cNvSpPr>
+          <p:nvPr>
+            <p:ph type="title"/>
+          </p:nvPr>
+        </p:nvSpPr>
+        <p:spPr/>
+        <p:txBody>
+          <a:bodyPr/>
+          <a:lstStyle/>
+          <a:p/>
+        </p:txBody>
+      </p:sp>
+      <p:sp>
+        <p:nvSpPr>
+          <p:cNvPr id="3" name="TextBox 2"/>
+          <p:cNvSpPr txBox="1"/>
+          <p:nvPr/>
+        </p:nvSpPr>
+        <p:spPr>
+          <a:xfrm>
+            <a:off x="914400" y="914400"/>
+            <a:ext cx="7315200" cy="4572000"/>
+          </a:xfrm>
+          <a:prstGeom prst="rect">
+            <a:avLst/>
+          </a:prstGeom>
+          <a:noFill/>
+        </p:spPr>
+        <p:txBody>
+          <a:bodyPr wrap="none">
+            <a:spAutoFit/>
+          </a:bodyPr>
+          <a:lstStyle/>
+          <a:p/>
+          <a:p>
+            <a:r>
+              <a:t>18</a:t>
+            </a:r>
+            <a:br/>
+            <a:r>
+              <a:t>MACHINE LEARNING</a:t>
+            </a:r>
+            <a:br/>
+            <a:r>
+              <a:t>Learning involves search: searching through a space of possible hypotheses</a:t>
+            </a:r>
+            <a:br/>
+            <a:r>
+              <a:t>0</a:t>
+            </a:r>
+            <a:br/>
+            <a:r>
+              <a:t>to find the hypothesis that best fits the available training examples and other</a:t>
+            </a:r>
+            <a:br/>
+            <a:r>
+              <a:t>prior constraints or knowledge.</a:t>
+            </a:r>
+          </a:p>
+          <a:p>
+            <a:r>
+              <a:t>Much of this book is organized around dif-</a:t>
+            </a:r>
+            <a:br/>
+            <a:r>
+              <a:t>ferent learning methods that search different hypothesis spaces (e.g., spaces</a:t>
+            </a:r>
+            <a:br/>
+            <a:r>
+              <a:t>containing numerical functions, neural networks, decision trees, symbolic</a:t>
+            </a:r>
+            <a:br/>
+            <a:r>
+              <a:t>rules) and around theoretical results that characterize conditions under which</a:t>
+            </a:r>
+            <a:br/>
+            <a:r>
+              <a:t>these search methods converge toward an optimal hypothesis.</a:t>
+            </a:r>
+            <a:br/>
+          </a:p>
+          <a:p>
+            <a:r>
+              <a:t>There are a number of good sources for reading about the latest research</a:t>
+            </a:r>
+            <a:br/>
+            <a:r>
+              <a:t>results in machine learning.</a:t>
+            </a:r>
+          </a:p>
+        </p:txBody>
+      </p:sp>
+    </p:spTree>
+  </p:cSld>
+  <p:clrMapOvr>
+    <a:masterClrMapping/>
+  </p:clrMapOvr>
+</p:sld>
+</file>
+
+<file path=ppt/slides/slide23.xml><?xml version="1.0" encoding="utf-8"?>
+<p:sld xmlns:a="http://schemas.openxmlformats.org/drawingml/2006/main" xmlns:p="http://schemas.openxmlformats.org/presentationml/2006/main" xmlns:r="http://schemas.openxmlformats.org/officeDocument/2006/relationships">
+  <p:cSld>
+    <p:spTree>
+      <p:nvGrpSpPr>
+        <p:cNvPr id="1" name=""/>
+        <p:cNvGrpSpPr/>
+        <p:nvPr/>
+      </p:nvGrpSpPr>
+      <p:grpSpPr/>
+      <p:sp>
+        <p:nvSpPr>
+          <p:cNvPr id="2" name="Title 1"/>
+          <p:cNvSpPr>
+            <a:spLocks noGrp="1"/>
+          </p:cNvSpPr>
+          <p:nvPr>
+            <p:ph type="title"/>
+          </p:nvPr>
+        </p:nvSpPr>
+        <p:spPr/>
+        <p:txBody>
+          <a:bodyPr/>
+          <a:lstStyle/>
+          <a:p/>
+        </p:txBody>
+      </p:sp>
+      <p:sp>
+        <p:nvSpPr>
+          <p:cNvPr id="3" name="TextBox 2"/>
+          <p:cNvSpPr txBox="1"/>
+          <p:nvPr/>
+        </p:nvSpPr>
+        <p:spPr>
+          <a:xfrm>
+            <a:off x="914400" y="914400"/>
+            <a:ext cx="7315200" cy="4572000"/>
+          </a:xfrm>
+          <a:prstGeom prst="rect">
+            <a:avLst/>
+          </a:prstGeom>
+          <a:noFill/>
+        </p:spPr>
+        <p:txBody>
+          <a:bodyPr wrap="none">
+            <a:spAutoFit/>
+          </a:bodyPr>
+          <a:lstStyle/>
+          <a:p/>
+          <a:p>
+            <a:r>
+              <a:t>Hillsdale, NJ: Erlbaum.</a:t>
+            </a:r>
+            <a:br/>
+            <a:r>
+              <a:t>Chi, M. T. H., &amp; Bassock, M. (1989).</a:t>
+            </a:r>
+          </a:p>
+          <a:p>
+            <a:r>
+              <a:t>Rudnicky, A. I., Hauptmann, A. G., &amp; Lee, K. -F. (1994).</a:t>
+            </a:r>
+          </a:p>
+          <a:p>
+            <a:r>
+              <a:t>bination of board features of your choice.</a:t>
+            </a:r>
+          </a:p>
+        </p:txBody>
+      </p:sp>
+    </p:spTree>
+  </p:cSld>
+  <p:clrMapOvr>
+    <a:masterClrMapping/>
+  </p:clrMapOvr>
+</p:sld>
+</file>
+
+<file path=ppt/slides/slide24.xml><?xml version="1.0" encoding="utf-8"?>
+<p:sld xmlns:a="http://schemas.openxmlformats.org/drawingml/2006/main" xmlns:p="http://schemas.openxmlformats.org/presentationml/2006/main" xmlns:r="http://schemas.openxmlformats.org/officeDocument/2006/relationships">
+  <p:cSld>
+    <p:spTree>
+      <p:nvGrpSpPr>
+        <p:cNvPr id="1" name=""/>
+        <p:cNvGrpSpPr/>
+        <p:nvPr/>
+      </p:nvGrpSpPr>
+      <p:grpSpPr/>
+      <p:sp>
+        <p:nvSpPr>
+          <p:cNvPr id="2" name="Title 1"/>
+          <p:cNvSpPr>
+            <a:spLocks noGrp="1"/>
+          </p:cNvSpPr>
+          <p:nvPr>
+            <p:ph type="title"/>
+          </p:nvPr>
+        </p:nvSpPr>
+        <p:spPr/>
+        <p:txBody>
+          <a:bodyPr/>
+          <a:lstStyle/>
+          <a:p/>
+        </p:txBody>
+      </p:sp>
+      <p:sp>
+        <p:nvSpPr>
+          <p:cNvPr id="3" name="TextBox 2"/>
+          <p:cNvSpPr txBox="1"/>
+          <p:nvPr/>
+        </p:nvSpPr>
+        <p:spPr>
+          <a:xfrm>
+            <a:off x="914400" y="914400"/>
+            <a:ext cx="7315200" cy="4572000"/>
+          </a:xfrm>
+          <a:prstGeom prst="rect">
+            <a:avLst/>
+          </a:prstGeom>
+          <a:noFill/>
+        </p:spPr>
+        <p:txBody>
+          <a:bodyPr wrap="none">
+            <a:spAutoFit/>
+          </a:bodyPr>
+          <a:lstStyle/>
+          <a:p/>
+          <a:p>
+            <a:r>
+              <a:t>0,RDERING</a:t>
+            </a:r>
+            <a:br/>
+            <a:r>
+              <a:t>The problem of inducing general functions from specific training examples is central</a:t>
+            </a:r>
+            <a:br/>
+            <a:r>
+              <a:t>to learning.</a:t>
+            </a:r>
+          </a:p>
+          <a:p>
+            <a:r>
+              <a:t>We</a:t>
+            </a:r>
+            <a:br/>
+            <a:r>
+              <a:t>also examine the nature of inductive learning and the justification by which any</a:t>
+            </a:r>
+            <a:br/>
+            <a:r>
+              <a:t>program may successfully generalize beyond the observed training data.</a:t>
+            </a:r>
+            <a:br/>
+            <a:r>
+              <a:t>2.1 INTRODUCTION</a:t>
+            </a:r>
+            <a:br/>
+            <a:r>
+              <a:t>Much of learning involves acquiring general concepts from specific training exam-</a:t>
+            </a:r>
+            <a:br/>
+            <a:r>
+              <a:t>ples.</a:t>
+            </a:r>
+          </a:p>
+        </p:txBody>
+      </p:sp>
+    </p:spTree>
+  </p:cSld>
+  <p:clrMapOvr>
+    <a:masterClrMapping/>
+  </p:clrMapOvr>
+</p:sld>
+</file>
+
+<file path=ppt/slides/slide25.xml><?xml version="1.0" encoding="utf-8"?>
+<p:sld xmlns:a="http://schemas.openxmlformats.org/drawingml/2006/main" xmlns:p="http://schemas.openxmlformats.org/presentationml/2006/main" xmlns:r="http://schemas.openxmlformats.org/officeDocument/2006/relationships">
+  <p:cSld>
+    <p:spTree>
+      <p:nvGrpSpPr>
+        <p:cNvPr id="1" name=""/>
+        <p:cNvGrpSpPr/>
+        <p:nvPr/>
+      </p:nvGrpSpPr>
+      <p:grpSpPr/>
+      <p:sp>
+        <p:nvSpPr>
+          <p:cNvPr id="2" name="Title 1"/>
+          <p:cNvSpPr>
+            <a:spLocks noGrp="1"/>
+          </p:cNvSpPr>
+          <p:nvPr>
+            <p:ph type="title"/>
+          </p:nvPr>
+        </p:nvSpPr>
+        <p:spPr/>
+        <p:txBody>
+          <a:bodyPr/>
+          <a:lstStyle/>
+          <a:p/>
+        </p:txBody>
+      </p:sp>
+      <p:sp>
+        <p:nvSpPr>
+          <p:cNvPr id="3" name="TextBox 2"/>
+          <p:cNvSpPr txBox="1"/>
+          <p:nvPr/>
+        </p:nvSpPr>
+        <p:spPr>
+          <a:xfrm>
+            <a:off x="914400" y="914400"/>
+            <a:ext cx="7315200" cy="4572000"/>
+          </a:xfrm>
+          <a:prstGeom prst="rect">
+            <a:avLst/>
+          </a:prstGeom>
+          <a:noFill/>
+        </p:spPr>
+        <p:txBody>
+          <a:bodyPr wrap="none">
+            <a:spAutoFit/>
+          </a:bodyPr>
+          <a:lstStyle/>
+          <a:p/>
+          <a:p>
+            <a:r>
+              <a:t>Table 2.1 describes a set of example days, each represented by a set of</a:t>
+            </a:r>
+            <a:br/>
+            <a:r>
+              <a:t>attributes.</a:t>
+            </a:r>
+          </a:p>
+          <a:p>
+            <a:r>
+              <a:t>CHAFER 2 CONCEm LEARNING AND THE GENERAL-TO-SPECIFIC ORDERWG 21</a:t>
+            </a:r>
+            <a:br/>
+            <a:r>
+              <a:t>birds).</a:t>
+            </a:r>
+          </a:p>
+        </p:txBody>
+      </p:sp>
+    </p:spTree>
+  </p:cSld>
+  <p:clrMapOvr>
+    <a:masterClrMapping/>
+  </p:clrMapOvr>
+</p:sld>
+</file>
+
+<file path=ppt/slides/slide26.xml><?xml version="1.0" encoding="utf-8"?>
+<p:sld xmlns:a="http://schemas.openxmlformats.org/drawingml/2006/main" xmlns:p="http://schemas.openxmlformats.org/presentationml/2006/main" xmlns:r="http://schemas.openxmlformats.org/officeDocument/2006/relationships">
+  <p:cSld>
+    <p:spTree>
+      <p:nvGrpSpPr>
+        <p:cNvPr id="1" name=""/>
+        <p:cNvGrpSpPr/>
+        <p:nvPr/>
+      </p:nvGrpSpPr>
+      <p:grpSpPr/>
+      <p:sp>
+        <p:nvSpPr>
+          <p:cNvPr id="2" name="Title 1"/>
+          <p:cNvSpPr>
+            <a:spLocks noGrp="1"/>
+          </p:cNvSpPr>
+          <p:nvPr>
+            <p:ph type="title"/>
+          </p:nvPr>
+        </p:nvSpPr>
+        <p:spPr/>
+        <p:txBody>
+          <a:bodyPr/>
+          <a:lstStyle/>
+          <a:p/>
+        </p:txBody>
+      </p:sp>
+      <p:sp>
+        <p:nvSpPr>
+          <p:cNvPr id="3" name="TextBox 2"/>
+          <p:cNvSpPr txBox="1"/>
+          <p:nvPr/>
+        </p:nvSpPr>
+        <p:spPr>
+          <a:xfrm>
+            <a:off x="914400" y="914400"/>
+            <a:ext cx="7315200" cy="4572000"/>
+          </a:xfrm>
+          <a:prstGeom prst="rect">
+            <a:avLst/>
+          </a:prstGeom>
+          <a:noFill/>
+        </p:spPr>
+        <p:txBody>
+          <a:bodyPr wrap="none">
+            <a:spAutoFit/>
+          </a:bodyPr>
+          <a:lstStyle/>
+          <a:p/>
+          <a:p>
+            <a:r>
+              <a:t>22 MACHINE LEARNING</a:t>
+            </a:r>
+            <a:br/>
+          </a:p>
+          <a:p>
+            <a:r>
+              <a:t>The most general hypothesis-that every day is a positive example-is repre-</a:t>
+            </a:r>
+            <a:br/>
+            <a:r>
+              <a:t>sented by</a:t>
+            </a:r>
+            <a:br/>
+            <a:r>
+              <a:t>(?, ?, ?, ?, ?, ?)</a:t>
+            </a:r>
+            <a:br/>
+            <a:r>
+              <a:t>and the most specific possible hypothesis-that no day is a positive example-is</a:t>
+            </a:r>
+            <a:br/>
+            <a:r>
+              <a:t>represented by</a:t>
+            </a:r>
+            <a:br/>
+            <a:r>
+              <a:t>(0,0,0,0,0,0)</a:t>
+            </a:r>
+            <a:br/>
+            <a:r>
+              <a:t>To summarize, the EnjoySport concept learning task requires learning the</a:t>
+            </a:r>
+            <a:br/>
+            <a:r>
+              <a:t>set of days for which EnjoySport</a:t>
+            </a:r>
+          </a:p>
+        </p:txBody>
+      </p:sp>
+    </p:spTree>
+  </p:cSld>
+  <p:clrMapOvr>
+    <a:masterClrMapping/>
+  </p:clrMapOvr>
+</p:sld>
+</file>
+
+<file path=ppt/slides/slide27.xml><?xml version="1.0" encoding="utf-8"?>
+<p:sld xmlns:a="http://schemas.openxmlformats.org/drawingml/2006/main" xmlns:p="http://schemas.openxmlformats.org/presentationml/2006/main" xmlns:r="http://schemas.openxmlformats.org/officeDocument/2006/relationships">
+  <p:cSld>
+    <p:spTree>
+      <p:nvGrpSpPr>
+        <p:cNvPr id="1" name=""/>
+        <p:cNvGrpSpPr/>
+        <p:nvPr/>
+      </p:nvGrpSpPr>
+      <p:grpSpPr/>
+      <p:sp>
+        <p:nvSpPr>
+          <p:cNvPr id="2" name="Title 1"/>
+          <p:cNvSpPr>
+            <a:spLocks noGrp="1"/>
+          </p:cNvSpPr>
+          <p:nvPr>
+            <p:ph type="title"/>
+          </p:nvPr>
+        </p:nvSpPr>
+        <p:spPr/>
+        <p:txBody>
+          <a:bodyPr/>
+          <a:lstStyle/>
+          <a:p/>
+        </p:txBody>
+      </p:sp>
+      <p:sp>
+        <p:nvSpPr>
+          <p:cNvPr id="3" name="TextBox 2"/>
+          <p:cNvSpPr txBox="1"/>
+          <p:nvPr/>
+        </p:nvSpPr>
+        <p:spPr>
+          <a:xfrm>
+            <a:off x="914400" y="914400"/>
+            <a:ext cx="7315200" cy="4572000"/>
+          </a:xfrm>
+          <a:prstGeom prst="rect">
+            <a:avLst/>
+          </a:prstGeom>
+          <a:noFill/>
+        </p:spPr>
+        <p:txBody>
+          <a:bodyPr wrap="none">
+            <a:spAutoFit/>
+          </a:bodyPr>
+          <a:lstStyle/>
+          <a:p/>
+          <a:p>
+            <a:r>
+              <a:t>When learning the target concept, the learner is presented a set of training</a:t>
+            </a:r>
+            <a:br/>
+            <a:r>
+              <a:t>examples, each consisting of an instance x from X, along with its target concept</a:t>
+            </a:r>
+            <a:br/>
+            <a:r>
+              <a:t>value c(x) (e.g., the training examples in Table 2.1).</a:t>
+            </a:r>
+          </a:p>
+          <a:p>
+            <a:r>
+              <a:t>Instances for which c(x) = 1</a:t>
+            </a:r>
+            <a:br/>
+            <a:r>
+              <a:t>are called positive examples, or members of the target concept.</a:t>
+            </a:r>
+          </a:p>
+        </p:txBody>
+      </p:sp>
+    </p:spTree>
+  </p:cSld>
+  <p:clrMapOvr>
+    <a:masterClrMapping/>
+  </p:clrMapOvr>
+</p:sld>
+</file>
+
+<file path=ppt/slides/slide28.xml><?xml version="1.0" encoding="utf-8"?>
+<p:sld xmlns:a="http://schemas.openxmlformats.org/drawingml/2006/main" xmlns:p="http://schemas.openxmlformats.org/presentationml/2006/main" xmlns:r="http://schemas.openxmlformats.org/officeDocument/2006/relationships">
+  <p:cSld>
+    <p:spTree>
+      <p:nvGrpSpPr>
+        <p:cNvPr id="1" name=""/>
+        <p:cNvGrpSpPr/>
+        <p:nvPr/>
+      </p:nvGrpSpPr>
+      <p:grpSpPr/>
+      <p:sp>
+        <p:nvSpPr>
+          <p:cNvPr id="2" name="Title 1"/>
+          <p:cNvSpPr>
+            <a:spLocks noGrp="1"/>
+          </p:cNvSpPr>
+          <p:nvPr>
+            <p:ph type="title"/>
+          </p:nvPr>
+        </p:nvSpPr>
+        <p:spPr/>
+        <p:txBody>
+          <a:bodyPr/>
+          <a:lstStyle/>
+          <a:p/>
+        </p:txBody>
+      </p:sp>
+      <p:sp>
+        <p:nvSpPr>
+          <p:cNvPr id="3" name="TextBox 2"/>
+          <p:cNvSpPr txBox="1"/>
+          <p:nvPr/>
+        </p:nvSpPr>
+        <p:spPr>
+          <a:xfrm>
+            <a:off x="914400" y="914400"/>
+            <a:ext cx="7315200" cy="4572000"/>
+          </a:xfrm>
+          <a:prstGeom prst="rect">
+            <a:avLst/>
+          </a:prstGeom>
+          <a:noFill/>
+        </p:spPr>
+        <p:txBody>
+          <a:bodyPr wrap="none">
+            <a:spAutoFit/>
+          </a:bodyPr>
+          <a:lstStyle/>
+          <a:p/>
+          <a:p>
+            <a:r>
+              <a:t>3 .2 2 .2 2 .2 =</a:t>
+            </a:r>
+          </a:p>
+          <a:p>
+            <a:r>
+              <a:t>96 distinct instances.</a:t>
+            </a:r>
+          </a:p>
+        </p:txBody>
+      </p:sp>
+    </p:spTree>
+  </p:cSld>
+  <p:clrMapOvr>
+    <a:masterClrMapping/>
+  </p:clrMapOvr>
+</p:sld>
+</file>
+
+<file path=ppt/slides/slide29.xml><?xml version="1.0" encoding="utf-8"?>
+<p:sld xmlns:a="http://schemas.openxmlformats.org/drawingml/2006/main" xmlns:p="http://schemas.openxmlformats.org/presentationml/2006/main" xmlns:r="http://schemas.openxmlformats.org/officeDocument/2006/relationships">
+  <p:cSld>
+    <p:spTree>
+      <p:nvGrpSpPr>
+        <p:cNvPr id="1" name=""/>
+        <p:cNvGrpSpPr/>
+        <p:nvPr/>
+      </p:nvGrpSpPr>
+      <p:grpSpPr/>
+      <p:sp>
+        <p:nvSpPr>
+          <p:cNvPr id="2" name="Title 1"/>
+          <p:cNvSpPr>
+            <a:spLocks noGrp="1"/>
+          </p:cNvSpPr>
+          <p:nvPr>
+            <p:ph type="title"/>
+          </p:nvPr>
+        </p:nvSpPr>
+        <p:spPr/>
+        <p:txBody>
+          <a:bodyPr/>
+          <a:lstStyle/>
+          <a:p/>
+        </p:txBody>
+      </p:sp>
+      <p:sp>
+        <p:nvSpPr>
+          <p:cNvPr id="3" name="TextBox 2"/>
+          <p:cNvSpPr txBox="1"/>
+          <p:nvPr/>
+        </p:nvSpPr>
+        <p:spPr>
+          <a:xfrm>
+            <a:off x="914400" y="914400"/>
+            <a:ext cx="7315200" cy="4572000"/>
+          </a:xfrm>
+          <a:prstGeom prst="rect">
+            <a:avLst/>
+          </a:prstGeom>
+          <a:noFill/>
+        </p:spPr>
+        <p:txBody>
+          <a:bodyPr wrap="none">
+            <a:spAutoFit/>
+          </a:bodyPr>
+          <a:lstStyle/>
+          <a:p/>
+          <a:p>
+            <a:r>
+              <a:t>As noted earlier, hypothesis h2 is more</a:t>
+            </a:r>
+            <a:br/>
+            <a:r>
+              <a:t>general than hl because every instance that satisfies hl also satisfies h2.</a:t>
+            </a:r>
+          </a:p>
+          <a:p>
+            <a:r>
+              <a:t>25</a:t>
+            </a:r>
+            <a:br/>
+            <a:r>
+              <a:t>CHAPTER 2 CONCEPT LEARNING AND THE GENERAL-TO-SPECIFIC ORDERING</a:t>
+            </a:r>
+            <a:br/>
+            <a:r>
+              <a:t>Imtances X Hypotheses H</a:t>
+            </a:r>
+            <a:br/>
+            <a:r>
+              <a:t>I</a:t>
+            </a:r>
+          </a:p>
+        </p:txBody>
+      </p:sp>
+    </p:spTree>
+  </p:cSld>
+  <p:clrMapOvr>
+    <a:masterClrMapping/>
+  </p:clrMapOvr>
+</p:sld>
+</file>
+
+<file path=ppt/slides/slide3.xml><?xml version="1.0" encoding="utf-8"?>
+<p:sld xmlns:a="http://schemas.openxmlformats.org/drawingml/2006/main" xmlns:p="http://schemas.openxmlformats.org/presentationml/2006/main" xmlns:r="http://schemas.openxmlformats.org/officeDocument/2006/relationships">
+  <p:cSld>
+    <p:spTree>
+      <p:nvGrpSpPr>
+        <p:cNvPr id="1" name=""/>
+        <p:cNvGrpSpPr/>
+        <p:nvPr/>
+      </p:nvGrpSpPr>
+      <p:grpSpPr/>
+      <p:sp>
+        <p:nvSpPr>
+          <p:cNvPr id="2" name="Title 1"/>
+          <p:cNvSpPr>
+            <a:spLocks noGrp="1"/>
+          </p:cNvSpPr>
+          <p:nvPr>
+            <p:ph type="title"/>
+          </p:nvPr>
+        </p:nvSpPr>
+        <p:spPr/>
+        <p:txBody>
+          <a:bodyPr/>
+          <a:lstStyle/>
+          <a:p/>
+        </p:txBody>
+      </p:sp>
+      <p:sp>
+        <p:nvSpPr>
+          <p:cNvPr id="3" name="TextBox 2"/>
+          <p:cNvSpPr txBox="1"/>
+          <p:nvPr/>
+        </p:nvSpPr>
+        <p:spPr>
+          <a:xfrm>
+            <a:off x="914400" y="914400"/>
+            <a:ext cx="7315200" cy="4572000"/>
+          </a:xfrm>
+          <a:prstGeom prst="rect">
+            <a:avLst/>
+          </a:prstGeom>
+          <a:noFill/>
+        </p:spPr>
+        <p:txBody>
+          <a:bodyPr wrap="none">
+            <a:spAutoFit/>
+          </a:bodyPr>
+          <a:lstStyle/>
+          <a:p/>
+          <a:p>
+            <a:r>
+              <a:t>Avrim Blum, Jaime Carbonell, William Cohen, Greg Cooper, Mark Craven,</a:t>
+            </a:r>
+            <a:br/>
+            <a:r>
+              <a:t>Ken DeJong, Jerry DeJong, Tom Dietterich, Susan Epstein, Oren Etzioni,</a:t>
+            </a:r>
+            <a:br/>
+            <a:r>
+              <a:t>Scott Fahlman, Stephanie Forrest, David Haussler, Haym Hirsh, Rob Holte,</a:t>
+            </a:r>
+            <a:br/>
+            <a:r>
+              <a:t>Leslie Pack Kaelbling, Dennis Kibler, Moshe Koppel, John Koza, Miroslav</a:t>
+            </a:r>
+            <a:br/>
+            <a:r>
+              <a:t>Kubat, John Lafferty, Ramon Lopez de Mantaras, Sridhar Mahadevan, Stan</a:t>
+            </a:r>
+            <a:br/>
+            <a:r>
+              <a:t>Matwin, Andrew McCallum, Raymond Mooney, Andrew Moore, Katharina</a:t>
+            </a:r>
+            <a:br/>
+            <a:r>
+              <a:t>Morik, Steve Muggleton, Michael Pazzani, David Poole, Armand Prieditis,</a:t>
+            </a:r>
+            <a:br/>
+            <a:r>
+              <a:t>Jim Reggia, Stuart Russell, Lorenza Saitta, Claude Sammut, Jeff Schneider,</a:t>
+            </a:r>
+            <a:br/>
+            <a:r>
+              <a:t>Jude Shavlik, Devika Subramanian, Michael Swain, Gheorgh Tecuci, Se-</a:t>
+            </a:r>
+            <a:br/>
+            <a:r>
+              <a:t>bastian Thrun, Peter Turney, Paul Utgoff, Manuela Veloso, Alex Waibel,</a:t>
+            </a:r>
+            <a:br/>
+            <a:r>
+              <a:t>Stefan Wrobel, and Yiming Yang.</a:t>
+            </a:r>
+            <a:br/>
+          </a:p>
+          <a:p>
+            <a:r>
+              <a:t>I am grateful to a number of</a:t>
+            </a:r>
+            <a:br/>
+            <a:r>
+              <a:t>colleagues who have helped to create these online resources, including Jason Ren-</a:t>
+            </a:r>
+            <a:br/>
+            <a:r>
+              <a:t>nie, Paul Hsiung, Jeff Shufelt, Matt Glickman, Scott Davies, Joseph O'Sullivan,</a:t>
+            </a:r>
+            <a:br/>
+            <a:r>
+              <a:t>Ken Lang, Andrew McCallum, and Thorsten Joachims.</a:t>
+            </a:r>
+            <a:br/>
+            <a:r>
+              <a:t>ACKNOWLEDGMENTS</a:t>
+            </a:r>
+            <a:br/>
+            <a:r>
+              <a:t>In writing this book, I have been fortunate to be assisted by technical experts</a:t>
+            </a:r>
+            <a:br/>
+            <a:r>
+              <a:t>in many of the subdisciplines that make up the field of machine learning.</a:t>
+            </a:r>
+          </a:p>
+        </p:txBody>
+      </p:sp>
+    </p:spTree>
+  </p:cSld>
+  <p:clrMapOvr>
+    <a:masterClrMapping/>
+  </p:clrMapOvr>
+</p:sld>
+</file>
+
+<file path=ppt/slides/slide30.xml><?xml version="1.0" encoding="utf-8"?>
+<p:sld xmlns:a="http://schemas.openxmlformats.org/drawingml/2006/main" xmlns:p="http://schemas.openxmlformats.org/presentationml/2006/main" xmlns:r="http://schemas.openxmlformats.org/officeDocument/2006/relationships">
+  <p:cSld>
+    <p:spTree>
+      <p:nvGrpSpPr>
+        <p:cNvPr id="1" name=""/>
+        <p:cNvGrpSpPr/>
+        <p:nvPr/>
+      </p:nvGrpSpPr>
+      <p:grpSpPr/>
+      <p:sp>
+        <p:nvSpPr>
+          <p:cNvPr id="2" name="Title 1"/>
+          <p:cNvSpPr>
+            <a:spLocks noGrp="1"/>
+          </p:cNvSpPr>
+          <p:nvPr>
+            <p:ph type="title"/>
+          </p:nvPr>
+        </p:nvSpPr>
+        <p:spPr/>
+        <p:txBody>
+          <a:bodyPr/>
+          <a:lstStyle/>
+          <a:p/>
+        </p:txBody>
+      </p:sp>
+      <p:sp>
+        <p:nvSpPr>
+          <p:cNvPr id="3" name="TextBox 2"/>
+          <p:cNvSpPr txBox="1"/>
+          <p:nvPr/>
+        </p:nvSpPr>
+        <p:spPr>
+          <a:xfrm>
+            <a:off x="914400" y="914400"/>
+            <a:ext cx="7315200" cy="4572000"/>
+          </a:xfrm>
+          <a:prstGeom prst="rect">
+            <a:avLst/>
+          </a:prstGeom>
+          <a:noFill/>
+        </p:spPr>
+        <p:txBody>
+          <a:bodyPr wrap="none">
+            <a:spAutoFit/>
+          </a:bodyPr>
+          <a:lstStyle/>
+          <a:p/>
+          <a:p>
+            <a:r>
+              <a:t>To be more precise about how the partial ordering is used, consider the</a:t>
+            </a:r>
+            <a:br/>
+            <a:r>
+              <a:t>FIND-S algorithm defined in Table 2.3.</a:t>
+            </a:r>
+            <a:br/>
+            <a:r>
+              <a:t>To illustrate this algorithm, assume the learner is given the sequence of</a:t>
+            </a:r>
+            <a:br/>
+            <a:r>
+              <a:t>training examples from Table 2.1 for the EnjoySport task.</a:t>
+            </a:r>
+          </a:p>
+          <a:p>
+            <a:r>
+              <a:t>One way is to begin</a:t>
+            </a:r>
+            <a:br/>
+            <a:r>
+              <a:t>with the most specific possible hypothesis in H, then generalize this hypothesis</a:t>
+            </a:r>
+            <a:br/>
+            <a:r>
+              <a:t>each time it fails to cover an observed positive training example.</a:t>
+            </a:r>
+          </a:p>
+          <a:p>
+            <a:r>
+              <a:t>1. Initialize h to the most specific hypothesis in H</a:t>
+            </a:r>
+            <a:br/>
+            <a:r>
+              <a:t>2.</a:t>
+            </a:r>
+          </a:p>
+        </p:txBody>
+      </p:sp>
+    </p:spTree>
+  </p:cSld>
+  <p:clrMapOvr>
+    <a:masterClrMapping/>
+  </p:clrMapOvr>
+</p:sld>
+</file>
+
+<file path=ppt/slides/slide31.xml><?xml version="1.0" encoding="utf-8"?>
+<p:sld xmlns:a="http://schemas.openxmlformats.org/drawingml/2006/main" xmlns:p="http://schemas.openxmlformats.org/presentationml/2006/main" xmlns:r="http://schemas.openxmlformats.org/officeDocument/2006/relationships">
+  <p:cSld>
+    <p:spTree>
+      <p:nvGrpSpPr>
+        <p:cNvPr id="1" name=""/>
+        <p:cNvGrpSpPr/>
+        <p:nvPr/>
+      </p:nvGrpSpPr>
+      <p:grpSpPr/>
+      <p:sp>
+        <p:nvSpPr>
+          <p:cNvPr id="2" name="Title 1"/>
+          <p:cNvSpPr>
+            <a:spLocks noGrp="1"/>
+          </p:cNvSpPr>
+          <p:nvPr>
+            <p:ph type="title"/>
+          </p:nvPr>
+        </p:nvSpPr>
+        <p:spPr/>
+        <p:txBody>
+          <a:bodyPr/>
+          <a:lstStyle/>
+          <a:p/>
+        </p:txBody>
+      </p:sp>
+      <p:sp>
+        <p:nvSpPr>
+          <p:cNvPr id="3" name="TextBox 2"/>
+          <p:cNvSpPr txBox="1"/>
+          <p:nvPr/>
+        </p:nvSpPr>
+        <p:spPr>
+          <a:xfrm>
+            <a:off x="914400" y="914400"/>
+            <a:ext cx="7315200" cy="4572000"/>
+          </a:xfrm>
+          <a:prstGeom prst="rect">
+            <a:avLst/>
+          </a:prstGeom>
+          <a:noFill/>
+        </p:spPr>
+        <p:txBody>
+          <a:bodyPr wrap="none">
+            <a:spAutoFit/>
+          </a:bodyPr>
+          <a:lstStyle/>
+          <a:p/>
+          <a:p>
+            <a:r>
+              <a:t>In the instance space diagram, positive training examples are denoted by</a:t>
+            </a:r>
+            <a:br/>
+            <a:r>
+              <a:t>negative by "-," and instances that have not been presented as training examples are denoted by a</a:t>
+            </a:r>
+            <a:br/>
+            <a:r>
+              <a:t>solid circle.</a:t>
+            </a:r>
+          </a:p>
+          <a:p>
+            <a:r>
+              <a:t>is needed.</a:t>
+            </a:r>
+          </a:p>
+        </p:txBody>
+      </p:sp>
+    </p:spTree>
+  </p:cSld>
+  <p:clrMapOvr>
+    <a:masterClrMapping/>
+  </p:clrMapOvr>
+</p:sld>
+</file>
+
+<file path=ppt/slides/slide32.xml><?xml version="1.0" encoding="utf-8"?>
+<p:sld xmlns:a="http://schemas.openxmlformats.org/drawingml/2006/main" xmlns:p="http://schemas.openxmlformats.org/presentationml/2006/main" xmlns:r="http://schemas.openxmlformats.org/officeDocument/2006/relationships">
+  <p:cSld>
+    <p:spTree>
+      <p:nvGrpSpPr>
+        <p:cNvPr id="1" name=""/>
+        <p:cNvGrpSpPr/>
+        <p:nvPr/>
+      </p:nvGrpSpPr>
+      <p:grpSpPr/>
+      <p:sp>
+        <p:nvSpPr>
+          <p:cNvPr id="2" name="Title 1"/>
+          <p:cNvSpPr>
+            <a:spLocks noGrp="1"/>
+          </p:cNvSpPr>
+          <p:nvPr>
+            <p:ph type="title"/>
+          </p:nvPr>
+        </p:nvSpPr>
+        <p:spPr/>
+        <p:txBody>
+          <a:bodyPr/>
+          <a:lstStyle/>
+          <a:p/>
+        </p:txBody>
+      </p:sp>
+      <p:sp>
+        <p:nvSpPr>
+          <p:cNvPr id="3" name="TextBox 2"/>
+          <p:cNvSpPr txBox="1"/>
+          <p:nvPr/>
+        </p:nvSpPr>
+        <p:spPr>
+          <a:xfrm>
+            <a:off x="914400" y="914400"/>
+            <a:ext cx="7315200" cy="4572000"/>
+          </a:xfrm>
+          <a:prstGeom prst="rect">
+            <a:avLst/>
+          </a:prstGeom>
+          <a:noFill/>
+        </p:spPr>
+        <p:txBody>
+          <a:bodyPr wrap="none">
+            <a:spAutoFit/>
+          </a:bodyPr>
+          <a:lstStyle/>
+          <a:p/>
+          <a:p>
+            <a:r>
+              <a:t>Such inconsistent sets of training examples can severely</a:t>
+            </a:r>
+            <a:br/>
+            <a:r>
+              <a:t>mislead FIND-S,g iven the fact that it ignores negative examples.</a:t>
+            </a:r>
+          </a:p>
+          <a:p>
+            <a:r>
+              <a:t>The key property of the FIND-Sa lgorithm is that for hypothesis spaces de-</a:t>
+            </a:r>
+            <a:br/>
+            <a:r>
+              <a:t>scribed by conjunctions of attribute constraints (such as H for the EnjoySport</a:t>
+            </a:r>
+            <a:br/>
+            <a:r>
+              <a:t>task), FIND-S is guaranteed to output the most specific hypothesis within H</a:t>
+            </a:r>
+            <a:br/>
+            <a:r>
+              <a:t>that is consistent with the positive training examples.</a:t>
+            </a:r>
+          </a:p>
+          <a:p>
+            <a:r>
+              <a:t>Fur-</a:t>
+            </a:r>
+            <a:br/>
+            <a:r>
+              <a:t>thermore, we can define hypothesis spaces for which there is no maximally</a:t>
+            </a:r>
+            <a:br/>
+            <a:r>
+              <a:t>specific consistent hypothesis, although this is more of a theoretical issue</a:t>
+            </a:r>
+            <a:br/>
+            <a:r>
+              <a:t>than a practical one (see Exercise 2.7).</a:t>
+            </a:r>
+          </a:p>
+        </p:txBody>
+      </p:sp>
+    </p:spTree>
+  </p:cSld>
+  <p:clrMapOvr>
+    <a:masterClrMapping/>
+  </p:clrMapOvr>
+</p:sld>
+</file>
+
+<file path=ppt/slides/slide33.xml><?xml version="1.0" encoding="utf-8"?>
+<p:sld xmlns:a="http://schemas.openxmlformats.org/drawingml/2006/main" xmlns:p="http://schemas.openxmlformats.org/presentationml/2006/main" xmlns:r="http://schemas.openxmlformats.org/officeDocument/2006/relationships">
+  <p:cSld>
+    <p:spTree>
+      <p:nvGrpSpPr>
+        <p:cNvPr id="1" name=""/>
+        <p:cNvGrpSpPr/>
+        <p:nvPr/>
+      </p:nvGrpSpPr>
+      <p:grpSpPr/>
+      <p:sp>
+        <p:nvSpPr>
+          <p:cNvPr id="2" name="Title 1"/>
+          <p:cNvSpPr>
+            <a:spLocks noGrp="1"/>
+          </p:cNvSpPr>
+          <p:nvPr>
+            <p:ph type="title"/>
+          </p:nvPr>
+        </p:nvSpPr>
+        <p:spPr/>
+        <p:txBody>
+          <a:bodyPr/>
+          <a:lstStyle/>
+          <a:p/>
+        </p:txBody>
+      </p:sp>
+      <p:sp>
+        <p:nvSpPr>
+          <p:cNvPr id="3" name="TextBox 2"/>
+          <p:cNvSpPr txBox="1"/>
+          <p:nvPr/>
+        </p:nvSpPr>
+        <p:spPr>
+          <a:xfrm>
+            <a:off x="914400" y="914400"/>
+            <a:ext cx="7315200" cy="4572000"/>
+          </a:xfrm>
+          <a:prstGeom prst="rect">
+            <a:avLst/>
+          </a:prstGeom>
+          <a:noFill/>
+        </p:spPr>
+        <p:txBody>
+          <a:bodyPr wrap="none">
+            <a:spAutoFit/>
+          </a:bodyPr>
+          <a:lstStyle/>
+          <a:p/>
+          <a:p>
+            <a:r>
+              <a:t>2.5 VERSION SPACES AND THE CANDIDATE-ELIMINATION</a:t>
+            </a:r>
+            <a:br/>
+            <a:r>
+              <a:t>ALGORITHM</a:t>
+            </a:r>
+            <a:br/>
+            <a:r>
+              <a:t>This section describes a second approach to concept learning, the CANDIDATE-</a:t>
+            </a:r>
+            <a:br/>
+            <a:r>
+              <a:t>ELIMINATIOaNlg orithm, that addresses several of the limitations of FIND-S.N otice</a:t>
+            </a:r>
+            <a:br/>
+            <a:r>
+              <a:t>that although FIND-S outputs a hypothesis from H,that is consistent with the</a:t>
+            </a:r>
+            <a:br/>
+            <a:r>
+              <a:t>training examples, this is just one of many hypotheses from H that might fit the</a:t>
+            </a:r>
+            <a:br/>
+            <a:r>
+              <a:t>training data equally well.</a:t>
+            </a:r>
+          </a:p>
+          <a:p>
+            <a:r>
+              <a:t>The key idea in the CANDIDATE-ELIMINAaTlgIOorNit hm</a:t>
+            </a:r>
+            <a:br/>
+            <a:r>
+              <a:t>is to output a description of the set of all hypotheses consistent with the train-</a:t>
+            </a:r>
+            <a:br/>
+            <a:r>
+              <a:t>ing examples.</a:t>
+            </a:r>
+          </a:p>
+        </p:txBody>
+      </p:sp>
+    </p:spTree>
+  </p:cSld>
+  <p:clrMapOvr>
+    <a:masterClrMapping/>
+  </p:clrMapOvr>
+</p:sld>
+</file>
+
+<file path=ppt/slides/slide34.xml><?xml version="1.0" encoding="utf-8"?>
+<p:sld xmlns:a="http://schemas.openxmlformats.org/drawingml/2006/main" xmlns:p="http://schemas.openxmlformats.org/presentationml/2006/main" xmlns:r="http://schemas.openxmlformats.org/officeDocument/2006/relationships">
+  <p:cSld>
+    <p:spTree>
+      <p:nvGrpSpPr>
+        <p:cNvPr id="1" name=""/>
+        <p:cNvGrpSpPr/>
+        <p:nvPr/>
+      </p:nvGrpSpPr>
+      <p:grpSpPr/>
+      <p:sp>
+        <p:nvSpPr>
+          <p:cNvPr id="2" name="Title 1"/>
+          <p:cNvSpPr>
+            <a:spLocks noGrp="1"/>
+          </p:cNvSpPr>
+          <p:nvPr>
+            <p:ph type="title"/>
+          </p:nvPr>
+        </p:nvSpPr>
+        <p:spPr/>
+        <p:txBody>
+          <a:bodyPr/>
+          <a:lstStyle/>
+          <a:p/>
+        </p:txBody>
+      </p:sp>
+      <p:sp>
+        <p:nvSpPr>
+          <p:cNvPr id="3" name="TextBox 2"/>
+          <p:cNvSpPr txBox="1"/>
+          <p:nvPr/>
+        </p:nvSpPr>
+        <p:spPr>
+          <a:xfrm>
+            <a:off x="914400" y="914400"/>
+            <a:ext cx="7315200" cy="4572000"/>
+          </a:xfrm>
+          <a:prstGeom prst="rect">
+            <a:avLst/>
+          </a:prstGeom>
+          <a:noFill/>
+        </p:spPr>
+        <p:txBody>
+          <a:bodyPr wrap="none">
+            <a:spAutoFit/>
+          </a:bodyPr>
+          <a:lstStyle/>
+          <a:p/>
+          <a:p>
+            <a:r>
+              <a:t>The version space, denoted VSHVDw,i th respect to hypothesis space H</a:t>
+            </a:r>
+            <a:br/>
+            <a:r>
+              <a:t>and training examples D, is the subset of hypotheses from H consistent with the</a:t>
+            </a:r>
+            <a:br/>
+            <a:r>
+              <a:t>training examples in D.</a:t>
+            </a:r>
+            <a:br/>
+            <a:r>
+              <a:t>VSH ,=~ { h E HIConsistent(h, D)]</a:t>
+            </a:r>
+            <a:br/>
+          </a:p>
+          <a:p>
+            <a:r>
+              <a:t>If insufficient data is available to narrow the version space to a single</a:t>
+            </a:r>
+            <a:br/>
+            <a:r>
+              <a:t>hypothesis, then the algorithm can output the entire set of hypotheses consistent</a:t>
+            </a:r>
+            <a:br/>
+            <a:r>
+              <a:t>with the observed data.</a:t>
+            </a:r>
+            <a:br/>
+          </a:p>
+          <a:p>
+            <a:r>
+              <a:t>Output the list of hypotheses in VersionSpace</a:t>
+            </a:r>
+            <a:br/>
+            <a:r>
+              <a:t>TABLE 2.4</a:t>
+            </a:r>
+            <a:br/>
+            <a:r>
+              <a:t>The LIST-THEN-ELIMINaAlgTorEit hm.</a:t>
+            </a:r>
+          </a:p>
+        </p:txBody>
+      </p:sp>
+    </p:spTree>
+  </p:cSld>
+  <p:clrMapOvr>
+    <a:masterClrMapping/>
+  </p:clrMapOvr>
+</p:sld>
+</file>
+
+<file path=ppt/slides/slide35.xml><?xml version="1.0" encoding="utf-8"?>
+<p:sld xmlns:a="http://schemas.openxmlformats.org/drawingml/2006/main" xmlns:p="http://schemas.openxmlformats.org/presentationml/2006/main" xmlns:r="http://schemas.openxmlformats.org/officeDocument/2006/relationships">
+  <p:cSld>
+    <p:spTree>
+      <p:nvGrpSpPr>
+        <p:cNvPr id="1" name=""/>
+        <p:cNvGrpSpPr/>
+        <p:nvPr/>
+      </p:nvGrpSpPr>
+      <p:grpSpPr/>
+      <p:sp>
+        <p:nvSpPr>
+          <p:cNvPr id="2" name="Title 1"/>
+          <p:cNvSpPr>
+            <a:spLocks noGrp="1"/>
+          </p:cNvSpPr>
+          <p:nvPr>
+            <p:ph type="title"/>
+          </p:nvPr>
+        </p:nvSpPr>
+        <p:spPr/>
+        <p:txBody>
+          <a:bodyPr/>
+          <a:lstStyle/>
+          <a:p/>
+        </p:txBody>
+      </p:sp>
+      <p:sp>
+        <p:nvSpPr>
+          <p:cNvPr id="3" name="TextBox 2"/>
+          <p:cNvSpPr txBox="1"/>
+          <p:nvPr/>
+        </p:nvSpPr>
+        <p:spPr>
+          <a:xfrm>
+            <a:off x="914400" y="914400"/>
+            <a:ext cx="7315200" cy="4572000"/>
+          </a:xfrm>
+          <a:prstGeom prst="rect">
+            <a:avLst/>
+          </a:prstGeom>
+          <a:noFill/>
+        </p:spPr>
+        <p:txBody>
+          <a:bodyPr wrap="none">
+            <a:spAutoFit/>
+          </a:bodyPr>
+          <a:lstStyle/>
+          <a:p/>
+          <a:p>
+            <a:r>
+              <a:t>{&lt;Sunny, Warm, ?, Strong, 7, ?&gt;</a:t>
             </a:r>
           </a:p>
           <a:p>
             <a:r>
               <a:t>1</a:t>
             </a:r>
-          </a:p>
-          <a:p>
-            <a:r>
-              <a:t>Marigold Marigold13</a:t>
-            </a:r>
-          </a:p>
-          <a:p>
-            <a:r>
-              <a:t>1. What were the preparations in the palace for?</a:t>
-            </a:r>
-          </a:p>
-          <a:p>
-            <a:r>
-              <a:t>2. Why did the Maharaja</a:t>
-            </a:r>
-          </a:p>
-          <a:p>
-            <a:r>
-              <a:t>go into the kitchen in the afternoon?</a:t>
-            </a:r>
-          </a:p>
-          <a:p>
-            <a:r>
-              <a:t>3. What had the cook planned to do with the vegetable</a:t>
-            </a:r>
-          </a:p>
-          <a:p>
-            <a:r>
-              <a:t>scraps?</a:t>
-            </a:r>
-          </a:p>
-          <a:p>
-            <a:r>
-              <a:t>4. Ingredients are the things that are used to make a dish.</a:t>
-            </a:r>
-          </a:p>
-          <a:p>
-            <a:r>
-              <a:t>Circle the ingredients of in the box below.</a:t>
-            </a:r>
-          </a:p>
-          <a:p>
-            <a:r>
-              <a:t>chillies groundnut wood vegetable scraps</a:t>
-            </a:r>
-          </a:p>
-          <a:p>
-            <a:r>
-              <a:t>coconut roasted peanuts curd pot</a:t>
-            </a:r>
-          </a:p>
-          <a:p>
-            <a:r>
-              <a:t>garlic broken bangles basket curry leaves</a:t>
-            </a:r>
-          </a:p>
-          <a:p>
-            <a:r>
-              <a:t>5. State whether the following are or</a:t>
-            </a:r>
-          </a:p>
-          <a:p>
-            <a:r>
-              <a:t>(i) The king had ordered a dinner in the palace.</a:t>
-            </a:r>
-          </a:p>
-          <a:p>
-            <a:r>
-              <a:t>__________</a:t>
-            </a:r>
-          </a:p>
-          <a:p>
-            <a:r>
-              <a:t>(ii) No one had heard of or tasted before.</a:t>
-            </a:r>
-          </a:p>
-          <a:p>
-            <a:r>
-              <a:t>____________</a:t>
-            </a:r>
-          </a:p>
-          <a:p>
-            <a:r>
-              <a:t>(iii) The cook had planned to make another dish using</a:t>
-            </a:r>
-          </a:p>
-          <a:p>
-            <a:r>
-              <a:t>the vegetable scraps.____________avial</a:t>
-            </a:r>
-          </a:p>
-          <a:p>
-            <a:r>
-              <a:t>avialTrue False.</a:t>
-            </a:r>
-          </a:p>
-          <a:p>
-            <a:r>
-              <a:t>New Phrases</a:t>
-            </a:r>
-          </a:p>
-          <a:p>
-            <a:r>
-              <a:t>in a fix : a situation hard to</a:t>
-            </a:r>
-          </a:p>
-          <a:p>
-            <a:r>
-              <a:t>escape from</a:t>
-            </a:r>
-          </a:p>
-          <a:p>
-            <a:r>
-              <a:t>flash across the mind : suddenly think of</a:t>
-            </a:r>
-          </a:p>
-          <a:p>
-            <a:r>
-              <a:t>lo and behold : look! what a surprise</a:t>
-            </a:r>
-          </a:p>
-          <a:p>
-            <a:r>
-              <a:t>traditional feast : hearty meal for many</a:t>
-            </a:r>
-          </a:p>
-          <a:p>
-            <a:r>
-              <a:t>guests served on a</a:t>
-            </a:r>
-          </a:p>
-          <a:p>
-            <a:r>
-              <a:t>special occasion</a:t>
-            </a:r>
-          </a:p>
-          <a:p>
-            <a:r>
-              <a:t>12Reading is Fun</a:t>
-            </a:r>
-          </a:p>
-          <a:p>
-            <a:r>
-              <a:t>Rationalised 2023-24</a:t>
-            </a:r>
-          </a:p>
-          <a:p>
-            <a:r>
-              <a:t>Marigold Marigold</a:t>
-            </a:r>
-          </a:p>
-          <a:p>
-            <a:r>
-              <a:t>New Phrases</a:t>
-            </a:r>
-          </a:p>
-          <a:p>
-            <a:r>
-              <a:t>12Reading is Fun1. A recipe is a list of directions to prepare a dish. The</a:t>
-            </a:r>
-          </a:p>
-          <a:p>
-            <a:r>
-              <a:t>following sentences are not</a:t>
-            </a:r>
-          </a:p>
-          <a:p>
-            <a:r>
-              <a:t>in order for preparing</a:t>
-            </a:r>
-          </a:p>
-          <a:p>
-            <a:r>
-              <a:t>. Number them in the correct order.</a:t>
-            </a:r>
-          </a:p>
-          <a:p>
-            <a:r>
-              <a:t>Grind some coconut, green chillies and garlic.</a:t>
-            </a:r>
-          </a:p>
-          <a:p>
-            <a:r>
-              <a:t>Cut the vegetable scraps into long strips.</a:t>
-            </a:r>
-          </a:p>
-          <a:p>
-            <a:r>
-              <a:t>Wash and clean the mix of vegetable bits.</a:t>
-            </a:r>
-          </a:p>
-          <a:p>
-            <a:r>
-              <a:t>Decorate with curry leaves.</a:t>
-            </a:r>
-          </a:p>
-          <a:p>
-            <a:r>
-              <a:t>Whip some curd and mix it in.</a:t>
-            </a:r>
-          </a:p>
-          <a:p>
-            <a:r>
-              <a:t>Pour some coconut oil on top.</a:t>
-            </a:r>
-          </a:p>
-          <a:p>
-            <a:r>
-              <a:t>is ready.</a:t>
-            </a:r>
-          </a:p>
-          <a:p>
-            <a:r>
-              <a:t>2. Given in the box are some things that children do after</a:t>
-            </a:r>
-          </a:p>
-          <a:p>
-            <a:r>
-              <a:t>they reach home from school.</a:t>
-            </a:r>
-          </a:p>
-          <a:p>
-            <a:r>
-              <a:t>Choose five things that you do when you reach home</a:t>
-            </a:r>
-          </a:p>
-          <a:p>
-            <a:r>
-              <a:t>from school. Write them in order.</a:t>
-            </a:r>
-          </a:p>
-          <a:p>
-            <a:r>
-              <a:t>pack school bag put away school bag have lunch</a:t>
-            </a:r>
-          </a:p>
-          <a:p>
-            <a:r>
-              <a:t>read a story book chat with mummy about school</a:t>
-            </a:r>
-          </a:p>
-          <a:p>
-            <a:r>
-              <a:t>sleep for a while wash up</a:t>
-            </a:r>
-          </a:p>
-          <a:p>
-            <a:r>
-              <a:t>do the home work watch TV</a:t>
-            </a:r>
-          </a:p>
-          <a:p>
-            <a:r>
-              <a:t>go to play change out of school uniform</a:t>
-            </a:r>
-          </a:p>
-          <a:p>
-            <a:r>
-              <a:t>First, I_______________________________________________.</a:t>
-            </a:r>
-          </a:p>
-          <a:p>
-            <a:r>
-              <a:t>Then, I_______________________________________________.</a:t>
-            </a:r>
-          </a:p>
-          <a:p>
-            <a:r>
-              <a:t>Next, I_______________________________________________.</a:t>
-            </a:r>
-          </a:p>
-          <a:p>
-            <a:r>
-              <a:t>After that, I__________________________________________.</a:t>
-            </a:r>
-          </a:p>
-          <a:p>
-            <a:r>
-              <a:t>Finally, I_____________________________________________.avial</a:t>
-            </a:r>
-          </a:p>
-          <a:p>
-            <a:r>
-              <a:t>Avial1</a:t>
-            </a:r>
-          </a:p>
-          <a:p>
-            <a:r>
-              <a:t>13</a:t>
-            </a:r>
-          </a:p>
-          <a:p>
-            <a:r>
-              <a:t>Rationalised 2023-24</a:t>
-            </a:r>
-          </a:p>
-          <a:p>
-            <a:r>
-              <a:t>Let's Talk</a:t>
-            </a:r>
-          </a:p>
-          <a:p>
-            <a:r>
-              <a:t>The Maharaja was a wise man and ordered the</a:t>
-            </a:r>
-          </a:p>
-          <a:p>
-            <a:r>
-              <a:t>cook to use the</a:t>
-            </a:r>
-          </a:p>
-          <a:p>
-            <a:r>
-              <a:t>vegetable scraps instead of</a:t>
-            </a:r>
-          </a:p>
-          <a:p>
-            <a:r>
-              <a:t>throwing them away.</a:t>
-            </a:r>
-          </a:p>
-          <a:p>
-            <a:r>
-              <a:t>Put up your findings on the class board.</a:t>
-            </a:r>
-          </a:p>
-          <a:p>
-            <a:r>
-              <a:t>1. Some words have more than one meaning.</a:t>
-            </a:r>
-          </a:p>
-          <a:p>
-            <a:r>
-              <a:t>For example, —</a:t>
-            </a:r>
-          </a:p>
-          <a:p>
-            <a:r>
-              <a:t>Meanings: a dot in print or writing, full stop,</a:t>
-            </a:r>
-          </a:p>
-          <a:p>
-            <a:r>
-              <a:t>decimal, the number you score in</a:t>
-            </a:r>
-          </a:p>
-          <a:p>
-            <a:r>
-              <a:t>a game</a:t>
-            </a:r>
-          </a:p>
-          <a:p>
-            <a:r>
-              <a:t>to show or call attention to something</a:t>
-            </a:r>
-          </a:p>
-          <a:p>
-            <a:r>
-              <a:t>Look up the following words in the dictionary. They may</a:t>
-            </a:r>
-          </a:p>
-          <a:p>
-            <a:r>
-              <a:t>have more than one meaning. List these meanings.</a:t>
-            </a:r>
-          </a:p>
-          <a:p>
-            <a:r>
-              <a:t>ground</a:t>
-            </a:r>
-          </a:p>
-          <a:p>
-            <a:r>
-              <a:t>urvey</a:t>
-            </a:r>
-          </a:p>
-          <a:p>
-            <a:r>
-              <a:t>scrap</a:t>
-            </a:r>
-          </a:p>
-          <a:p>
-            <a:r>
-              <a:t>sternly</a:t>
-            </a:r>
-          </a:p>
-          <a:p>
-            <a:r>
-              <a:t>temptingName some of the things which are thrown away at home or</a:t>
-            </a:r>
-          </a:p>
-          <a:p>
-            <a:r>
-              <a:t>in school.</a:t>
-            </a:r>
-          </a:p>
-          <a:p>
-            <a:r>
-              <a:t>Sit in groups of four and think of interesting ways in</a:t>
-            </a:r>
-          </a:p>
-          <a:p>
-            <a:r>
-              <a:t>which they can be made useful.</a:t>
-            </a:r>
-          </a:p>
-          <a:p>
-            <a:r>
-              <a:t>______________________________________________</a:t>
-            </a:r>
-          </a:p>
-          <a:p>
-            <a:r>
-              <a:t>s ______________________________________________</a:t>
-            </a:r>
-          </a:p>
-          <a:p>
-            <a:r>
-              <a:t>______________________________________________</a:t>
-            </a:r>
-          </a:p>
-          <a:p>
-            <a:r>
-              <a:t>______________________________________________</a:t>
-            </a:r>
-          </a:p>
-          <a:p>
-            <a:r>
-              <a:t>______________________________________________Pair work/c52</a:t>
-            </a:r>
-          </a:p>
-          <a:p>
-            <a:r>
-              <a:t>/c52</a:t>
-            </a:r>
-          </a:p>
-          <a:p>
-            <a:r>
-              <a:t>/c52</a:t>
-            </a:r>
-          </a:p>
-          <a:p>
-            <a:r>
-              <a:t>point</a:t>
-            </a:r>
-          </a:p>
-          <a:p>
-            <a:r>
-              <a:t>noun</a:t>
-            </a:r>
-          </a:p>
-          <a:p>
-            <a:r>
-              <a:t>verb</a:t>
-            </a:r>
-          </a:p>
-          <a:p>
-            <a:r>
-              <a:t>Word Building</a:t>
-            </a:r>
-          </a:p>
-          <a:p>
-            <a:r>
-              <a:t>Find Out</a:t>
-            </a:r>
-          </a:p>
-          <a:p>
-            <a:r>
-              <a:t>/c52</a:t>
-            </a:r>
-          </a:p>
-          <a:p>
-            <a:r>
-              <a:t>/c52</a:t>
-            </a:r>
-          </a:p>
-          <a:p>
-            <a:r>
-              <a:t>/c52</a:t>
-            </a:r>
-          </a:p>
-          <a:p>
-            <a:r>
-              <a:t>/c52</a:t>
-            </a:r>
-          </a:p>
-          <a:p>
-            <a:r>
-              <a:t>Marigold Marigold14 15</a:t>
-            </a:r>
-          </a:p>
-          <a:p>
-            <a:r>
-              <a:t>Rationalised 2023-24</a:t>
-            </a:r>
-          </a:p>
-          <a:p>
-            <a:r>
-              <a:t>Let's Talk</a:t>
-            </a:r>
-          </a:p>
-          <a:p>
-            <a:r>
-              <a:t>/c52</a:t>
-            </a:r>
-          </a:p>
-          <a:p>
-            <a:r>
-              <a:t>/c52</a:t>
-            </a:r>
-          </a:p>
-          <a:p>
-            <a:r>
-              <a:t>/c52</a:t>
-            </a:r>
-          </a:p>
-          <a:p>
-            <a:r>
-              <a:t>Word Building2. Make new words by adding/dropping a few letters from the</a:t>
-            </a:r>
-          </a:p>
-          <a:p>
-            <a:r>
-              <a:t>root wor d.</a:t>
-            </a:r>
-          </a:p>
-          <a:p>
-            <a:r>
-              <a:t>Some are done for you.</a:t>
-            </a:r>
-          </a:p>
-          <a:p>
-            <a:r>
-              <a:t>pound × ×</a:t>
-            </a:r>
-          </a:p>
-          <a:p>
-            <a:r>
-              <a:t>try tried × ×</a:t>
-            </a:r>
-          </a:p>
-          <a:p>
-            <a:r>
-              <a:t>large × ×</a:t>
-            </a:r>
-          </a:p>
-          <a:p>
-            <a:r>
-              <a:t>new × ×</a:t>
-            </a:r>
-          </a:p>
-          <a:p>
-            <a:r>
-              <a:t>tasty tasted tasting tastier</a:t>
-            </a:r>
-          </a:p>
-          <a:p>
-            <a:r>
-              <a:t>wise × ×</a:t>
-            </a:r>
-          </a:p>
-          <a:p>
-            <a:r>
-              <a:t>stare × ×</a:t>
-            </a:r>
-          </a:p>
-          <a:p>
-            <a:r>
-              <a:t>clean</a:t>
-            </a:r>
-          </a:p>
-          <a:p>
-            <a:r>
-              <a:t>Do any of these words use all of four endings ______</a:t>
-            </a:r>
-          </a:p>
-          <a:p>
-            <a:r>
-              <a:t>1. Name food that is made in your home</a:t>
-            </a:r>
-          </a:p>
-          <a:p>
-            <a:r>
-              <a:t>(i) for a feast/ festival.</a:t>
-            </a:r>
-          </a:p>
-          <a:p>
-            <a:r>
-              <a:t>(ii) when you are unwell.</a:t>
-            </a:r>
-          </a:p>
-          <a:p>
-            <a:r>
-              <a:t>(iii) everyday.</a:t>
-            </a:r>
-          </a:p>
-          <a:p>
-            <a:r>
-              <a:t>Share the information with your friends.</a:t>
-            </a:r>
-          </a:p>
-          <a:p>
-            <a:r>
-              <a:t>2. is a dish made in Kerala.</a:t>
-            </a:r>
-          </a:p>
-          <a:p>
-            <a:r>
-              <a:t>Do you have a similar dish in your state made from a mix of</a:t>
-            </a:r>
-          </a:p>
-          <a:p>
-            <a:r>
-              <a:t>many vegetables?</a:t>
-            </a:r>
-          </a:p>
-          <a:p>
-            <a:r>
-              <a:t>What is it called? _______________</a:t>
-            </a:r>
-          </a:p>
-          <a:p>
-            <a:r>
-              <a:t>Note down the ingredients used to make it.</a:t>
-            </a:r>
-          </a:p>
-          <a:p>
-            <a:r>
-              <a:t>Write the recipe.</a:t>
-            </a:r>
-          </a:p>
-          <a:p>
-            <a:r>
-              <a:t>Present attractively and display on the class board. You can</a:t>
-            </a:r>
-          </a:p>
-          <a:p>
-            <a:r>
-              <a:t>draw and stick pictures too.? ______</a:t>
-            </a:r>
-          </a:p>
-          <a:p>
-            <a:r>
-              <a:t>downAvial-ed -ing -er -est</a:t>
-            </a:r>
-          </a:p>
-          <a:p>
-            <a:r>
-              <a:t>Find Out</a:t>
-            </a:r>
-          </a:p>
-          <a:p>
-            <a:r>
-              <a:t>/c52</a:t>
-            </a:r>
-          </a:p>
-          <a:p>
-            <a:r>
-              <a:t>/c52</a:t>
-            </a:r>
-          </a:p>
-          <a:p>
-            <a:r>
-              <a:t>/c52</a:t>
-            </a:r>
-          </a:p>
-          <a:p>
-            <a:r>
-              <a:t>/c52</a:t>
-            </a:r>
-          </a:p>
-          <a:p>
-            <a:r>
-              <a:t>Marigold Marigold14 15</a:t>
-            </a:r>
-          </a:p>
-          <a:p>
-            <a:r>
-              <a:t>Rationalised 2023-24</a:t>
-            </a:r>
-          </a:p>
-          <a:p>
-            <a:r>
-              <a:t>1. One day the mother-in-law of</a:t>
-            </a:r>
-          </a:p>
-          <a:p>
-            <a:r>
-              <a:t>a Santhal bridegr oom</a:t>
-            </a:r>
-          </a:p>
-          <a:p>
-            <a:r>
-              <a:t>cooked</a:t>
-            </a:r>
-          </a:p>
-          <a:p>
-            <a:r>
-              <a:t>a special dish for him when</a:t>
-            </a:r>
-          </a:p>
-          <a:p>
-            <a:r>
-              <a:t>he visited her.</a:t>
-            </a:r>
-          </a:p>
-          <a:p>
-            <a:r>
-              <a:t>2. “This curry is delicious. What</a:t>
-            </a:r>
-          </a:p>
-          <a:p>
-            <a:r>
-              <a:t>is it?” The mother-in-law</a:t>
-            </a:r>
-          </a:p>
-          <a:p>
-            <a:r>
-              <a:t>pointed at the bamboo door.</a:t>
-            </a:r>
-          </a:p>
-          <a:p>
-            <a:r>
-              <a:t>3. Next morning, just as he</a:t>
-            </a:r>
-          </a:p>
-          <a:p>
-            <a:r>
-              <a:t>was about to leave, he</a:t>
-            </a:r>
-          </a:p>
-          <a:p>
-            <a:r>
-              <a:t>remembered that there was</a:t>
-            </a:r>
-          </a:p>
-          <a:p>
-            <a:r>
-              <a:t>no bamboo in his village.</a:t>
-            </a:r>
-          </a:p>
-          <a:p>
-            <a:r>
-              <a:t>4. So he removed the bamboo</a:t>
-            </a:r>
-          </a:p>
-          <a:p>
-            <a:r>
-              <a:t>door and carrying it with him</a:t>
-            </a:r>
-          </a:p>
-          <a:p>
-            <a:r>
-              <a:t>left for his home.</a:t>
-            </a:r>
-          </a:p>
-          <a:p>
-            <a:r>
-              <a:t>5. On reaching his village, he</a:t>
-            </a:r>
-          </a:p>
-          <a:p>
-            <a:r>
-              <a:t>told his wife, “Make curry</a:t>
-            </a:r>
-          </a:p>
-          <a:p>
-            <a:r>
-              <a:t>with this bamboo door.”</a:t>
-            </a:r>
-          </a:p>
-          <a:p>
-            <a:r>
-              <a:t>Have you ever eaten a dish made of bamboo?</a:t>
-            </a:r>
-          </a:p>
-          <a:p>
-            <a:r>
-              <a:t>Let's read this picture</a:t>
-            </a:r>
-          </a:p>
-          <a:p>
-            <a:r>
-              <a:t>story and find out which part</a:t>
-            </a:r>
-          </a:p>
-          <a:p>
-            <a:r>
-              <a:t>of bamboo can be cooked and eaten.Bamboo□Curry</a:t>
-            </a:r>
-          </a:p>
-          <a:p>
-            <a:r>
-              <a:t>Marigold Marigold16 17</a:t>
-            </a:r>
-          </a:p>
-          <a:p>
-            <a:r>
-              <a:t>Rationalised 2023-24</a:t>
-            </a:r>
-          </a:p>
-          <a:p>
-            <a:r>
-              <a:t>Have you ever eaten a dish made of bamboo?</a:t>
-            </a:r>
-          </a:p>
-          <a:p>
-            <a:r>
-              <a:t>Let's read this picture</a:t>
-            </a:r>
-          </a:p>
-          <a:p>
-            <a:r>
-              <a:t>story and find out which part</a:t>
-            </a:r>
-          </a:p>
-          <a:p>
-            <a:r>
-              <a:t>of bamboo can be cooked and eaten.Bamboo□Curry</a:t>
-            </a:r>
-          </a:p>
-          <a:p>
-            <a:r>
-              <a:t>6. She was shocked. “How can I</a:t>
-            </a:r>
-          </a:p>
-          <a:p>
-            <a:r>
-              <a:t>make curry out of</a:t>
-            </a:r>
-          </a:p>
-          <a:p>
-            <a:r>
-              <a:t>a bamboo</a:t>
-            </a:r>
-          </a:p>
-          <a:p>
-            <a:r>
-              <a:t>door?”</a:t>
-            </a:r>
-          </a:p>
-          <a:p>
-            <a:r>
-              <a:t>7. “Come, I'll help you by</a:t>
-            </a:r>
-          </a:p>
-          <a:p>
-            <a:r>
-              <a:t>chopping up the bamboo,” he</a:t>
-            </a:r>
-          </a:p>
-          <a:p>
-            <a:r>
-              <a:t>said.</a:t>
-            </a:r>
-          </a:p>
-          <a:p>
-            <a:r>
-              <a:t>8. His wife boiled it and boiled it.</a:t>
-            </a:r>
-          </a:p>
-          <a:p>
-            <a:r>
-              <a:t>Later when her husband</a:t>
-            </a:r>
-          </a:p>
-          <a:p>
-            <a:r>
-              <a:t>tasted it he said, “It’s too hard</a:t>
-            </a:r>
-          </a:p>
-          <a:p>
-            <a:r>
-              <a:t>to eat. You don’t know how</a:t>
-            </a:r>
-          </a:p>
-          <a:p>
-            <a:r>
-              <a:t>to cook.”</a:t>
-            </a:r>
-          </a:p>
-          <a:p>
-            <a:r>
-              <a:t>9. His wife added more water and</a:t>
-            </a:r>
-          </a:p>
-          <a:p>
-            <a:r>
-              <a:t>boiled it and boiled it.</a:t>
-            </a:r>
-          </a:p>
-          <a:p>
-            <a:r>
-              <a:t>“It’s still too hard. I can’t eat it.”</a:t>
-            </a:r>
-          </a:p>
-          <a:p>
-            <a:r>
-              <a:t>10. The in-laws came to visit the</a:t>
-            </a:r>
-          </a:p>
-          <a:p>
-            <a:r>
-              <a:t>young couple that evening.</a:t>
-            </a:r>
-          </a:p>
-          <a:p>
-            <a:r>
-              <a:t>They</a:t>
-            </a:r>
-          </a:p>
-          <a:p>
-            <a:r>
-              <a:t>all laughed at his</a:t>
-            </a:r>
-          </a:p>
-          <a:p>
-            <a:r>
-              <a:t>foolishness. The mother-in-</a:t>
-            </a:r>
-          </a:p>
-          <a:p>
-            <a:r>
-              <a:t>law said, “ Didn’t you know</a:t>
-            </a:r>
-          </a:p>
-          <a:p>
-            <a:r>
-              <a:t>the curry was made from</a:t>
-            </a:r>
-          </a:p>
-          <a:p>
-            <a:r>
-              <a:t>and not from</a:t>
-            </a:r>
-          </a:p>
-          <a:p>
-            <a:r>
-              <a:t>a ?</a:t>
-            </a:r>
-          </a:p>
-          <a:p>
-            <a:r>
-              <a:t>(A Santhal folk tale)bamboo shoot</a:t>
-            </a:r>
-          </a:p>
-          <a:p>
-            <a:r>
-              <a:t>bamboo door</a:t>
-            </a:r>
-          </a:p>
-          <a:p>
-            <a:r>
-              <a:t>Did you know this?</a:t>
-            </a:r>
-          </a:p>
-          <a:p>
-            <a:r>
-              <a:t>Marigold Marigold16 17</a:t>
-            </a:r>
-          </a:p>
-          <a:p>
-            <a:r>
-              <a:t>Rationalised 2023-24</a:t>
-            </a:r>
-          </a:p>
-          <a:p>
-            <a:r>
-              <a:t>1. Complete the sentences meaningfully.</a:t>
-            </a:r>
-          </a:p>
-          <a:p>
-            <a:r>
-              <a:t>(i) The bridegr oom</a:t>
-            </a:r>
-          </a:p>
-          <a:p>
-            <a:r>
-              <a:t>left with the door of his in-laws' house</a:t>
-            </a:r>
-          </a:p>
-          <a:p>
-            <a:r>
-              <a:t>because it was made of ______________ and there was</a:t>
-            </a:r>
-          </a:p>
-          <a:p>
-            <a:r>
-              <a:t>no bamboo in his ______________.</a:t>
-            </a:r>
-          </a:p>
-          <a:p>
-            <a:r>
-              <a:t>(ii) The bridegroom was unable to have bamboo</a:t>
-            </a:r>
-          </a:p>
-          <a:p>
-            <a:r>
-              <a:t>curry in the end because ______________</a:t>
-            </a:r>
-          </a:p>
-          <a:p>
-            <a:r>
-              <a:t>2. Word hunt</a:t>
-            </a:r>
-          </a:p>
-          <a:p>
-            <a:r>
-              <a:t>Fill in the blanks with words from the story.</a:t>
-            </a:r>
-          </a:p>
-          <a:p>
-            <a:r>
-              <a:t>(i) The bridegroom went to visit his ______________ .</a:t>
-            </a:r>
-          </a:p>
-          <a:p>
-            <a:r>
-              <a:t>(ii) The mother-in-law pointed _________ _________the</a:t>
-            </a:r>
-          </a:p>
-          <a:p>
-            <a:r>
-              <a:t>bamboo door.</a:t>
-            </a:r>
-          </a:p>
-          <a:p>
-            <a:r>
-              <a:t>(iii) He stayed the night ____________ his in-laws.</a:t>
-            </a:r>
-          </a:p>
-          <a:p>
-            <a:r>
-              <a:t>(iv) He carried the __________ __________back with him.</a:t>
-            </a:r>
-          </a:p>
-          <a:p>
-            <a:r>
-              <a:t>(v) The curry was made _________ bamboo shoots.</a:t>
-            </a:r>
-          </a:p>
-          <a:p>
-            <a:r>
-              <a:t>im-pa-tient ( im-pay-shnt)</a:t>
-            </a:r>
-          </a:p>
-          <a:p>
-            <a:r>
-              <a:t>de-li-cious (di-li-shius)</a:t>
-            </a:r>
-          </a:p>
-          <a:p>
-            <a:r>
-              <a:t>bo-iled</a:t>
-            </a:r>
-          </a:p>
-          <a:p>
-            <a:r>
-              <a:t>cho-pped</a:t>
-            </a:r>
-          </a:p>
-          <a:p>
-            <a:r>
-              <a:t>bam-boo</a:t>
-            </a:r>
-          </a:p>
-          <a:p>
-            <a:r>
-              <a:t>be-ganSay Aloud</a:t>
-            </a:r>
-          </a:p>
-          <a:p>
-            <a:r>
-              <a:t>Let's Write</a:t>
-            </a:r>
-          </a:p>
-          <a:p>
-            <a:r>
-              <a:t>Teacher's□Page</a:t>
-            </a:r>
-          </a:p>
-          <a:p>
-            <a:r>
-              <a:t>Marigold Marigold18 19</a:t>
-            </a:r>
-          </a:p>
-          <a:p>
-            <a:r>
-              <a:t>Rationalised 2023-24</a:t>
-            </a:r>
-          </a:p>
-          <a:p>
-            <a:r>
-              <a:t>Say Aloud</a:t>
-            </a:r>
-          </a:p>
-          <a:p>
-            <a:r>
-              <a:t>Let's Write</a:t>
-            </a:r>
-          </a:p>
-          <a:p>
-            <a:r>
-              <a:t>:</a:t>
-            </a:r>
-          </a:p>
-          <a:p>
-            <a:r>
-              <a:t>:</a:t>
-            </a:r>
-          </a:p>
-          <a:p>
-            <a:r>
-              <a:t>:</a:t>
-            </a:r>
-          </a:p>
-          <a:p>
-            <a:r>
-              <a:t>Recycling waste</a:t>
-            </a:r>
-          </a:p>
-          <a:p>
-            <a:r>
-              <a:t>Folk tales</a:t>
-            </a:r>
-          </a:p>
-          <a:p>
-            <a:r>
-              <a:t>Multi-cultural appr</a:t>
-            </a:r>
-          </a:p>
-          <a:p>
-            <a:r>
-              <a:t>oach to food</a:t>
-            </a:r>
-          </a:p>
-          <a:p>
-            <a:r>
-              <a:t>To avoid wastage of food</a:t>
-            </a:r>
-          </a:p>
-          <a:p>
-            <a:r>
-              <a:t>In every country of the world, there are stories which have been handed down from</a:t>
-            </a:r>
-          </a:p>
-          <a:p>
-            <a:r>
-              <a:t>grandparents to grandchildren or which have been sung by mothers to their babies.</a:t>
-            </a:r>
-          </a:p>
-          <a:p>
-            <a:r>
-              <a:t>These stories are called and tell us about the customs and culture of the place</a:t>
-            </a:r>
-          </a:p>
-          <a:p>
-            <a:r>
-              <a:t>they are set in.</a:t>
-            </a:r>
-          </a:p>
-          <a:p>
-            <a:r>
-              <a:t>A Kerala folk tale and a Santhal folk tale have been retold in this unit. The teacher</a:t>
-            </a:r>
-          </a:p>
-          <a:p>
-            <a:r>
-              <a:t>should encourage children to read folk tales from different parts of the country. The</a:t>
-            </a:r>
-          </a:p>
-          <a:p>
-            <a:r>
-              <a:t>mother tongue can be given its due place by being used for discussion and</a:t>
-            </a:r>
-          </a:p>
-          <a:p>
-            <a:r>
-              <a:t>understanding, along with teaching of English.</a:t>
-            </a:r>
-          </a:p>
-          <a:p>
-            <a:r>
-              <a:t>The and activities should be done through imitation — the teacher</a:t>
-            </a:r>
-          </a:p>
-          <a:p>
-            <a:r>
-              <a:t>first and then the children. Poems could be recited in groups. They may also be</a:t>
-            </a:r>
-          </a:p>
-          <a:p>
-            <a:r>
-              <a:t>presented through dramatisation, actions etc. in the school assembly. The children</a:t>
-            </a:r>
-          </a:p>
-          <a:p>
-            <a:r>
-              <a:t>can make big cutouts of ice creams and vegetables or dress up as particular</a:t>
-            </a:r>
-          </a:p>
-          <a:p>
-            <a:r>
-              <a:t>vegetables or ice-cream and recite the poem. You could think of a suitable rhythm for</a:t>
-            </a:r>
-          </a:p>
-          <a:p>
-            <a:r>
-              <a:t>the poem.</a:t>
-            </a:r>
-          </a:p>
-          <a:p>
-            <a:r>
-              <a:t>The section can begin with a discussion started by the teacher, in this case</a:t>
-            </a:r>
-          </a:p>
-          <a:p>
-            <a:r>
-              <a:t>on environment and recycling of waste. This can be done with the help of a practical</a:t>
-            </a:r>
-          </a:p>
-          <a:p>
-            <a:r>
-              <a:t>example of children making paper bags from old newspaper. These bags could</a:t>
-            </a:r>
-          </a:p>
-          <a:p>
-            <a:r>
-              <a:t>be given to the neighbourhood provision store to be used instead of plastic bags.</a:t>
-            </a:r>
-          </a:p>
-          <a:p>
-            <a:r>
-              <a:t>Remember, paper bags are environment friendly. Old newspapers can also be</a:t>
-            </a:r>
-          </a:p>
-          <a:p>
-            <a:r>
-              <a:t>used to make envelopes of different sizes and masks for school plays.</a:t>
-            </a:r>
-          </a:p>
-          <a:p>
-            <a:r>
-              <a:t>When we use several sentences to tell others about something that we have</a:t>
-            </a:r>
-          </a:p>
-          <a:p>
-            <a:r>
-              <a:t>seen, read, heard or done, it is called a report. For the teacher,</a:t>
-            </a:r>
-          </a:p>
-          <a:p>
-            <a:r>
-              <a:t>along with the children, should first go through the report on Uncle Lal's farm.</a:t>
-            </a:r>
-          </a:p>
-          <a:p>
-            <a:r>
-              <a:t>The children can then do the guided report on ice creams available in their area</a:t>
-            </a:r>
-          </a:p>
-          <a:p>
-            <a:r>
-              <a:t>or on food, toyshops, soaps, some animal, care of pets etc.</a:t>
-            </a:r>
-          </a:p>
-          <a:p>
-            <a:r>
-              <a:t>A creative activity should be followed by a presentation before the entire class.</a:t>
-            </a:r>
-          </a:p>
-          <a:p>
-            <a:r>
-              <a:t>The poems, recipes, the findings of any task etc. could be done as group</a:t>
-            </a:r>
-          </a:p>
-          <a:p>
-            <a:r>
-              <a:t>activities and presented or displayed in the classroom. This sharing is as</a:t>
-            </a:r>
-          </a:p>
-          <a:p>
-            <a:r>
-              <a:t>important an experience as any individual activity.Ice-cream Man</a:t>
-            </a:r>
-          </a:p>
-          <a:p>
-            <a:r>
-              <a:t>Wonderful Waste !</a:t>
-            </a:r>
-          </a:p>
-          <a:p>
-            <a:r>
-              <a:t>Bamboo CurryPoem</a:t>
-            </a:r>
-          </a:p>
-          <a:p>
-            <a:r>
-              <a:t>Story</a:t>
-            </a:r>
-          </a:p>
-          <a:p>
-            <a:r>
-              <a:t>Picture Story</a:t>
-            </a:r>
-          </a:p>
-          <a:p>
-            <a:r>
-              <a:t>folk</a:t>
-            </a:r>
-          </a:p>
-          <a:p>
-            <a:r>
-              <a:t>tales</a:t>
-            </a:r>
-          </a:p>
-          <a:p>
-            <a:r>
-              <a:t>Poem Say Aloud</a:t>
-            </a:r>
-          </a:p>
-          <a:p>
-            <a:r>
-              <a:t>Let's Talk</a:t>
-            </a:r>
-          </a:p>
-          <a:p>
-            <a:r>
-              <a:t>Report WritingTHEMES</a:t>
-            </a:r>
-          </a:p>
-          <a:p>
-            <a:r>
-              <a:t>READING TIME</a:t>
-            </a:r>
-          </a:p>
-          <a:p>
-            <a:r>
-              <a:t>CONVERSATION TIME</a:t>
-            </a:r>
-          </a:p>
-          <a:p>
-            <a:r>
-              <a:t>WRITING TIME</a:t>
-            </a:r>
-          </a:p>
-          <a:p>
-            <a:r>
-              <a:t>PROJECT WORKTeacher's□Page UNIT I</a:t>
-            </a:r>
-          </a:p>
-          <a:p>
-            <a:r>
-              <a:t>Marigold Marigold18 19</a:t>
-            </a:r>
-          </a:p>
-          <a:p>
-            <a:r>
-              <a:t>Rationalised 2023-24</a:t>
-            </a:r>
-          </a:p>
-          <a:p/>
+            <a:br/>
+            <a:r>
+              <a:t>&lt;Sunny, ?, 7, Strong, 7, ?&gt;</a:t>
+            </a:r>
+          </a:p>
+          <a:p>
+            <a:r>
+              <a:t>&lt;Sunny, Warm, ?.</a:t>
+            </a:r>
+          </a:p>
+        </p:txBody>
+      </p:sp>
+    </p:spTree>
+  </p:cSld>
+  <p:clrMapOvr>
+    <a:masterClrMapping/>
+  </p:clrMapOvr>
+</p:sld>
+</file>
+
+<file path=ppt/slides/slide36.xml><?xml version="1.0" encoding="utf-8"?>
+<p:sld xmlns:a="http://schemas.openxmlformats.org/drawingml/2006/main" xmlns:p="http://schemas.openxmlformats.org/presentationml/2006/main" xmlns:r="http://schemas.openxmlformats.org/officeDocument/2006/relationships">
+  <p:cSld>
+    <p:spTree>
+      <p:nvGrpSpPr>
+        <p:cNvPr id="1" name=""/>
+        <p:cNvGrpSpPr/>
+        <p:nvPr/>
+      </p:nvGrpSpPr>
+      <p:grpSpPr/>
+      <p:sp>
+        <p:nvSpPr>
+          <p:cNvPr id="2" name="Title 1"/>
+          <p:cNvSpPr>
+            <a:spLocks noGrp="1"/>
+          </p:cNvSpPr>
+          <p:nvPr>
+            <p:ph type="title"/>
+          </p:nvPr>
+        </p:nvSpPr>
+        <p:spPr/>
+        <p:txBody>
+          <a:bodyPr/>
+          <a:lstStyle/>
+          <a:p/>
+        </p:txBody>
+      </p:sp>
+      <p:sp>
+        <p:nvSpPr>
+          <p:cNvPr id="3" name="TextBox 2"/>
+          <p:cNvSpPr txBox="1"/>
+          <p:nvPr/>
+        </p:nvSpPr>
+        <p:spPr>
+          <a:xfrm>
+            <a:off x="914400" y="914400"/>
+            <a:ext cx="7315200" cy="4572000"/>
+          </a:xfrm>
+          <a:prstGeom prst="rect">
+            <a:avLst/>
+          </a:prstGeom>
+          <a:noFill/>
+        </p:spPr>
+        <p:txBody>
+          <a:bodyPr wrap="none">
+            <a:spAutoFit/>
+          </a:bodyPr>
+          <a:lstStyle/>
+          <a:p/>
+          <a:p>
+            <a:r>
+              <a:t>As long as the sets G and S are well defined (see Exercise 2.7), they com-</a:t>
+            </a:r>
+            <a:br/>
+            <a:r>
+              <a:t>pletely specify the version space.</a:t>
+            </a:r>
+          </a:p>
+          <a:p>
+            <a:r>
+              <a:t>In particular, we can show that the version space</a:t>
+            </a:r>
+            <a:br/>
+            <a:r>
+              <a:t>is precisely the set of hypotheses contained in G, plus those contained in S, plus</a:t>
+            </a:r>
+            <a:br/>
+            <a:r>
+              <a:t>those that lie between G and S in the partially ordered hypothesis space.</a:t>
+            </a:r>
+          </a:p>
+        </p:txBody>
+      </p:sp>
+    </p:spTree>
+  </p:cSld>
+  <p:clrMapOvr>
+    <a:masterClrMapping/>
+  </p:clrMapOvr>
+</p:sld>
+</file>
+
+<file path=ppt/slides/slide37.xml><?xml version="1.0" encoding="utf-8"?>
+<p:sld xmlns:a="http://schemas.openxmlformats.org/drawingml/2006/main" xmlns:p="http://schemas.openxmlformats.org/presentationml/2006/main" xmlns:r="http://schemas.openxmlformats.org/officeDocument/2006/relationships">
+  <p:cSld>
+    <p:spTree>
+      <p:nvGrpSpPr>
+        <p:cNvPr id="1" name=""/>
+        <p:cNvGrpSpPr/>
+        <p:nvPr/>
+      </p:nvGrpSpPr>
+      <p:grpSpPr/>
+      <p:sp>
+        <p:nvSpPr>
+          <p:cNvPr id="2" name="Title 1"/>
+          <p:cNvSpPr>
+            <a:spLocks noGrp="1"/>
+          </p:cNvSpPr>
+          <p:nvPr>
+            <p:ph type="title"/>
+          </p:nvPr>
+        </p:nvSpPr>
+        <p:spPr/>
+        <p:txBody>
+          <a:bodyPr/>
+          <a:lstStyle/>
+          <a:p/>
+        </p:txBody>
+      </p:sp>
+      <p:sp>
+        <p:nvSpPr>
+          <p:cNvPr id="3" name="TextBox 2"/>
+          <p:cNvSpPr txBox="1"/>
+          <p:nvPr/>
+        </p:nvSpPr>
+        <p:spPr>
+          <a:xfrm>
+            <a:off x="914400" y="914400"/>
+            <a:ext cx="7315200" cy="4572000"/>
+          </a:xfrm>
+          <a:prstGeom prst="rect">
+            <a:avLst/>
+          </a:prstGeom>
+          <a:noFill/>
+        </p:spPr>
+        <p:txBody>
+          <a:bodyPr wrap="none">
+            <a:spAutoFit/>
+          </a:bodyPr>
+          <a:lstStyle/>
+          <a:p/>
+          <a:p>
+            <a:r>
+              <a:t>The detailed implementation of these</a:t>
+            </a:r>
+            <a:br/>
+            <a:r>
+              <a:t>operations will depend, of course, on the specific representations for instances and</a:t>
+            </a:r>
+            <a:br/>
+            <a:r>
+              <a:t>hypotheses.</a:t>
+            </a:r>
+          </a:p>
+          <a:p>
+            <a:r>
+              <a:t>Notice the duality in how positive and</a:t>
+            </a:r>
+            <a:br/>
+            <a:r>
+              <a:t>negative examples influence S and G.</a:t>
+            </a:r>
+            <a:br/>
+            <a:r>
+              <a:t>Notice that the algorithm is specified in terms of operations such as comput-</a:t>
+            </a:r>
+            <a:br/>
+            <a:r>
+              <a:t>ing minimal generalizations and specializations of given hypotheses, and identify-</a:t>
+            </a:r>
+            <a:br/>
+            <a:r>
+              <a:t>ing nonrninimal and nonmaximal hypotheses.</a:t>
+            </a:r>
+          </a:p>
+          <a:p>
+            <a:r>
+              <a:t>33</a:t>
+            </a:r>
+            <a:br/>
+            <a:r>
+              <a:t>CHAPTER 2 CONCEET LEARNJNG AND THE GENERAL-TO-SPECIFIC ORDERING</a:t>
+            </a:r>
+            <a:br/>
+            <a:r>
+              <a:t>Initialize G to the set of maximally general hypotheses in H</a:t>
+            </a:r>
+            <a:br/>
+            <a:r>
+              <a:t>Initialize S to the set of maximally specific hypotheses in H</a:t>
+            </a:r>
+            <a:br/>
+            <a:r>
+              <a:t>For each training example d, do</a:t>
+            </a:r>
+            <a:br/>
+            <a:r>
+              <a:t>0</a:t>
+            </a:r>
+          </a:p>
+        </p:txBody>
+      </p:sp>
+    </p:spTree>
+  </p:cSld>
+  <p:clrMapOvr>
+    <a:masterClrMapping/>
+  </p:clrMapOvr>
+</p:sld>
+</file>
+
+<file path=ppt/slides/slide38.xml><?xml version="1.0" encoding="utf-8"?>
+<p:sld xmlns:a="http://schemas.openxmlformats.org/drawingml/2006/main" xmlns:p="http://schemas.openxmlformats.org/presentationml/2006/main" xmlns:r="http://schemas.openxmlformats.org/officeDocument/2006/relationships">
+  <p:cSld>
+    <p:spTree>
+      <p:nvGrpSpPr>
+        <p:cNvPr id="1" name=""/>
+        <p:cNvGrpSpPr/>
+        <p:nvPr/>
+      </p:nvGrpSpPr>
+      <p:grpSpPr/>
+      <p:sp>
+        <p:nvSpPr>
+          <p:cNvPr id="2" name="Title 1"/>
+          <p:cNvSpPr>
+            <a:spLocks noGrp="1"/>
+          </p:cNvSpPr>
+          <p:nvPr>
+            <p:ph type="title"/>
+          </p:nvPr>
+        </p:nvSpPr>
+        <p:spPr/>
+        <p:txBody>
+          <a:bodyPr/>
+          <a:lstStyle/>
+          <a:p/>
+        </p:txBody>
+      </p:sp>
+      <p:sp>
+        <p:nvSpPr>
+          <p:cNvPr id="3" name="TextBox 2"/>
+          <p:cNvSpPr txBox="1"/>
+          <p:nvPr/>
+        </p:nvSpPr>
+        <p:spPr>
+          <a:xfrm>
+            <a:off x="914400" y="914400"/>
+            <a:ext cx="7315200" cy="4572000"/>
+          </a:xfrm>
+          <a:prstGeom prst="rect">
+            <a:avLst/>
+          </a:prstGeom>
+          <a:noFill/>
+        </p:spPr>
+        <p:txBody>
+          <a:bodyPr wrap="none">
+            <a:spAutoFit/>
+          </a:bodyPr>
+          <a:lstStyle/>
+          <a:p/>
+          <a:p>
+            <a:r>
+              <a:t>34</a:t>
+            </a:r>
+            <a:br/>
+            <a:r>
+              <a:t>MACHINE LEARNING</a:t>
+            </a:r>
+            <a:br/>
+            <a:r>
+              <a:t>1</a:t>
+            </a:r>
+            <a:br/>
+            <a:r>
+              <a:t>S 1 : {&lt;Sunny, Warm, Normal, Strong, Warm, Same&gt; }</a:t>
+            </a:r>
+            <a:br/>
+            <a:r>
+              <a:t>t</a:t>
+            </a:r>
+            <a:br/>
+            <a:r>
+              <a:t>S2 : {&lt;Sunny, Warm, ?, Strong, Warm, Same&gt;}</a:t>
+            </a:r>
+            <a:br/>
+            <a:r>
+              <a:t>Training examples:</a:t>
+            </a:r>
+            <a:br/>
+            <a:r>
+              <a:t>1.</a:t>
+            </a:r>
+          </a:p>
+          <a:p>
+            <a:r>
+              <a:t>&lt;Sunny, Warm, Normal, Strong, Warm, Same&gt;, Enjoy Sport =</a:t>
+            </a:r>
+          </a:p>
+          <a:p>
+            <a:r>
+              <a:t>Yes</a:t>
+            </a:r>
+            <a:br/>
+            <a:r>
+              <a:t>2.</a:t>
+            </a:r>
+          </a:p>
+        </p:txBody>
+      </p:sp>
+    </p:spTree>
+  </p:cSld>
+  <p:clrMapOvr>
+    <a:masterClrMapping/>
+  </p:clrMapOvr>
+</p:sld>
+</file>
+
+<file path=ppt/slides/slide39.xml><?xml version="1.0" encoding="utf-8"?>
+<p:sld xmlns:a="http://schemas.openxmlformats.org/drawingml/2006/main" xmlns:p="http://schemas.openxmlformats.org/presentationml/2006/main" xmlns:r="http://schemas.openxmlformats.org/officeDocument/2006/relationships">
+  <p:cSld>
+    <p:spTree>
+      <p:nvGrpSpPr>
+        <p:cNvPr id="1" name=""/>
+        <p:cNvGrpSpPr/>
+        <p:nvPr/>
+      </p:nvGrpSpPr>
+      <p:grpSpPr/>
+      <p:sp>
+        <p:nvSpPr>
+          <p:cNvPr id="2" name="Title 1"/>
+          <p:cNvSpPr>
+            <a:spLocks noGrp="1"/>
+          </p:cNvSpPr>
+          <p:nvPr>
+            <p:ph type="title"/>
+          </p:nvPr>
+        </p:nvSpPr>
+        <p:spPr/>
+        <p:txBody>
+          <a:bodyPr/>
+          <a:lstStyle/>
+          <a:p/>
+        </p:txBody>
+      </p:sp>
+      <p:sp>
+        <p:nvSpPr>
+          <p:cNvPr id="3" name="TextBox 2"/>
+          <p:cNvSpPr txBox="1"/>
+          <p:nvPr/>
+        </p:nvSpPr>
+        <p:spPr>
+          <a:xfrm>
+            <a:off x="914400" y="914400"/>
+            <a:ext cx="7315200" cy="4572000"/>
+          </a:xfrm>
+          <a:prstGeom prst="rect">
+            <a:avLst/>
+          </a:prstGeom>
+          <a:noFill/>
+        </p:spPr>
+        <p:txBody>
+          <a:bodyPr wrap="none">
+            <a:spAutoFit/>
+          </a:bodyPr>
+          <a:lstStyle/>
+          <a:p/>
+          <a:p>
+            <a:r>
+              <a:t>C H m R 2 CONCEPT LEARNING AND THE GENERAL-TO-SPECIFIC ORDERING 35</a:t>
+            </a:r>
+            <a:br/>
+            <a:r>
+              <a:t>s2 s</a:t>
+            </a:r>
+            <a:br/>
+            <a:r>
+              <a:t>9 3 : ( &lt;Sunny, Wann, ?.</a:t>
+            </a:r>
+          </a:p>
+          <a:p>
+            <a:r>
+              <a:t>Strong, Warn Same&gt; )]</a:t>
+            </a:r>
+            <a:br/>
+          </a:p>
+        </p:txBody>
+      </p:sp>
+    </p:spTree>
+  </p:cSld>
+  <p:clrMapOvr>
+    <a:masterClrMapping/>
+  </p:clrMapOvr>
+</p:sld>
+</file>
+
+<file path=ppt/slides/slide4.xml><?xml version="1.0" encoding="utf-8"?>
+<p:sld xmlns:a="http://schemas.openxmlformats.org/drawingml/2006/main" xmlns:p="http://schemas.openxmlformats.org/presentationml/2006/main" xmlns:r="http://schemas.openxmlformats.org/officeDocument/2006/relationships">
+  <p:cSld>
+    <p:spTree>
+      <p:nvGrpSpPr>
+        <p:cNvPr id="1" name=""/>
+        <p:cNvGrpSpPr/>
+        <p:nvPr/>
+      </p:nvGrpSpPr>
+      <p:grpSpPr/>
+      <p:sp>
+        <p:nvSpPr>
+          <p:cNvPr id="2" name="Title 1"/>
+          <p:cNvSpPr>
+            <a:spLocks noGrp="1"/>
+          </p:cNvSpPr>
+          <p:nvPr>
+            <p:ph type="title"/>
+          </p:nvPr>
+        </p:nvSpPr>
+        <p:spPr/>
+        <p:txBody>
+          <a:bodyPr/>
+          <a:lstStyle/>
+          <a:p/>
+        </p:txBody>
+      </p:sp>
+      <p:sp>
+        <p:nvSpPr>
+          <p:cNvPr id="3" name="TextBox 2"/>
+          <p:cNvSpPr txBox="1"/>
+          <p:nvPr/>
+        </p:nvSpPr>
+        <p:spPr>
+          <a:xfrm>
+            <a:off x="914400" y="914400"/>
+            <a:ext cx="7315200" cy="4572000"/>
+          </a:xfrm>
+          <a:prstGeom prst="rect">
+            <a:avLst/>
+          </a:prstGeom>
+          <a:noFill/>
+        </p:spPr>
+        <p:txBody>
+          <a:bodyPr wrap="none">
+            <a:spAutoFit/>
+          </a:bodyPr>
+          <a:lstStyle/>
+          <a:p/>
+          <a:p>
+            <a:r>
+              <a:t>xvii</a:t>
+            </a:r>
+            <a:br/>
+            <a:r>
+              <a:t>PREFACE</a:t>
+            </a:r>
+            <a:br/>
+            <a:r>
+              <a:t>Joachim, Atsushi Kawamura, Martina Klose, Sven Koenig, Jay Modi, An-</a:t>
+            </a:r>
+            <a:br/>
+            <a:r>
+              <a:t>drew Ng, Joseph O'Sullivan, Patrawadee Prasangsit, Doina Precup, Bob</a:t>
+            </a:r>
+            <a:br/>
+            <a:r>
+              <a:t>Price, Choon Quek, Sean Slattery, Belinda Thom, Astro Teller, Will Tracz</a:t>
+            </a:r>
+            <a:br/>
+            <a:r>
+              <a:t>I would like to thank Joan Mitchell for creating the index for the book.</a:t>
+            </a:r>
+          </a:p>
+          <a:p>
+            <a:r>
+              <a:t>Among the many here who helped, I would especially</a:t>
+            </a:r>
+            <a:br/>
+            <a:r>
+              <a:t>like to thank Sebastian Thrun, who throughout this project was a constant source</a:t>
+            </a:r>
+            <a:br/>
+            <a:r>
+              <a:t>of encouragement, technical expertise, and support of all kinds.</a:t>
+            </a:r>
+          </a:p>
+          <a:p>
+            <a:r>
+              <a:t>I</a:t>
+            </a:r>
+            <a:br/>
+            <a:r>
+              <a:t>also would like to thank Jean Harpley for help in editing many of the figures.</a:t>
+            </a:r>
+            <a:br/>
+          </a:p>
+        </p:txBody>
+      </p:sp>
+    </p:spTree>
+  </p:cSld>
+  <p:clrMapOvr>
+    <a:masterClrMapping/>
+  </p:clrMapOvr>
+</p:sld>
+</file>
+
+<file path=ppt/slides/slide40.xml><?xml version="1.0" encoding="utf-8"?>
+<p:sld xmlns:a="http://schemas.openxmlformats.org/drawingml/2006/main" xmlns:p="http://schemas.openxmlformats.org/presentationml/2006/main" xmlns:r="http://schemas.openxmlformats.org/officeDocument/2006/relationships">
+  <p:cSld>
+    <p:spTree>
+      <p:nvGrpSpPr>
+        <p:cNvPr id="1" name=""/>
+        <p:cNvGrpSpPr/>
+        <p:nvPr/>
+      </p:nvGrpSpPr>
+      <p:grpSpPr/>
+      <p:sp>
+        <p:nvSpPr>
+          <p:cNvPr id="2" name="Title 1"/>
+          <p:cNvSpPr>
+            <a:spLocks noGrp="1"/>
+          </p:cNvSpPr>
+          <p:nvPr>
+            <p:ph type="title"/>
+          </p:nvPr>
+        </p:nvSpPr>
+        <p:spPr/>
+        <p:txBody>
+          <a:bodyPr/>
+          <a:lstStyle/>
+          <a:p/>
+        </p:txBody>
+      </p:sp>
+      <p:sp>
+        <p:nvSpPr>
+          <p:cNvPr id="3" name="TextBox 2"/>
+          <p:cNvSpPr txBox="1"/>
+          <p:nvPr/>
+        </p:nvSpPr>
+        <p:spPr>
+          <a:xfrm>
+            <a:off x="914400" y="914400"/>
+            <a:ext cx="7315200" cy="4572000"/>
+          </a:xfrm>
+          <a:prstGeom prst="rect">
+            <a:avLst/>
+          </a:prstGeom>
+          <a:noFill/>
+        </p:spPr>
+        <p:txBody>
+          <a:bodyPr wrap="none">
+            <a:spAutoFit/>
+          </a:bodyPr>
+          <a:lstStyle/>
+          <a:p/>
+          <a:p>
+            <a:r>
+              <a:t>&lt;Sunny, Warm, ?, ?, ?, ?&gt; &lt;?, Warm, ?, Strong, ?, ?&gt;</a:t>
+            </a:r>
+            <a:br/>
+            <a:r>
+              <a:t>{&lt;Sunny, ?, ?, ?, ?, ?&gt;, &lt;?, Warm, ?, ?, ?, ?&gt;)</a:t>
+            </a:r>
+            <a:br/>
+            <a:r>
+              <a:t>FIGURE 2.7</a:t>
+            </a:r>
+            <a:br/>
+            <a:r>
+              <a:t>The final version space for the EnjoySport concept learning problem and training examples described</a:t>
+            </a:r>
+            <a:br/>
+            <a:r>
+              <a:t>earlier.</a:t>
+            </a:r>
+          </a:p>
+          <a:p>
+            <a:r>
+              <a:t>S 3: {&lt;Sunny, Warm, ?, Strong, Warm, Same&gt;)</a:t>
+            </a:r>
+            <a:br/>
+          </a:p>
+        </p:txBody>
+      </p:sp>
+    </p:spTree>
+  </p:cSld>
+  <p:clrMapOvr>
+    <a:masterClrMapping/>
+  </p:clrMapOvr>
+</p:sld>
+</file>
+
+<file path=ppt/slides/slide41.xml><?xml version="1.0" encoding="utf-8"?>
+<p:sld xmlns:a="http://schemas.openxmlformats.org/drawingml/2006/main" xmlns:p="http://schemas.openxmlformats.org/presentationml/2006/main" xmlns:r="http://schemas.openxmlformats.org/officeDocument/2006/relationships">
+  <p:cSld>
+    <p:spTree>
+      <p:nvGrpSpPr>
+        <p:cNvPr id="1" name=""/>
+        <p:cNvGrpSpPr/>
+        <p:nvPr/>
+      </p:nvGrpSpPr>
+      <p:grpSpPr/>
+      <p:sp>
+        <p:nvSpPr>
+          <p:cNvPr id="2" name="Title 1"/>
+          <p:cNvSpPr>
+            <a:spLocks noGrp="1"/>
+          </p:cNvSpPr>
+          <p:nvPr>
+            <p:ph type="title"/>
+          </p:nvPr>
+        </p:nvSpPr>
+        <p:spPr/>
+        <p:txBody>
+          <a:bodyPr/>
+          <a:lstStyle/>
+          <a:p/>
+        </p:txBody>
+      </p:sp>
+      <p:sp>
+        <p:nvSpPr>
+          <p:cNvPr id="3" name="TextBox 2"/>
+          <p:cNvSpPr txBox="1"/>
+          <p:nvPr/>
+        </p:nvSpPr>
+        <p:spPr>
+          <a:xfrm>
+            <a:off x="914400" y="914400"/>
+            <a:ext cx="7315200" cy="4572000"/>
+          </a:xfrm>
+          <a:prstGeom prst="rect">
+            <a:avLst/>
+          </a:prstGeom>
+          <a:noFill/>
+        </p:spPr>
+        <p:txBody>
+          <a:bodyPr wrap="none">
+            <a:spAutoFit/>
+          </a:bodyPr>
+          <a:lstStyle/>
+          <a:p/>
+          <a:p>
+            <a:r>
+              <a:t>2.6.2 What Training Example Should the Learner Request Next?</a:t>
+            </a:r>
+            <a:br/>
+            <a:r>
+              <a:t>Up to this point we have assumed that training examples are provided to the</a:t>
+            </a:r>
+            <a:br/>
+            <a:r>
+              <a:t>learner by some external teacher.</a:t>
+            </a:r>
+          </a:p>
+          <a:p>
+            <a:r>
+              <a:t>In fact, as new training examples</a:t>
+            </a:r>
+            <a:br/>
+            <a:r>
+              <a:t>are observed, the version space can be monitored to determine the remaining am-</a:t>
+            </a:r>
+            <a:br/>
+            <a:r>
+              <a:t>biguity regarding the true target concept and to determine when sufficient training</a:t>
+            </a:r>
+            <a:br/>
+            <a:r>
+              <a:t>examples have been observed to unambiguously identify the target concept.</a:t>
+            </a:r>
+          </a:p>
+        </p:txBody>
+      </p:sp>
+    </p:spTree>
+  </p:cSld>
+  <p:clrMapOvr>
+    <a:masterClrMapping/>
+  </p:clrMapOvr>
+</p:sld>
+</file>
+
+<file path=ppt/slides/slide42.xml><?xml version="1.0" encoding="utf-8"?>
+<p:sld xmlns:a="http://schemas.openxmlformats.org/drawingml/2006/main" xmlns:p="http://schemas.openxmlformats.org/presentationml/2006/main" xmlns:r="http://schemas.openxmlformats.org/officeDocument/2006/relationships">
+  <p:cSld>
+    <p:spTree>
+      <p:nvGrpSpPr>
+        <p:cNvPr id="1" name=""/>
+        <p:cNvGrpSpPr/>
+        <p:nvPr/>
+      </p:nvGrpSpPr>
+      <p:grpSpPr/>
+      <p:sp>
+        <p:nvSpPr>
+          <p:cNvPr id="2" name="Title 1"/>
+          <p:cNvSpPr>
+            <a:spLocks noGrp="1"/>
+          </p:cNvSpPr>
+          <p:nvPr>
+            <p:ph type="title"/>
+          </p:nvPr>
+        </p:nvSpPr>
+        <p:spPr/>
+        <p:txBody>
+          <a:bodyPr/>
+          <a:lstStyle/>
+          <a:p/>
+        </p:txBody>
+      </p:sp>
+      <p:sp>
+        <p:nvSpPr>
+          <p:cNvPr id="3" name="TextBox 2"/>
+          <p:cNvSpPr txBox="1"/>
+          <p:nvPr/>
+        </p:nvSpPr>
+        <p:spPr>
+          <a:xfrm>
+            <a:off x="914400" y="914400"/>
+            <a:ext cx="7315200" cy="4572000"/>
+          </a:xfrm>
+          <a:prstGeom prst="rect">
+            <a:avLst/>
+          </a:prstGeom>
+          <a:noFill/>
+        </p:spPr>
+        <p:txBody>
+          <a:bodyPr wrap="none">
+            <a:spAutoFit/>
+          </a:bodyPr>
+          <a:lstStyle/>
+          <a:p/>
+          <a:p>
+            <a:r>
+              <a:t>2.6.3 How Can Partially Learned Concepts Be Used?</a:t>
+            </a:r>
+            <a:br/>
+            <a:r>
+              <a:t>Suppose that no additional training examples are available beyond the four in</a:t>
+            </a:r>
+            <a:br/>
+            <a:r>
+              <a:t>our example above, but that the learner is now required to classify new instances</a:t>
+            </a:r>
+            <a:br/>
+            <a:r>
+              <a:t>that it has not yet observed.</a:t>
+            </a:r>
+          </a:p>
+          <a:p>
+            <a:r>
+              <a:t>Even though the version space of Figure 2.3 still</a:t>
+            </a:r>
+            <a:br/>
+            <a:r>
+              <a:t>contains multiple hypotheses, indicating that the target concept has not yet been</a:t>
+            </a:r>
+            <a:br/>
+            <a:r>
+              <a:t>fully learned, it is possible to classify certain examples with the same degree of</a:t>
+            </a:r>
+            <a:br/>
+            <a:r>
+              <a:t>confidence as if the target concept had been uniquely identified.</a:t>
+            </a:r>
+          </a:p>
+        </p:txBody>
+      </p:sp>
+    </p:spTree>
+  </p:cSld>
+  <p:clrMapOvr>
+    <a:masterClrMapping/>
+  </p:clrMapOvr>
+</p:sld>
+</file>
+
+<file path=ppt/slides/slide43.xml><?xml version="1.0" encoding="utf-8"?>
+<p:sld xmlns:a="http://schemas.openxmlformats.org/drawingml/2006/main" xmlns:p="http://schemas.openxmlformats.org/presentationml/2006/main" xmlns:r="http://schemas.openxmlformats.org/officeDocument/2006/relationships">
+  <p:cSld>
+    <p:spTree>
+      <p:nvGrpSpPr>
+        <p:cNvPr id="1" name=""/>
+        <p:cNvGrpSpPr/>
+        <p:nvPr/>
+      </p:nvGrpSpPr>
+      <p:grpSpPr/>
+      <p:sp>
+        <p:nvSpPr>
+          <p:cNvPr id="2" name="Title 1"/>
+          <p:cNvSpPr>
+            <a:spLocks noGrp="1"/>
+          </p:cNvSpPr>
+          <p:nvPr>
+            <p:ph type="title"/>
+          </p:nvPr>
+        </p:nvSpPr>
+        <p:spPr/>
+        <p:txBody>
+          <a:bodyPr/>
+          <a:lstStyle/>
+          <a:p/>
+        </p:txBody>
+      </p:sp>
+      <p:sp>
+        <p:nvSpPr>
+          <p:cNvPr id="3" name="TextBox 2"/>
+          <p:cNvSpPr txBox="1"/>
+          <p:nvPr/>
+        </p:nvSpPr>
+        <p:spPr>
+          <a:xfrm>
+            <a:off x="914400" y="914400"/>
+            <a:ext cx="7315200" cy="4572000"/>
+          </a:xfrm>
+          <a:prstGeom prst="rect">
+            <a:avLst/>
+          </a:prstGeom>
+          <a:noFill/>
+        </p:spPr>
+        <p:txBody>
+          <a:bodyPr wrap="none">
+            <a:spAutoFit/>
+          </a:bodyPr>
+          <a:lstStyle/>
+          <a:p/>
+          <a:p>
+            <a:r>
+              <a:t>Furthermore, the</a:t>
+            </a:r>
+            <a:br/>
+            <a:r>
+              <a:t>proportion of hypotheses voting positive can be interpreted as the probability that</a:t>
+            </a:r>
+            <a:br/>
+            <a:r>
+              <a:t>this instance is positive given the training data.</a:t>
+            </a:r>
+            <a:br/>
+          </a:p>
+          <a:p>
+            <a:r>
+              <a:t>In this case we have less</a:t>
+            </a:r>
+            <a:br/>
+            <a:r>
+              <a:t>confidence in the classification than in the unambiguous cases of instances A</a:t>
+            </a:r>
+            <a:br/>
+            <a:r>
+              <a:t>and B. Still, the vote is in favor of a negative classification, and one approach</a:t>
+            </a:r>
+            <a:br/>
+            <a:r>
+              <a:t>we could take would be to output the majority vote, perhaps with a confidence</a:t>
+            </a:r>
+            <a:br/>
+            <a:r>
+              <a:t>rating indicating how close the vote was.</a:t>
+            </a:r>
+          </a:p>
+          <a:p>
+            <a:r>
+              <a:t>CHAPTER 2 CONCEPT LEARNING AND THE GENERAL-TO-SPECIFIC ORDERING 39</a:t>
+            </a:r>
+            <a:br/>
+            <a:r>
+              <a:t>Instance Sky AirTemp Humidity Wind Water Forecast EnjoySport</a:t>
+            </a:r>
+            <a:br/>
+            <a:r>
+              <a:t>-</a:t>
+            </a:r>
+            <a:br/>
+            <a:r>
+              <a:t>A Sunny Warm Normal Strong Cool Change ?</a:t>
+            </a:r>
+            <a:br/>
+          </a:p>
+        </p:txBody>
+      </p:sp>
+    </p:spTree>
+  </p:cSld>
+  <p:clrMapOvr>
+    <a:masterClrMapping/>
+  </p:clrMapOvr>
+</p:sld>
+</file>
+
+<file path=ppt/slides/slide44.xml><?xml version="1.0" encoding="utf-8"?>
+<p:sld xmlns:a="http://schemas.openxmlformats.org/drawingml/2006/main" xmlns:p="http://schemas.openxmlformats.org/presentationml/2006/main" xmlns:r="http://schemas.openxmlformats.org/officeDocument/2006/relationships">
+  <p:cSld>
+    <p:spTree>
+      <p:nvGrpSpPr>
+        <p:cNvPr id="1" name=""/>
+        <p:cNvGrpSpPr/>
+        <p:nvPr/>
+      </p:nvGrpSpPr>
+      <p:grpSpPr/>
+      <p:sp>
+        <p:nvSpPr>
+          <p:cNvPr id="2" name="Title 1"/>
+          <p:cNvSpPr>
+            <a:spLocks noGrp="1"/>
+          </p:cNvSpPr>
+          <p:nvPr>
+            <p:ph type="title"/>
+          </p:nvPr>
+        </p:nvSpPr>
+        <p:spPr/>
+        <p:txBody>
+          <a:bodyPr/>
+          <a:lstStyle/>
+          <a:p/>
+        </p:txBody>
+      </p:sp>
+      <p:sp>
+        <p:nvSpPr>
+          <p:cNvPr id="3" name="TextBox 2"/>
+          <p:cNvSpPr txBox="1"/>
+          <p:nvPr/>
+        </p:nvSpPr>
+        <p:spPr>
+          <a:xfrm>
+            <a:off x="914400" y="914400"/>
+            <a:ext cx="7315200" cy="4572000"/>
+          </a:xfrm>
+          <a:prstGeom prst="rect">
+            <a:avLst/>
+          </a:prstGeom>
+          <a:noFill/>
+        </p:spPr>
+        <p:txBody>
+          <a:bodyPr wrap="none">
+            <a:spAutoFit/>
+          </a:bodyPr>
+          <a:lstStyle/>
+          <a:p/>
+          <a:p>
+            <a:r>
+              <a:t>How does the size of the hypothesis space influence the</a:t>
+            </a:r>
+            <a:br/>
+            <a:r>
+              <a:t>number of training examples that must be observed?</a:t>
+            </a:r>
+          </a:p>
+          <a:p>
+            <a:r>
+              <a:t>In general, the set of all subsets of a set X is called thepowerset of X.</a:t>
+            </a:r>
+            <a:br/>
+            <a:r>
+              <a:t>In the EnjoySport learning task, for example, the size of the instance space</a:t>
+            </a:r>
+            <a:br/>
+            <a:r>
+              <a:t>X of days described by the six available attributes is 96.</a:t>
+            </a:r>
+          </a:p>
+        </p:txBody>
+      </p:sp>
+    </p:spTree>
+  </p:cSld>
+  <p:clrMapOvr>
+    <a:masterClrMapping/>
+  </p:clrMapOvr>
+</p:sld>
+</file>
+
+<file path=ppt/slides/slide45.xml><?xml version="1.0" encoding="utf-8"?>
+<p:sld xmlns:a="http://schemas.openxmlformats.org/drawingml/2006/main" xmlns:p="http://schemas.openxmlformats.org/presentationml/2006/main" xmlns:r="http://schemas.openxmlformats.org/officeDocument/2006/relationships">
+  <p:cSld>
+    <p:spTree>
+      <p:nvGrpSpPr>
+        <p:cNvPr id="1" name=""/>
+        <p:cNvGrpSpPr/>
+        <p:nvPr/>
+      </p:nvGrpSpPr>
+      <p:grpSpPr/>
+      <p:sp>
+        <p:nvSpPr>
+          <p:cNvPr id="2" name="Title 1"/>
+          <p:cNvSpPr>
+            <a:spLocks noGrp="1"/>
+          </p:cNvSpPr>
+          <p:nvPr>
+            <p:ph type="title"/>
+          </p:nvPr>
+        </p:nvSpPr>
+        <p:spPr/>
+        <p:txBody>
+          <a:bodyPr/>
+          <a:lstStyle/>
+          <a:p/>
+        </p:txBody>
+      </p:sp>
+      <p:sp>
+        <p:nvSpPr>
+          <p:cNvPr id="3" name="TextBox 2"/>
+          <p:cNvSpPr txBox="1"/>
+          <p:nvPr/>
+        </p:nvSpPr>
+        <p:spPr>
+          <a:xfrm>
+            <a:off x="914400" y="914400"/>
+            <a:ext cx="7315200" cy="4572000"/>
+          </a:xfrm>
+          <a:prstGeom prst="rect">
+            <a:avLst/>
+          </a:prstGeom>
+          <a:noFill/>
+        </p:spPr>
+        <p:txBody>
+          <a:bodyPr wrap="none">
+            <a:spAutoFit/>
+          </a:bodyPr>
+          <a:lstStyle/>
+          <a:p/>
+          <a:p>
+            <a:r>
+              <a:t>For instance, the target concept "Sky = Sunny or Sky = Cloudy" could then be</a:t>
+            </a:r>
+            <a:br/>
+            <a:r>
+              <a:t>described as</a:t>
+            </a:r>
+            <a:br/>
+            <a:r>
+              <a:t>(Sunny, ?, ?, ?, ?, ?)</a:t>
+            </a:r>
+          </a:p>
+          <a:p>
+            <a:r>
+              <a:t>Let us reformulate the Enjoysport learning task in an unbiased way by</a:t>
+            </a:r>
+            <a:br/>
+            <a:r>
+              <a:t>defining a new hypothesis space H' that can represent every subset of instances;</a:t>
+            </a:r>
+            <a:br/>
+            <a:r>
+              <a:t>that is, let H' correspond to the power set of X. One way to define such an H' is to</a:t>
+            </a:r>
+            <a:br/>
+            <a:r>
+              <a:t>allow arbitrary disjunctions, conjunctions, and negations of our earlier hypotheses.</a:t>
+            </a:r>
+            <a:br/>
+          </a:p>
+        </p:txBody>
+      </p:sp>
+    </p:spTree>
+  </p:cSld>
+  <p:clrMapOvr>
+    <a:masterClrMapping/>
+  </p:clrMapOvr>
+</p:sld>
+</file>
+
+<file path=ppt/slides/slide46.xml><?xml version="1.0" encoding="utf-8"?>
+<p:sld xmlns:a="http://schemas.openxmlformats.org/drawingml/2006/main" xmlns:p="http://schemas.openxmlformats.org/presentationml/2006/main" xmlns:r="http://schemas.openxmlformats.org/officeDocument/2006/relationships">
+  <p:cSld>
+    <p:spTree>
+      <p:nvGrpSpPr>
+        <p:cNvPr id="1" name=""/>
+        <p:cNvGrpSpPr/>
+        <p:nvPr/>
+      </p:nvGrpSpPr>
+      <p:grpSpPr/>
+      <p:sp>
+        <p:nvSpPr>
+          <p:cNvPr id="2" name="Title 1"/>
+          <p:cNvSpPr>
+            <a:spLocks noGrp="1"/>
+          </p:cNvSpPr>
+          <p:nvPr>
+            <p:ph type="title"/>
+          </p:nvPr>
+        </p:nvSpPr>
+        <p:spPr/>
+        <p:txBody>
+          <a:bodyPr/>
+          <a:lstStyle/>
+          <a:p/>
+        </p:txBody>
+      </p:sp>
+      <p:sp>
+        <p:nvSpPr>
+          <p:cNvPr id="3" name="TextBox 2"/>
+          <p:cNvSpPr txBox="1"/>
+          <p:nvPr/>
+        </p:nvSpPr>
+        <p:spPr>
+          <a:xfrm>
+            <a:off x="914400" y="914400"/>
+            <a:ext cx="7315200" cy="4572000"/>
+          </a:xfrm>
+          <a:prstGeom prst="rect">
+            <a:avLst/>
+          </a:prstGeom>
+          <a:noFill/>
+        </p:spPr>
+        <p:txBody>
+          <a:bodyPr wrap="none">
+            <a:spAutoFit/>
+          </a:bodyPr>
+          <a:lstStyle/>
+          <a:p/>
+          <a:p>
+            <a:r>
+              <a:t>In cases where</a:t>
+            </a:r>
+            <a:br/>
+            <a:r>
+              <a:t>this assumption is correct (and the training examples are error-free), its classifica-</a:t>
+            </a:r>
+            <a:br/>
+            <a:r>
+              <a:t>tion of new instances will also be correct.</a:t>
+            </a:r>
+          </a:p>
+          <a:p>
+            <a:r>
+              <a:t>The key idea we wish to capture here is the policy by which the</a:t>
+            </a:r>
+            <a:br/>
+            <a:r>
+              <a:t>learner generalizes beyond the observed training data, to infer the classification</a:t>
+            </a:r>
+            <a:br/>
+            <a:r>
+              <a:t>of new instances.</a:t>
+            </a:r>
+          </a:p>
+          <a:p>
+            <a:r>
+              <a:t>hypothesis h' in the power set that is identical to h except for its classification of</a:t>
+            </a:r>
+            <a:br/>
+            <a:r>
+              <a:t>x.</a:t>
+            </a:r>
+          </a:p>
+        </p:txBody>
+      </p:sp>
+    </p:spTree>
+  </p:cSld>
+  <p:clrMapOvr>
+    <a:masterClrMapping/>
+  </p:clrMapOvr>
+</p:sld>
+</file>
+
+<file path=ppt/slides/slide47.xml><?xml version="1.0" encoding="utf-8"?>
+<p:sld xmlns:a="http://schemas.openxmlformats.org/drawingml/2006/main" xmlns:p="http://schemas.openxmlformats.org/presentationml/2006/main" xmlns:r="http://schemas.openxmlformats.org/officeDocument/2006/relationships">
+  <p:cSld>
+    <p:spTree>
+      <p:nvGrpSpPr>
+        <p:cNvPr id="1" name=""/>
+        <p:cNvGrpSpPr/>
+        <p:nvPr/>
+      </p:nvGrpSpPr>
+      <p:grpSpPr/>
+      <p:sp>
+        <p:nvSpPr>
+          <p:cNvPr id="2" name="Title 1"/>
+          <p:cNvSpPr>
+            <a:spLocks noGrp="1"/>
+          </p:cNvSpPr>
+          <p:nvPr>
+            <p:ph type="title"/>
+          </p:nvPr>
+        </p:nvSpPr>
+        <p:spPr/>
+        <p:txBody>
+          <a:bodyPr/>
+          <a:lstStyle/>
+          <a:p/>
+        </p:txBody>
+      </p:sp>
+      <p:sp>
+        <p:nvSpPr>
+          <p:cNvPr id="3" name="TextBox 2"/>
+          <p:cNvSpPr txBox="1"/>
+          <p:nvPr/>
+        </p:nvSpPr>
+        <p:spPr>
+          <a:xfrm>
+            <a:off x="914400" y="914400"/>
+            <a:ext cx="7315200" cy="4572000"/>
+          </a:xfrm>
+          <a:prstGeom prst="rect">
+            <a:avLst/>
+          </a:prstGeom>
+          <a:noFill/>
+        </p:spPr>
+        <p:txBody>
+          <a:bodyPr wrap="none">
+            <a:spAutoFit/>
+          </a:bodyPr>
+          <a:lstStyle/>
+          <a:p/>
+          <a:p>
+            <a:r>
+              <a:t>Here let us assume that it will output a classification for xi only if</a:t>
+            </a:r>
+            <a:br/>
+            <a:r>
+              <a:t>this vote among version space hypotheses is unanimously positive or negative and</a:t>
+            </a:r>
+            <a:br/>
+            <a:r>
+              <a:t>that it will not output a classification otherwise.</a:t>
+            </a:r>
+          </a:p>
+          <a:p>
+            <a:r>
+              <a:t>CHAFI%R 2 CONCEPT LEARNING AND THE GENERAL-TO-SPECIFIC ORDERING 43</a:t>
+            </a:r>
+            <a:br/>
+            <a:r>
+              <a:t>inductive bias of L to be the set of assumptions B such that for all new instances xi</a:t>
+            </a:r>
+            <a:br/>
+            <a:r>
+              <a:t>(B A D, A xi) F L(xi, D,)</a:t>
+            </a:r>
+            <a:br/>
+            <a:r>
+              <a:t>where the notation y t z indicates that z follows deductively from y (i.e., that z</a:t>
+            </a:r>
+            <a:br/>
+            <a:r>
+              <a:t>is provable from y).</a:t>
+            </a:r>
+          </a:p>
+          <a:p>
+            <a:r>
+              <a:t>Thus, we define the inductive bias of a learner as the set of</a:t>
+            </a:r>
+            <a:br/>
+            <a:r>
+              <a:t>additional assumptions B sufficient to justify its inductive inferences as deductive</a:t>
+            </a:r>
+            <a:br/>
+            <a:r>
+              <a:t>inferences.</a:t>
+            </a:r>
+          </a:p>
+        </p:txBody>
+      </p:sp>
+    </p:spTree>
+  </p:cSld>
+  <p:clrMapOvr>
+    <a:masterClrMapping/>
+  </p:clrMapOvr>
+</p:sld>
+</file>
+
+<file path=ppt/slides/slide48.xml><?xml version="1.0" encoding="utf-8"?>
+<p:sld xmlns:a="http://schemas.openxmlformats.org/drawingml/2006/main" xmlns:p="http://schemas.openxmlformats.org/presentationml/2006/main" xmlns:r="http://schemas.openxmlformats.org/officeDocument/2006/relationships">
+  <p:cSld>
+    <p:spTree>
+      <p:nvGrpSpPr>
+        <p:cNvPr id="1" name=""/>
+        <p:cNvGrpSpPr/>
+        <p:nvPr/>
+      </p:nvGrpSpPr>
+      <p:grpSpPr/>
+      <p:sp>
+        <p:nvSpPr>
+          <p:cNvPr id="2" name="Title 1"/>
+          <p:cNvSpPr>
+            <a:spLocks noGrp="1"/>
+          </p:cNvSpPr>
+          <p:nvPr>
+            <p:ph type="title"/>
+          </p:nvPr>
+        </p:nvSpPr>
+        <p:spPr/>
+        <p:txBody>
+          <a:bodyPr/>
+          <a:lstStyle/>
+          <a:p/>
+        </p:txBody>
+      </p:sp>
+      <p:sp>
+        <p:nvSpPr>
+          <p:cNvPr id="3" name="TextBox 2"/>
+          <p:cNvSpPr txBox="1"/>
+          <p:nvPr/>
+        </p:nvSpPr>
+        <p:spPr>
+          <a:xfrm>
+            <a:off x="914400" y="914400"/>
+            <a:ext cx="7315200" cy="4572000"/>
+          </a:xfrm>
+          <a:prstGeom prst="rect">
+            <a:avLst/>
+          </a:prstGeom>
+          <a:noFill/>
+        </p:spPr>
+        <p:txBody>
+          <a:bodyPr wrap="none">
+            <a:spAutoFit/>
+          </a:bodyPr>
+          <a:lstStyle/>
+          <a:p/>
+          <a:p>
+            <a:r>
+              <a:t>Modeling inductive systems by equivalent deductive systems.</a:t>
+            </a:r>
+          </a:p>
+          <a:p>
+            <a:r>
+              <a:t>Characterizing inductive systems</a:t>
+            </a:r>
+            <a:br/>
+            <a:r>
+              <a:t>by their inductive bias allows modeling them by their equivalent deductive systems.</a:t>
+            </a:r>
+          </a:p>
+        </p:txBody>
+      </p:sp>
+    </p:spTree>
+  </p:cSld>
+  <p:clrMapOvr>
+    <a:masterClrMapping/>
+  </p:clrMapOvr>
+</p:sld>
+</file>
+
+<file path=ppt/slides/slide49.xml><?xml version="1.0" encoding="utf-8"?>
+<p:sld xmlns:a="http://schemas.openxmlformats.org/drawingml/2006/main" xmlns:p="http://schemas.openxmlformats.org/presentationml/2006/main" xmlns:r="http://schemas.openxmlformats.org/officeDocument/2006/relationships">
+  <p:cSld>
+    <p:spTree>
+      <p:nvGrpSpPr>
+        <p:cNvPr id="1" name=""/>
+        <p:cNvGrpSpPr/>
+        <p:nvPr/>
+      </p:nvGrpSpPr>
+      <p:grpSpPr/>
+      <p:sp>
+        <p:nvSpPr>
+          <p:cNvPr id="2" name="Title 1"/>
+          <p:cNvSpPr>
+            <a:spLocks noGrp="1"/>
+          </p:cNvSpPr>
+          <p:nvPr>
+            <p:ph type="title"/>
+          </p:nvPr>
+        </p:nvSpPr>
+        <p:spPr/>
+        <p:txBody>
+          <a:bodyPr/>
+          <a:lstStyle/>
+          <a:p/>
+        </p:txBody>
+      </p:sp>
+      <p:sp>
+        <p:nvSpPr>
+          <p:cNvPr id="3" name="TextBox 2"/>
+          <p:cNvSpPr txBox="1"/>
+          <p:nvPr/>
+        </p:nvSpPr>
+        <p:spPr>
+          <a:xfrm>
+            <a:off x="914400" y="914400"/>
+            <a:ext cx="7315200" cy="4572000"/>
+          </a:xfrm>
+          <a:prstGeom prst="rect">
+            <a:avLst/>
+          </a:prstGeom>
+          <a:noFill/>
+        </p:spPr>
+        <p:txBody>
+          <a:bodyPr wrap="none">
+            <a:spAutoFit/>
+          </a:bodyPr>
+          <a:lstStyle/>
+          <a:p/>
+          <a:p>
+            <a:r>
+              <a:t>Other inductive biases merely rank</a:t>
+            </a:r>
+            <a:br/>
+            <a:r>
+              <a:t>order the hypotheses by stating preferences such as "more specific hypotheses are</a:t>
+            </a:r>
+            <a:br/>
+            <a:r>
+              <a:t>preferred over more general hypotheses."</a:t>
+            </a:r>
+          </a:p>
+          <a:p>
+            <a:r>
+              <a:t>In Chapters 11 and 12 we will see other systems whose bias is made explicit as</a:t>
+            </a:r>
+            <a:br/>
+            <a:r>
+              <a:t>a set of assertions represented and manipulated by the learner.</a:t>
+            </a:r>
+            <a:br/>
+            <a:r>
+              <a:t>2.8 SUMMARY AND FURTHER READING</a:t>
+            </a:r>
+            <a:br/>
+            <a:r>
+              <a:t>The main points of this chapter include:</a:t>
+            </a:r>
+            <a:br/>
+            <a:r>
+              <a:t>Concept learning can be cast as a problem of searching through a large</a:t>
+            </a:r>
+            <a:br/>
+            <a:r>
+              <a:t>predefined space of potential hypotheses.</a:t>
+            </a:r>
+            <a:br/>
+          </a:p>
+          <a:p>
+            <a:r>
+              <a:t>CHAPTER 2 CONCEPT.</a:t>
+            </a:r>
+          </a:p>
+        </p:txBody>
+      </p:sp>
+    </p:spTree>
+  </p:cSld>
+  <p:clrMapOvr>
+    <a:masterClrMapping/>
+  </p:clrMapOvr>
+</p:sld>
+</file>
+
+<file path=ppt/slides/slide5.xml><?xml version="1.0" encoding="utf-8"?>
+<p:sld xmlns:a="http://schemas.openxmlformats.org/drawingml/2006/main" xmlns:p="http://schemas.openxmlformats.org/presentationml/2006/main" xmlns:r="http://schemas.openxmlformats.org/officeDocument/2006/relationships">
+  <p:cSld>
+    <p:spTree>
+      <p:nvGrpSpPr>
+        <p:cNvPr id="1" name=""/>
+        <p:cNvGrpSpPr/>
+        <p:nvPr/>
+      </p:nvGrpSpPr>
+      <p:grpSpPr/>
+      <p:sp>
+        <p:nvSpPr>
+          <p:cNvPr id="2" name="Title 1"/>
+          <p:cNvSpPr>
+            <a:spLocks noGrp="1"/>
+          </p:cNvSpPr>
+          <p:nvPr>
+            <p:ph type="title"/>
+          </p:nvPr>
+        </p:nvSpPr>
+        <p:spPr/>
+        <p:txBody>
+          <a:bodyPr/>
+          <a:lstStyle/>
+          <a:p/>
+        </p:txBody>
+      </p:sp>
+      <p:sp>
+        <p:nvSpPr>
+          <p:cNvPr id="3" name="TextBox 2"/>
+          <p:cNvSpPr txBox="1"/>
+          <p:nvPr/>
+        </p:nvSpPr>
+        <p:spPr>
+          <a:xfrm>
+            <a:off x="914400" y="914400"/>
+            <a:ext cx="7315200" cy="4572000"/>
+          </a:xfrm>
+          <a:prstGeom prst="rect">
+            <a:avLst/>
+          </a:prstGeom>
+          <a:noFill/>
+        </p:spPr>
+        <p:txBody>
+          <a:bodyPr wrap="none">
+            <a:spAutoFit/>
+          </a:bodyPr>
+          <a:lstStyle/>
+          <a:p/>
+          <a:p>
+            <a:r>
+              <a:t>In</a:t>
+            </a:r>
+            <a:br/>
+            <a:r>
+              <a:t>the field known as data mining, machine learning algorithms are being used rou-</a:t>
+            </a:r>
+            <a:br/>
+            <a:r>
+              <a:t>tinely to discover valuable knowledge from large commercial databases containing</a:t>
+            </a:r>
+            <a:br/>
+            <a:r>
+              <a:t>equipment maintenance records, loan applications, financial transactions, medical</a:t>
+            </a:r>
+            <a:br/>
+            <a:r>
+              <a:t>records, and the like.</a:t>
+            </a:r>
+          </a:p>
+          <a:p>
+            <a:r>
+              <a:t>However, algorithms have been invented that are effective for certain types</a:t>
+            </a:r>
+            <a:br/>
+            <a:r>
+              <a:t>of learning tasks, and a theoretical understanding of learning is beginning to</a:t>
+            </a:r>
+            <a:br/>
+            <a:r>
+              <a:t>emerge.</a:t>
+            </a:r>
+          </a:p>
+          <a:p>
+            <a:r>
+              <a:t>CHAPTER</a:t>
+            </a:r>
+            <a:br/>
+            <a:r>
+              <a:t>INTRODUCTION</a:t>
+            </a:r>
+            <a:br/>
+            <a:r>
+              <a:t>Ever since computers were invented, we have wondered whether they might be</a:t>
+            </a:r>
+            <a:br/>
+            <a:r>
+              <a:t>made to learn.</a:t>
+            </a:r>
+          </a:p>
+        </p:txBody>
+      </p:sp>
+    </p:spTree>
+  </p:cSld>
+  <p:clrMapOvr>
+    <a:masterClrMapping/>
+  </p:clrMapOvr>
+</p:sld>
+</file>
+
+<file path=ppt/slides/slide50.xml><?xml version="1.0" encoding="utf-8"?>
+<p:sld xmlns:a="http://schemas.openxmlformats.org/drawingml/2006/main" xmlns:p="http://schemas.openxmlformats.org/presentationml/2006/main" xmlns:r="http://schemas.openxmlformats.org/officeDocument/2006/relationships">
+  <p:cSld>
+    <p:spTree>
+      <p:nvGrpSpPr>
+        <p:cNvPr id="1" name=""/>
+        <p:cNvGrpSpPr/>
+        <p:nvPr/>
+      </p:nvGrpSpPr>
+      <p:grpSpPr/>
+      <p:sp>
+        <p:nvSpPr>
+          <p:cNvPr id="2" name="Title 1"/>
+          <p:cNvSpPr>
+            <a:spLocks noGrp="1"/>
+          </p:cNvSpPr>
+          <p:nvPr>
+            <p:ph type="title"/>
+          </p:nvPr>
+        </p:nvSpPr>
+        <p:spPr/>
+        <p:txBody>
+          <a:bodyPr/>
+          <a:lstStyle/>
+          <a:p/>
+        </p:txBody>
+      </p:sp>
+      <p:sp>
+        <p:nvSpPr>
+          <p:cNvPr id="3" name="TextBox 2"/>
+          <p:cNvSpPr txBox="1"/>
+          <p:nvPr/>
+        </p:nvSpPr>
+        <p:spPr>
+          <a:xfrm>
+            <a:off x="914400" y="914400"/>
+            <a:ext cx="7315200" cy="4572000"/>
+          </a:xfrm>
+          <a:prstGeom prst="rect">
+            <a:avLst/>
+          </a:prstGeom>
+          <a:noFill/>
+        </p:spPr>
+        <p:txBody>
+          <a:bodyPr wrap="none">
+            <a:spAutoFit/>
+          </a:bodyPr>
+          <a:lstStyle/>
+          <a:p/>
+          <a:p>
+            <a:r>
+              <a:t>The FINDSa lgorithm utilizes this general-to-specific ordering, performing</a:t>
+            </a:r>
+            <a:br/>
+            <a:r>
+              <a:t>a specific-to-general search through the hypothesis space along one branch</a:t>
+            </a:r>
+            <a:br/>
+            <a:r>
+              <a:t>of the partial ordering, to find the most specific hypothesis consistent with</a:t>
+            </a:r>
+            <a:br/>
+            <a:r>
+              <a:t>the training examples.</a:t>
+            </a:r>
+            <a:br/>
+          </a:p>
+          <a:p>
+            <a:r>
+              <a:t>The CANDIDATE-ELIMINAaTlIgOorNit hm utilizes this general-to-specific or-</a:t>
+            </a:r>
+            <a:br/>
+            <a:r>
+              <a:t>dering to compute the version space (the set of all hypotheses consistent</a:t>
+            </a:r>
+            <a:br/>
+            <a:r>
+              <a:t>with the training data) by incrementally computing the sets of maximally</a:t>
+            </a:r>
+            <a:br/>
+            <a:r>
+              <a:t>specific (S) and maximally general (G) hypotheses.</a:t>
+            </a:r>
+            <a:br/>
+          </a:p>
+        </p:txBody>
+      </p:sp>
+    </p:spTree>
+  </p:cSld>
+  <p:clrMapOvr>
+    <a:masterClrMapping/>
+  </p:clrMapOvr>
+</p:sld>
+</file>
+
+<file path=ppt/slides/slide51.xml><?xml version="1.0" encoding="utf-8"?>
+<p:sld xmlns:a="http://schemas.openxmlformats.org/drawingml/2006/main" xmlns:p="http://schemas.openxmlformats.org/presentationml/2006/main" xmlns:r="http://schemas.openxmlformats.org/officeDocument/2006/relationships">
+  <p:cSld>
+    <p:spTree>
+      <p:nvGrpSpPr>
+        <p:cNvPr id="1" name=""/>
+        <p:cNvGrpSpPr/>
+        <p:nvPr/>
+      </p:nvGrpSpPr>
+      <p:grpSpPr/>
+      <p:sp>
+        <p:nvSpPr>
+          <p:cNvPr id="2" name="Title 1"/>
+          <p:cNvSpPr>
+            <a:spLocks noGrp="1"/>
+          </p:cNvSpPr>
+          <p:nvPr>
+            <p:ph type="title"/>
+          </p:nvPr>
+        </p:nvSpPr>
+        <p:spPr/>
+        <p:txBody>
+          <a:bodyPr/>
+          <a:lstStyle/>
+          <a:p/>
+        </p:txBody>
+      </p:sp>
+      <p:sp>
+        <p:nvSpPr>
+          <p:cNvPr id="3" name="TextBox 2"/>
+          <p:cNvSpPr txBox="1"/>
+          <p:nvPr/>
+        </p:nvSpPr>
+        <p:spPr>
+          <a:xfrm>
+            <a:off x="914400" y="914400"/>
+            <a:ext cx="7315200" cy="4572000"/>
+          </a:xfrm>
+          <a:prstGeom prst="rect">
+            <a:avLst/>
+          </a:prstGeom>
+          <a:noFill/>
+        </p:spPr>
+        <p:txBody>
+          <a:bodyPr wrap="none">
+            <a:spAutoFit/>
+          </a:bodyPr>
+          <a:lstStyle/>
+          <a:p/>
+          <a:p>
+            <a:r>
+              <a:t>Version spaces and the CANDIDATE-ELIMINAaTlIgOorNit hm were introduced</a:t>
+            </a:r>
+            <a:br/>
+            <a:r>
+              <a:t>by Mitchell (1977, 1982).</a:t>
+            </a:r>
+          </a:p>
+          <a:p>
+            <a:r>
+              <a:t>Hirsh (1990) describes an INCREMENTVAELRS ION SPACEM ERGINGal go-</a:t>
+            </a:r>
+            <a:br/>
+            <a:r>
+              <a:t>rithm that generalizes the CANDIDATE-ELIMINAaTlgIOorNit hm to handle situations</a:t>
+            </a:r>
+            <a:br/>
+            <a:r>
+              <a:t>in which training information can be different types of constraints represented</a:t>
+            </a:r>
+            <a:br/>
+            <a:r>
+              <a:t>using version spaces.</a:t>
+            </a:r>
+          </a:p>
+          <a:p>
+            <a:r>
+              <a:t>Chapter 10 describes several more recent algorithms for con-</a:t>
+            </a:r>
+            <a:br/>
+            <a:r>
+              <a:t>cept learning, including algorithms that learn concepts represented in first-order</a:t>
+            </a:r>
+            <a:br/>
+            <a:r>
+              <a:t>logic, algorithms that are robust to noisy training data, and algorithms whose</a:t>
+            </a:r>
+            <a:br/>
+            <a:r>
+              <a:t>performance degrades gracefully if the target concept is not representable in the</a:t>
+            </a:r>
+            <a:br/>
+            <a:r>
+              <a:t>hypothesis space considered by the learner.</a:t>
+            </a:r>
+            <a:br/>
+          </a:p>
+        </p:txBody>
+      </p:sp>
+    </p:spTree>
+  </p:cSld>
+  <p:clrMapOvr>
+    <a:masterClrMapping/>
+  </p:clrMapOvr>
+</p:sld>
+</file>
+
+<file path=ppt/slides/slide52.xml><?xml version="1.0" encoding="utf-8"?>
+<p:sld xmlns:a="http://schemas.openxmlformats.org/drawingml/2006/main" xmlns:p="http://schemas.openxmlformats.org/presentationml/2006/main" xmlns:r="http://schemas.openxmlformats.org/officeDocument/2006/relationships">
+  <p:cSld>
+    <p:spTree>
+      <p:nvGrpSpPr>
+        <p:cNvPr id="1" name=""/>
+        <p:cNvGrpSpPr/>
+        <p:nvPr/>
+      </p:nvGrpSpPr>
+      <p:grpSpPr/>
+      <p:sp>
+        <p:nvSpPr>
+          <p:cNvPr id="2" name="Title 1"/>
+          <p:cNvSpPr>
+            <a:spLocks noGrp="1"/>
+          </p:cNvSpPr>
+          <p:nvPr>
+            <p:ph type="title"/>
+          </p:nvPr>
+        </p:nvSpPr>
+        <p:spPr/>
+        <p:txBody>
+          <a:bodyPr/>
+          <a:lstStyle/>
+          <a:p/>
+        </p:txBody>
+      </p:sp>
+      <p:sp>
+        <p:nvSpPr>
+          <p:cNvPr id="3" name="TextBox 2"/>
+          <p:cNvSpPr txBox="1"/>
+          <p:nvPr/>
+        </p:nvSpPr>
+        <p:spPr>
+          <a:xfrm>
+            <a:off x="914400" y="914400"/>
+            <a:ext cx="7315200" cy="4572000"/>
+          </a:xfrm>
+          <a:prstGeom prst="rect">
+            <a:avLst/>
+          </a:prstGeom>
+          <a:noFill/>
+        </p:spPr>
+        <p:txBody>
+          <a:bodyPr wrap="none">
+            <a:spAutoFit/>
+          </a:bodyPr>
+          <a:lstStyle/>
+          <a:p/>
+          <a:p>
+            <a:r>
+              <a:t>2.2. Give the sequence of S and G boundary sets computed by the CANDIDATE-ELIMINA-</a:t>
+            </a:r>
+            <a:br/>
+            <a:r>
+              <a:t>TION algorithm if it is given the sequence of training examples from Table 2.1 in</a:t>
+            </a:r>
+            <a:br/>
+            <a:r>
+              <a:t>reverse order.</a:t>
+            </a:r>
+          </a:p>
+          <a:p>
+            <a:r>
+              <a:t>Trace the CANDIDATE-ELIMINATaIlOgoNri thm for the hypothesis space H' given the</a:t>
+            </a:r>
+            <a:br/>
+            <a:r>
+              <a:t>sequence of training examples from Table 2.1 (i.e., show the sequence of S and G</a:t>
+            </a:r>
+            <a:br/>
+            <a:r>
+              <a:t>boundary sets.)</a:t>
+            </a:r>
+            <a:br/>
+            <a:r>
+              <a:t>2.4.</a:t>
+            </a:r>
+          </a:p>
+          <a:p>
+            <a:r>
+              <a:t>What is the smallest number of training examples</a:t>
+            </a:r>
+            <a:br/>
+            <a:r>
+              <a:t>you can provide so that the CANDIDATE-ELIMINATaIlOgoNr ithm will perfectly</a:t>
+            </a:r>
+            <a:br/>
+            <a:r>
+              <a:t>learn the target concept?</a:t>
+            </a:r>
+            <a:br/>
+            <a:r>
+              <a:t>2.5.</a:t>
+            </a:r>
+          </a:p>
+        </p:txBody>
+      </p:sp>
+    </p:spTree>
+  </p:cSld>
+  <p:clrMapOvr>
+    <a:masterClrMapping/>
+  </p:clrMapOvr>
+</p:sld>
+</file>
+
+<file path=ppt/slides/slide53.xml><?xml version="1.0" encoding="utf-8"?>
+<p:sld xmlns:a="http://schemas.openxmlformats.org/drawingml/2006/main" xmlns:p="http://schemas.openxmlformats.org/presentationml/2006/main" xmlns:r="http://schemas.openxmlformats.org/officeDocument/2006/relationships">
+  <p:cSld>
+    <p:spTree>
+      <p:nvGrpSpPr>
+        <p:cNvPr id="1" name=""/>
+        <p:cNvGrpSpPr/>
+        <p:nvPr/>
+      </p:nvGrpSpPr>
+      <p:grpSpPr/>
+      <p:sp>
+        <p:nvSpPr>
+          <p:cNvPr id="2" name="Title 1"/>
+          <p:cNvSpPr>
+            <a:spLocks noGrp="1"/>
+          </p:cNvSpPr>
+          <p:nvPr>
+            <p:ph type="title"/>
+          </p:nvPr>
+        </p:nvSpPr>
+        <p:spPr/>
+        <p:txBody>
+          <a:bodyPr/>
+          <a:lstStyle/>
+          <a:p/>
+        </p:txBody>
+      </p:sp>
+      <p:sp>
+        <p:nvSpPr>
+          <p:cNvPr id="3" name="TextBox 2"/>
+          <p:cNvSpPr txBox="1"/>
+          <p:nvPr/>
+        </p:nvSpPr>
+        <p:spPr>
+          <a:xfrm>
+            <a:off x="914400" y="914400"/>
+            <a:ext cx="7315200" cy="4572000"/>
+          </a:xfrm>
+          <a:prstGeom prst="rect">
+            <a:avLst/>
+          </a:prstGeom>
+          <a:noFill/>
+        </p:spPr>
+        <p:txBody>
+          <a:bodyPr wrap="none">
+            <a:spAutoFit/>
+          </a:bodyPr>
+          <a:lstStyle/>
+          <a:p/>
+          <a:p>
+            <a:r>
+              <a:t>(a) Provide a hand trace of the CANDIDATE-ELIMINATIaOlgNo rithm learning from</a:t>
+            </a:r>
+            <a:br/>
+            <a:r>
+              <a:t>the above training examples and hypothesis language.</a:t>
+            </a:r>
+          </a:p>
+          <a:p>
+            <a:r>
+              <a:t>Explain</a:t>
+            </a:r>
+            <a:br/>
+            <a:r>
+              <a:t>informally why there cannot be a maximally specific consistent hypothesis for any</a:t>
+            </a:r>
+            <a:br/>
+            <a:r>
+              <a:t>set of positive training examples.</a:t>
+            </a:r>
+          </a:p>
+        </p:txBody>
+      </p:sp>
+    </p:spTree>
+  </p:cSld>
+  <p:clrMapOvr>
+    <a:masterClrMapping/>
+  </p:clrMapOvr>
+</p:sld>
+</file>
+
+<file path=ppt/slides/slide54.xml><?xml version="1.0" encoding="utf-8"?>
+<p:sld xmlns:a="http://schemas.openxmlformats.org/drawingml/2006/main" xmlns:p="http://schemas.openxmlformats.org/presentationml/2006/main" xmlns:r="http://schemas.openxmlformats.org/officeDocument/2006/relationships">
+  <p:cSld>
+    <p:spTree>
+      <p:nvGrpSpPr>
+        <p:cNvPr id="1" name=""/>
+        <p:cNvGrpSpPr/>
+        <p:nvPr/>
+      </p:nvGrpSpPr>
+      <p:grpSpPr/>
+      <p:sp>
+        <p:nvSpPr>
+          <p:cNvPr id="2" name="Title 1"/>
+          <p:cNvSpPr>
+            <a:spLocks noGrp="1"/>
+          </p:cNvSpPr>
+          <p:nvPr>
+            <p:ph type="title"/>
+          </p:nvPr>
+        </p:nvSpPr>
+        <p:spPr/>
+        <p:txBody>
+          <a:bodyPr/>
+          <a:lstStyle/>
+          <a:p/>
+        </p:txBody>
+      </p:sp>
+      <p:sp>
+        <p:nvSpPr>
+          <p:cNvPr id="3" name="TextBox 2"/>
+          <p:cNvSpPr txBox="1"/>
+          <p:nvPr/>
+        </p:nvSpPr>
+        <p:spPr>
+          <a:xfrm>
+            <a:off x="914400" y="914400"/>
+            <a:ext cx="7315200" cy="4572000"/>
+          </a:xfrm>
+          <a:prstGeom prst="rect">
+            <a:avLst/>
+          </a:prstGeom>
+          <a:noFill/>
+        </p:spPr>
+        <p:txBody>
+          <a:bodyPr wrap="none">
+            <a:spAutoFit/>
+          </a:bodyPr>
+          <a:lstStyle/>
+          <a:p/>
+          <a:p>
+            <a:r>
+              <a:t>In this chapter, we commented that given an unbiased hypothesis space (the power</a:t>
+            </a:r>
+            <a:br/>
+            <a:r>
+              <a:t>set of the instances), the learner would find that each unobserved instance would</a:t>
+            </a:r>
+            <a:br/>
+            <a:r>
+              <a:t>match exactly half the current members of the version space, regardless of which</a:t>
+            </a:r>
+            <a:br/>
+            <a:r>
+              <a:t>training examples had been observed.</a:t>
+            </a:r>
+          </a:p>
+          <a:p>
+            <a:r>
+              <a:t>For example, a typical hypothesis would be</a:t>
+            </a:r>
+            <a:br/>
+            <a:r>
+              <a:t>Propose an algorithm that accepts a sequence of training examples and outputs</a:t>
+            </a:r>
+            <a:br/>
+            <a:r>
+              <a:t>a consistent hypothesis if one exists.</a:t>
+            </a:r>
+          </a:p>
+          <a:p>
+            <a:r>
+              <a:t>Your algorithm should run in time that is</a:t>
+            </a:r>
+            <a:br/>
+            <a:r>
+              <a:t>polynomial in n and in the number of training examples.</a:t>
+            </a:r>
+            <a:br/>
+          </a:p>
+        </p:txBody>
+      </p:sp>
+    </p:spTree>
+  </p:cSld>
+  <p:clrMapOvr>
+    <a:masterClrMapping/>
+  </p:clrMapOvr>
+</p:sld>
+</file>
+
+<file path=ppt/slides/slide55.xml><?xml version="1.0" encoding="utf-8"?>
+<p:sld xmlns:a="http://schemas.openxmlformats.org/drawingml/2006/main" xmlns:p="http://schemas.openxmlformats.org/presentationml/2006/main" xmlns:r="http://schemas.openxmlformats.org/officeDocument/2006/relationships">
+  <p:cSld>
+    <p:spTree>
+      <p:nvGrpSpPr>
+        <p:cNvPr id="1" name=""/>
+        <p:cNvGrpSpPr/>
+        <p:nvPr/>
+      </p:nvGrpSpPr>
+      <p:grpSpPr/>
+      <p:sp>
+        <p:nvSpPr>
+          <p:cNvPr id="2" name="Title 1"/>
+          <p:cNvSpPr>
+            <a:spLocks noGrp="1"/>
+          </p:cNvSpPr>
+          <p:nvPr>
+            <p:ph type="title"/>
+          </p:nvPr>
+        </p:nvSpPr>
+        <p:spPr/>
+        <p:txBody>
+          <a:bodyPr/>
+          <a:lstStyle/>
+          <a:p/>
+        </p:txBody>
+      </p:sp>
+      <p:sp>
+        <p:nvSpPr>
+          <p:cNvPr id="3" name="TextBox 2"/>
+          <p:cNvSpPr txBox="1"/>
+          <p:nvPr/>
+        </p:nvSpPr>
+        <p:spPr>
+          <a:xfrm>
+            <a:off x="914400" y="914400"/>
+            <a:ext cx="7315200" cy="4572000"/>
+          </a:xfrm>
+          <a:prstGeom prst="rect">
+            <a:avLst/>
+          </a:prstGeom>
+          <a:noFill/>
+        </p:spPr>
+        <p:txBody>
+          <a:bodyPr wrap="none">
+            <a:spAutoFit/>
+          </a:bodyPr>
+          <a:lstStyle/>
+          <a:p/>
+          <a:p>
+            <a:r>
+              <a:t>Elec-</a:t>
+            </a:r>
+            <a:br/>
+            <a:r>
+              <a:t>trical Engineering Dept., Stanford University, Stanford, CA.</a:t>
+            </a:r>
+            <a:br/>
+          </a:p>
+          <a:p>
+            <a:r>
+              <a:t>Proceedings of the 1st International Joint</a:t>
+            </a:r>
+            <a:br/>
+            <a:r>
+              <a:t>Conference on Pattern Recognition (pp. 3-17).</a:t>
+            </a:r>
+            <a:br/>
+          </a:p>
+          <a:p>
+            <a:r>
+              <a:t>In Michalski, Carbonell, &amp; Mitchell (Eds.), Machine</a:t>
+            </a:r>
+            <a:br/>
+            <a:r>
+              <a:t>Learning (Vol. 1, pp. 163-190).</a:t>
+            </a:r>
+          </a:p>
+        </p:txBody>
+      </p:sp>
+    </p:spTree>
+  </p:cSld>
+  <p:clrMapOvr>
+    <a:masterClrMapping/>
+  </p:clrMapOvr>
+</p:sld>
+</file>
+
+<file path=ppt/slides/slide56.xml><?xml version="1.0" encoding="utf-8"?>
+<p:sld xmlns:a="http://schemas.openxmlformats.org/drawingml/2006/main" xmlns:p="http://schemas.openxmlformats.org/presentationml/2006/main" xmlns:r="http://schemas.openxmlformats.org/officeDocument/2006/relationships">
+  <p:cSld>
+    <p:spTree>
+      <p:nvGrpSpPr>
+        <p:cNvPr id="1" name=""/>
+        <p:cNvGrpSpPr/>
+        <p:nvPr/>
+      </p:nvGrpSpPr>
+      <p:grpSpPr/>
+      <p:sp>
+        <p:nvSpPr>
+          <p:cNvPr id="2" name="Title 1"/>
+          <p:cNvSpPr>
+            <a:spLocks noGrp="1"/>
+          </p:cNvSpPr>
+          <p:nvPr>
+            <p:ph type="title"/>
+          </p:nvPr>
+        </p:nvSpPr>
+        <p:spPr/>
+        <p:txBody>
+          <a:bodyPr/>
+          <a:lstStyle/>
+          <a:p/>
+        </p:txBody>
+      </p:sp>
+      <p:sp>
+        <p:nvSpPr>
+          <p:cNvPr id="3" name="TextBox 2"/>
+          <p:cNvSpPr txBox="1"/>
+          <p:nvPr/>
+        </p:nvSpPr>
+        <p:spPr>
+          <a:xfrm>
+            <a:off x="914400" y="914400"/>
+            <a:ext cx="7315200" cy="4572000"/>
+          </a:xfrm>
+          <a:prstGeom prst="rect">
+            <a:avLst/>
+          </a:prstGeom>
+          <a:noFill/>
+        </p:spPr>
+        <p:txBody>
+          <a:bodyPr wrap="none">
+            <a:spAutoFit/>
+          </a:bodyPr>
+          <a:lstStyle/>
+          <a:p/>
+          <a:p>
+            <a:r>
+              <a:t>CHAPTER</a:t>
+            </a:r>
+            <a:br/>
+            <a:r>
+              <a:t>DECISION TREE</a:t>
+            </a:r>
+            <a:br/>
+            <a:r>
+              <a:t>LEARNING</a:t>
+            </a:r>
+            <a:br/>
+            <a:r>
+              <a:t>Decision tree learning is one of the most widely used and practical methods for</a:t>
+            </a:r>
+            <a:br/>
+            <a:r>
+              <a:t>inductive inference.</a:t>
+            </a:r>
+          </a:p>
+          <a:p>
+            <a:r>
+              <a:t>It is a method for approximating discrete-valued functions that</a:t>
+            </a:r>
+            <a:br/>
+            <a:r>
+              <a:t>is robust to noisy data and capable of learning disjunctive expressions.</a:t>
+            </a:r>
+          </a:p>
+        </p:txBody>
+      </p:sp>
+    </p:spTree>
+  </p:cSld>
+  <p:clrMapOvr>
+    <a:masterClrMapping/>
+  </p:clrMapOvr>
+</p:sld>
+</file>
+
+<file path=ppt/slides/slide57.xml><?xml version="1.0" encoding="utf-8"?>
+<p:sld xmlns:a="http://schemas.openxmlformats.org/drawingml/2006/main" xmlns:p="http://schemas.openxmlformats.org/presentationml/2006/main" xmlns:r="http://schemas.openxmlformats.org/officeDocument/2006/relationships">
+  <p:cSld>
+    <p:spTree>
+      <p:nvGrpSpPr>
+        <p:cNvPr id="1" name=""/>
+        <p:cNvGrpSpPr/>
+        <p:nvPr/>
+      </p:nvGrpSpPr>
+      <p:grpSpPr/>
+      <p:sp>
+        <p:nvSpPr>
+          <p:cNvPr id="2" name="Title 1"/>
+          <p:cNvSpPr>
+            <a:spLocks noGrp="1"/>
+          </p:cNvSpPr>
+          <p:nvPr>
+            <p:ph type="title"/>
+          </p:nvPr>
+        </p:nvSpPr>
+        <p:spPr/>
+        <p:txBody>
+          <a:bodyPr/>
+          <a:lstStyle/>
+          <a:p/>
+        </p:txBody>
+      </p:sp>
+      <p:sp>
+        <p:nvSpPr>
+          <p:cNvPr id="3" name="TextBox 2"/>
+          <p:cNvSpPr txBox="1"/>
+          <p:nvPr/>
+        </p:nvSpPr>
+        <p:spPr>
+          <a:xfrm>
+            <a:off x="914400" y="914400"/>
+            <a:ext cx="7315200" cy="4572000"/>
+          </a:xfrm>
+          <a:prstGeom prst="rect">
+            <a:avLst/>
+          </a:prstGeom>
+          <a:noFill/>
+        </p:spPr>
+        <p:txBody>
+          <a:bodyPr wrap="none">
+            <a:spAutoFit/>
+          </a:bodyPr>
+          <a:lstStyle/>
+          <a:p/>
+          <a:p>
+            <a:r>
+              <a:t>In general, decision trees represent a disjunction of conjunctions of con-</a:t>
+            </a:r>
+            <a:br/>
+            <a:r>
+              <a:t>straints on the attribute values of instances.</a:t>
+            </a:r>
+          </a:p>
+          <a:p>
+            <a:r>
+              <a:t>CHAPTER 3 DECISION TREE LEARNING 53</a:t>
+            </a:r>
+            <a:br/>
+            <a:r>
+              <a:t>Noma1 Strong Weak</a:t>
+            </a:r>
+            <a:br/>
+            <a:r>
+              <a:t>\ /</a:t>
+            </a:r>
+          </a:p>
+          <a:p>
+            <a:r>
+              <a:t>\</a:t>
+            </a:r>
+            <a:br/>
+          </a:p>
+        </p:txBody>
+      </p:sp>
+    </p:spTree>
+  </p:cSld>
+  <p:clrMapOvr>
+    <a:masterClrMapping/>
+  </p:clrMapOvr>
+</p:sld>
+</file>
+
+<file path=ppt/slides/slide58.xml><?xml version="1.0" encoding="utf-8"?>
+<p:sld xmlns:a="http://schemas.openxmlformats.org/drawingml/2006/main" xmlns:p="http://schemas.openxmlformats.org/presentationml/2006/main" xmlns:r="http://schemas.openxmlformats.org/officeDocument/2006/relationships">
+  <p:cSld>
+    <p:spTree>
+      <p:nvGrpSpPr>
+        <p:cNvPr id="1" name=""/>
+        <p:cNvGrpSpPr/>
+        <p:nvPr/>
+      </p:nvGrpSpPr>
+      <p:grpSpPr/>
+      <p:sp>
+        <p:nvSpPr>
+          <p:cNvPr id="2" name="Title 1"/>
+          <p:cNvSpPr>
+            <a:spLocks noGrp="1"/>
+          </p:cNvSpPr>
+          <p:nvPr>
+            <p:ph type="title"/>
+          </p:nvPr>
+        </p:nvSpPr>
+        <p:spPr/>
+        <p:txBody>
+          <a:bodyPr/>
+          <a:lstStyle/>
+          <a:p/>
+        </p:txBody>
+      </p:sp>
+      <p:sp>
+        <p:nvSpPr>
+          <p:cNvPr id="3" name="TextBox 2"/>
+          <p:cNvSpPr txBox="1"/>
+          <p:nvPr/>
+        </p:nvSpPr>
+        <p:spPr>
+          <a:xfrm>
+            <a:off x="914400" y="914400"/>
+            <a:ext cx="7315200" cy="4572000"/>
+          </a:xfrm>
+          <a:prstGeom prst="rect">
+            <a:avLst/>
+          </a:prstGeom>
+          <a:noFill/>
+        </p:spPr>
+        <p:txBody>
+          <a:bodyPr wrap="none">
+            <a:spAutoFit/>
+          </a:bodyPr>
+          <a:lstStyle/>
+          <a:p/>
+          <a:p>
+            <a:r>
+              <a:t>The training data may contain missing attribute values.</a:t>
+            </a:r>
+          </a:p>
+          <a:p>
+            <a:r>
+              <a:t>The</a:t>
+            </a:r>
+            <a:br/>
+            <a:r>
+              <a:t>easiest situation for decision tree learning is when each attribute takes on a</a:t>
+            </a:r>
+            <a:br/>
+            <a:r>
+              <a:t>small number of disjoint possible values (e.g., Hot, Mild, Cold).</a:t>
+            </a:r>
+          </a:p>
+          <a:p>
+            <a:r>
+              <a:t>54 MACHINE LEARNWG</a:t>
+            </a:r>
+            <a:br/>
+            <a:r>
+              <a:t>3.3 APPROPRIATE PROBLEMS FOR DECISION TREE LEARNING</a:t>
+            </a:r>
+            <a:br/>
+          </a:p>
+        </p:txBody>
+      </p:sp>
+    </p:spTree>
+  </p:cSld>
+  <p:clrMapOvr>
+    <a:masterClrMapping/>
+  </p:clrMapOvr>
+</p:sld>
+</file>
+
+<file path=ppt/slides/slide59.xml><?xml version="1.0" encoding="utf-8"?>
+<p:sld xmlns:a="http://schemas.openxmlformats.org/drawingml/2006/main" xmlns:p="http://schemas.openxmlformats.org/presentationml/2006/main" xmlns:r="http://schemas.openxmlformats.org/officeDocument/2006/relationships">
+  <p:cSld>
+    <p:spTree>
+      <p:nvGrpSpPr>
+        <p:cNvPr id="1" name=""/>
+        <p:cNvGrpSpPr/>
+        <p:nvPr/>
+      </p:nvGrpSpPr>
+      <p:grpSpPr/>
+      <p:sp>
+        <p:nvSpPr>
+          <p:cNvPr id="2" name="Title 1"/>
+          <p:cNvSpPr>
+            <a:spLocks noGrp="1"/>
+          </p:cNvSpPr>
+          <p:nvPr>
+            <p:ph type="title"/>
+          </p:nvPr>
+        </p:nvSpPr>
+        <p:spPr/>
+        <p:txBody>
+          <a:bodyPr/>
+          <a:lstStyle/>
+          <a:p/>
+        </p:txBody>
+      </p:sp>
+      <p:sp>
+        <p:nvSpPr>
+          <p:cNvPr id="3" name="TextBox 2"/>
+          <p:cNvSpPr txBox="1"/>
+          <p:nvPr/>
+        </p:nvSpPr>
+        <p:spPr>
+          <a:xfrm>
+            <a:off x="914400" y="914400"/>
+            <a:ext cx="7315200" cy="4572000"/>
+          </a:xfrm>
+          <a:prstGeom prst="rect">
+            <a:avLst/>
+          </a:prstGeom>
+          <a:noFill/>
+        </p:spPr>
+        <p:txBody>
+          <a:bodyPr wrap="none">
+            <a:spAutoFit/>
+          </a:bodyPr>
+          <a:lstStyle/>
+          <a:p/>
+          <a:p>
+            <a:r>
+              <a:t>CHAPTER 3 DECISION TREE LEARMNG 55</a:t>
+            </a:r>
+            <a:br/>
+            <a:r>
+              <a:t>3.4 THE BASIC DECISION TREE LEARNING ALGORITHM</a:t>
+            </a:r>
+            <a:br/>
+            <a:r>
+              <a:t>Most algorithms that have been developed for learning decision trees are vari-</a:t>
+            </a:r>
+            <a:br/>
+            <a:r>
+              <a:t>ations on a core algorithm that employs a top-down, greedy search through the</a:t>
+            </a:r>
+            <a:br/>
+            <a:r>
+              <a:t>space of possible decision trees.</a:t>
+            </a:r>
+          </a:p>
+          <a:p>
+            <a:r>
+              <a:t>Our basic algorithm, ID3, learns decision trees by constructing them top-</a:t>
+            </a:r>
+            <a:br/>
+            <a:r>
+              <a:t>down, beginning with the question "which attribute should be tested at the root</a:t>
+            </a:r>
+            <a:br/>
+            <a:r>
+              <a:t>of the tree?'To answer this question, each instance attribute is evaluated using</a:t>
+            </a:r>
+            <a:br/>
+            <a:r>
+              <a:t>a statistical test to determine how well it alone classifies the training examples.</a:t>
+            </a:r>
+            <a:br/>
+          </a:p>
+        </p:txBody>
+      </p:sp>
+    </p:spTree>
+  </p:cSld>
+  <p:clrMapOvr>
+    <a:masterClrMapping/>
+  </p:clrMapOvr>
+</p:sld>
+</file>
+
+<file path=ppt/slides/slide6.xml><?xml version="1.0" encoding="utf-8"?>
+<p:sld xmlns:a="http://schemas.openxmlformats.org/drawingml/2006/main" xmlns:p="http://schemas.openxmlformats.org/presentationml/2006/main" xmlns:r="http://schemas.openxmlformats.org/officeDocument/2006/relationships">
+  <p:cSld>
+    <p:spTree>
+      <p:nvGrpSpPr>
+        <p:cNvPr id="1" name=""/>
+        <p:cNvGrpSpPr/>
+        <p:nvPr/>
+      </p:nvGrpSpPr>
+      <p:grpSpPr/>
+      <p:sp>
+        <p:nvSpPr>
+          <p:cNvPr id="2" name="Title 1"/>
+          <p:cNvSpPr>
+            <a:spLocks noGrp="1"/>
+          </p:cNvSpPr>
+          <p:nvPr>
+            <p:ph type="title"/>
+          </p:nvPr>
+        </p:nvSpPr>
+        <p:spPr/>
+        <p:txBody>
+          <a:bodyPr/>
+          <a:lstStyle/>
+          <a:p/>
+        </p:txBody>
+      </p:sp>
+      <p:sp>
+        <p:nvSpPr>
+          <p:cNvPr id="3" name="TextBox 2"/>
+          <p:cNvSpPr txBox="1"/>
+          <p:nvPr/>
+        </p:nvSpPr>
+        <p:spPr>
+          <a:xfrm>
+            <a:off x="914400" y="914400"/>
+            <a:ext cx="7315200" cy="4572000"/>
+          </a:xfrm>
+          <a:prstGeom prst="rect">
+            <a:avLst/>
+          </a:prstGeom>
+          <a:noFill/>
+        </p:spPr>
+        <p:txBody>
+          <a:bodyPr wrap="none">
+            <a:spAutoFit/>
+          </a:bodyPr>
+          <a:lstStyle/>
+          <a:p/>
+          <a:p>
+            <a:r>
+              <a:t>2 MACHINE LEARNING</a:t>
+            </a:r>
+            <a:br/>
+            <a:r>
+              <a:t>seems inevitable that machine learning will play an increasingly central role in</a:t>
+            </a:r>
+            <a:br/>
+            <a:r>
+              <a:t>computer science and computer technology.</a:t>
+            </a:r>
+            <a:br/>
+          </a:p>
+          <a:p>
+            <a:r>
+              <a:t>A few specific achievements provide a glimpse of the state of the art: pro-</a:t>
+            </a:r>
+            <a:br/>
+            <a:r>
+              <a:t>grams have been developed that successfully learn to recognize spoken words</a:t>
+            </a:r>
+            <a:br/>
+            <a:r>
+              <a:t>(Waibel 1989; Lee 1989), predict recovery rates of pneumonia patients (Cooper</a:t>
+            </a:r>
+            <a:br/>
+            <a:r>
+              <a:t>et al. 1997), detect fraudulent use of credit cards, drive autonomous vehicles</a:t>
+            </a:r>
+            <a:br/>
+            <a:r>
+              <a:t>on public highways (Pomerleau 1989), and play games such as backgammon at</a:t>
+            </a:r>
+            <a:br/>
+            <a:r>
+              <a:t>levels approaching the performance of human world champions (Tesauro 1992,</a:t>
+            </a:r>
+            <a:br/>
+            <a:r>
+              <a:t>1995).</a:t>
+            </a:r>
+          </a:p>
+          <a:p>
+            <a:r>
+              <a:t>Theoretical results have been developed that characterize the fundamental</a:t>
+            </a:r>
+            <a:br/>
+            <a:r>
+              <a:t>relationship among the number of training examples observed, the number of hy-</a:t>
+            </a:r>
+            <a:br/>
+            <a:r>
+              <a:t>potheses under consideration, and the expected error in learned hypotheses.</a:t>
+            </a:r>
+          </a:p>
+        </p:txBody>
+      </p:sp>
+    </p:spTree>
+  </p:cSld>
+  <p:clrMapOvr>
+    <a:masterClrMapping/>
+  </p:clrMapOvr>
+</p:sld>
+</file>
+
+<file path=ppt/slides/slide60.xml><?xml version="1.0" encoding="utf-8"?>
+<p:sld xmlns:a="http://schemas.openxmlformats.org/drawingml/2006/main" xmlns:p="http://schemas.openxmlformats.org/presentationml/2006/main" xmlns:r="http://schemas.openxmlformats.org/officeDocument/2006/relationships">
+  <p:cSld>
+    <p:spTree>
+      <p:nvGrpSpPr>
+        <p:cNvPr id="1" name=""/>
+        <p:cNvGrpSpPr/>
+        <p:nvPr/>
+      </p:nvGrpSpPr>
+      <p:grpSpPr/>
+      <p:sp>
+        <p:nvSpPr>
+          <p:cNvPr id="2" name="Title 1"/>
+          <p:cNvSpPr>
+            <a:spLocks noGrp="1"/>
+          </p:cNvSpPr>
+          <p:nvPr>
+            <p:ph type="title"/>
+          </p:nvPr>
+        </p:nvSpPr>
+        <p:spPr/>
+        <p:txBody>
+          <a:bodyPr/>
+          <a:lstStyle/>
+          <a:p/>
+        </p:txBody>
+      </p:sp>
+      <p:sp>
+        <p:nvSpPr>
+          <p:cNvPr id="3" name="TextBox 2"/>
+          <p:cNvSpPr txBox="1"/>
+          <p:nvPr/>
+        </p:nvSpPr>
+        <p:spPr>
+          <a:xfrm>
+            <a:off x="914400" y="914400"/>
+            <a:ext cx="7315200" cy="4572000"/>
+          </a:xfrm>
+          <a:prstGeom prst="rect">
+            <a:avLst/>
+          </a:prstGeom>
+          <a:noFill/>
+        </p:spPr>
+        <p:txBody>
+          <a:bodyPr wrap="none">
+            <a:spAutoFit/>
+          </a:bodyPr>
+          <a:lstStyle/>
+          <a:p/>
+          <a:p>
+            <a:r>
+              <a:t>This process continues until the tree perfectly classifies the training examples,</a:t>
+            </a:r>
+            <a:br/>
+            <a:r>
+              <a:t>or until all attributes have been used.</a:t>
+            </a:r>
+            <a:br/>
+            <a:r>
+              <a:t>where p, is the proportion of positive examples in S and p, is the proportion of</a:t>
+            </a:r>
+            <a:br/>
+            <a:r>
+              <a:t>negative examples in S.</a:t>
+            </a:r>
+          </a:p>
+          <a:p>
+            <a:r>
+              <a:t>Create a Root node for the tree</a:t>
+            </a:r>
+            <a:br/>
+            <a:r>
+              <a:t>If all Examples are positive, Return the single-node tree Root, with label = +</a:t>
+            </a:r>
+            <a:br/>
+            <a:r>
+              <a:t>If all Examples are negative, Return the single-node tree Root, with label = -</a:t>
+            </a:r>
+            <a:br/>
+            <a:r>
+              <a:t>If Attributes is empty, Return the single-node tree Root, with label = most common value of</a:t>
+            </a:r>
+            <a:br/>
+            <a:r>
+              <a:t>Targetattribute in Examples</a:t>
+            </a:r>
+            <a:br/>
+            <a:r>
+              <a:t>Otherwise Begin</a:t>
+            </a:r>
+            <a:br/>
+            <a:r>
+              <a:t>A t the attribute from Attributes that best* classifies Examples</a:t>
+            </a:r>
+            <a:br/>
+            <a:r>
+              <a:t>0</a:t>
+            </a:r>
+          </a:p>
+          <a:p>
+            <a:r>
+              <a:t>The decision attribute for Root c A</a:t>
+            </a:r>
+            <a:br/>
+            <a:r>
+              <a:t>For each possible value, vi, of A,</a:t>
+            </a:r>
+            <a:br/>
+            <a:r>
+              <a:t>Add a new tree branch below Root, corresponding to the test A = vi</a:t>
+            </a:r>
+            <a:br/>
+            <a:r>
+              <a:t>0 Let Examples,, be the subset of Examples that have value vi for A</a:t>
+            </a:r>
+            <a:br/>
+            <a:r>
+              <a:t>If Examples,, is empty</a:t>
+            </a:r>
+            <a:br/>
+            <a:r>
+              <a:t>Then below this new branch add a leaf node with label = most common</a:t>
+            </a:r>
+            <a:br/>
+            <a:r>
+              <a:t>value of Target attribute in Examples</a:t>
+            </a:r>
+            <a:br/>
+            <a:r>
+              <a:t>Else below this new branch add the subtree</a:t>
+            </a:r>
+            <a:br/>
+            <a:r>
+              <a:t>ID3(Examples,,, Targetattribute, Attributes - (A)))</a:t>
+            </a:r>
+            <a:br/>
+            <a:r>
+              <a:t>End</a:t>
+            </a:r>
+            <a:br/>
+            <a:r>
+              <a:t>Return Root</a:t>
+            </a:r>
+            <a:br/>
+            <a:r>
+              <a:t>*</a:t>
+            </a:r>
+          </a:p>
+        </p:txBody>
+      </p:sp>
+    </p:spTree>
+  </p:cSld>
+  <p:clrMapOvr>
+    <a:masterClrMapping/>
+  </p:clrMapOvr>
+</p:sld>
+</file>
+
+<file path=ppt/slides/slide61.xml><?xml version="1.0" encoding="utf-8"?>
+<p:sld xmlns:a="http://schemas.openxmlformats.org/drawingml/2006/main" xmlns:p="http://schemas.openxmlformats.org/presentationml/2006/main" xmlns:r="http://schemas.openxmlformats.org/officeDocument/2006/relationships">
+  <p:cSld>
+    <p:spTree>
+      <p:nvGrpSpPr>
+        <p:cNvPr id="1" name=""/>
+        <p:cNvGrpSpPr/>
+        <p:nvPr/>
+      </p:nvGrpSpPr>
+      <p:grpSpPr/>
+      <p:sp>
+        <p:nvSpPr>
+          <p:cNvPr id="2" name="Title 1"/>
+          <p:cNvSpPr>
+            <a:spLocks noGrp="1"/>
+          </p:cNvSpPr>
+          <p:nvPr>
+            <p:ph type="title"/>
+          </p:nvPr>
+        </p:nvSpPr>
+        <p:spPr/>
+        <p:txBody>
+          <a:bodyPr/>
+          <a:lstStyle/>
+          <a:p/>
+        </p:txBody>
+      </p:sp>
+      <p:sp>
+        <p:nvSpPr>
+          <p:cNvPr id="3" name="TextBox 2"/>
+          <p:cNvSpPr txBox="1"/>
+          <p:nvPr/>
+        </p:nvSpPr>
+        <p:spPr>
+          <a:xfrm>
+            <a:off x="914400" y="914400"/>
+            <a:ext cx="7315200" cy="4572000"/>
+          </a:xfrm>
+          <a:prstGeom prst="rect">
+            <a:avLst/>
+          </a:prstGeom>
+          <a:noFill/>
+        </p:spPr>
+        <p:txBody>
+          <a:bodyPr wrap="none">
+            <a:spAutoFit/>
+          </a:bodyPr>
+          <a:lstStyle/>
+          <a:p/>
+          <a:p>
+            <a:r>
+              <a:t>CHAPTER 3 DECISION TREE LEARNING 57</a:t>
+            </a:r>
+            <a:br/>
+            <a:r>
+              <a:t>FIGURE 3.2</a:t>
+            </a:r>
+            <a:br/>
+            <a:r>
+              <a:t>The entropy function relative to a boolean classification,</a:t>
+            </a:r>
+            <a:br/>
+            <a:r>
+              <a:t>0.0 0.5 LO as the proportion, pe, of positive examples varies</a:t>
+            </a:r>
+            <a:br/>
+            <a:r>
+              <a:t>pe between 0 and 1.</a:t>
+            </a:r>
+            <a:br/>
+          </a:p>
+          <a:p>
+            <a:r>
+              <a:t>entropy is between 0 and 1.</a:t>
+            </a:r>
+          </a:p>
+          <a:p>
+            <a:r>
+              <a:t>Figure 3.2 shows the form of the entropy function</a:t>
+            </a:r>
+            <a:br/>
+            <a:r>
+              <a:t>relative to a boolean classification, as p, varies between 0 and 1.</a:t>
+            </a:r>
+            <a:br/>
+          </a:p>
+        </p:txBody>
+      </p:sp>
+    </p:spTree>
+  </p:cSld>
+  <p:clrMapOvr>
+    <a:masterClrMapping/>
+  </p:clrMapOvr>
+</p:sld>
+</file>
+
+<file path=ppt/slides/slide62.xml><?xml version="1.0" encoding="utf-8"?>
+<p:sld xmlns:a="http://schemas.openxmlformats.org/drawingml/2006/main" xmlns:p="http://schemas.openxmlformats.org/presentationml/2006/main" xmlns:r="http://schemas.openxmlformats.org/officeDocument/2006/relationships">
+  <p:cSld>
+    <p:spTree>
+      <p:nvGrpSpPr>
+        <p:cNvPr id="1" name=""/>
+        <p:cNvGrpSpPr/>
+        <p:nvPr/>
+      </p:nvGrpSpPr>
+      <p:grpSpPr/>
+      <p:sp>
+        <p:nvSpPr>
+          <p:cNvPr id="2" name="Title 1"/>
+          <p:cNvSpPr>
+            <a:spLocks noGrp="1"/>
+          </p:cNvSpPr>
+          <p:nvPr>
+            <p:ph type="title"/>
+          </p:nvPr>
+        </p:nvSpPr>
+        <p:spPr/>
+        <p:txBody>
+          <a:bodyPr/>
+          <a:lstStyle/>
+          <a:p/>
+        </p:txBody>
+      </p:sp>
+      <p:sp>
+        <p:nvSpPr>
+          <p:cNvPr id="3" name="TextBox 2"/>
+          <p:cNvSpPr txBox="1"/>
+          <p:nvPr/>
+        </p:nvSpPr>
+        <p:spPr>
+          <a:xfrm>
+            <a:off x="914400" y="914400"/>
+            <a:ext cx="7315200" cy="4572000"/>
+          </a:xfrm>
+          <a:prstGeom prst="rect">
+            <a:avLst/>
+          </a:prstGeom>
+          <a:noFill/>
+        </p:spPr>
+        <p:txBody>
+          <a:bodyPr wrap="none">
+            <a:spAutoFit/>
+          </a:bodyPr>
+          <a:lstStyle/>
+          <a:p/>
+          <a:p>
+            <a:r>
+              <a:t>relative to a collection of examples S, is defined as</a:t>
+            </a:r>
+            <a:br/>
+            <a:r>
+              <a:t>ISVl</a:t>
+            </a:r>
+            <a:br/>
+            <a:r>
+              <a:t>Gain(S, A) I Entropy(S) - -Entropy (S,) (3.4)</a:t>
+            </a:r>
+            <a:br/>
+          </a:p>
+          <a:p>
+            <a:r>
+              <a:t>IS1</a:t>
+            </a:r>
+            <a:br/>
+            <a:r>
+              <a:t>veValues(A)</a:t>
+            </a:r>
+            <a:br/>
+          </a:p>
+          <a:p>
+            <a:r>
+              <a:t>where Values(A) is the set of all possible values for attribute A, and S, is the</a:t>
+            </a:r>
+            <a:br/>
+            <a:r>
+              <a:t>subset of S for which attribute A has value v (i.e., S, = {s E SIA(s) = v)).</a:t>
+            </a:r>
+          </a:p>
+        </p:txBody>
+      </p:sp>
+    </p:spTree>
+  </p:cSld>
+  <p:clrMapOvr>
+    <a:masterClrMapping/>
+  </p:clrMapOvr>
+</p:sld>
+</file>
+
+<file path=ppt/slides/slide63.xml><?xml version="1.0" encoding="utf-8"?>
+<p:sld xmlns:a="http://schemas.openxmlformats.org/drawingml/2006/main" xmlns:p="http://schemas.openxmlformats.org/presentationml/2006/main" xmlns:r="http://schemas.openxmlformats.org/officeDocument/2006/relationships">
+  <p:cSld>
+    <p:spTree>
+      <p:nvGrpSpPr>
+        <p:cNvPr id="1" name=""/>
+        <p:cNvGrpSpPr/>
+        <p:nvPr/>
+      </p:nvGrpSpPr>
+      <p:grpSpPr/>
+      <p:sp>
+        <p:nvSpPr>
+          <p:cNvPr id="2" name="Title 1"/>
+          <p:cNvSpPr>
+            <a:spLocks noGrp="1"/>
+          </p:cNvSpPr>
+          <p:nvPr>
+            <p:ph type="title"/>
+          </p:nvPr>
+        </p:nvSpPr>
+        <p:spPr/>
+        <p:txBody>
+          <a:bodyPr/>
+          <a:lstStyle/>
+          <a:p/>
+        </p:txBody>
+      </p:sp>
+      <p:sp>
+        <p:nvSpPr>
+          <p:cNvPr id="3" name="TextBox 2"/>
+          <p:cNvSpPr txBox="1"/>
+          <p:nvPr/>
+        </p:nvSpPr>
+        <p:spPr>
+          <a:xfrm>
+            <a:off x="914400" y="914400"/>
+            <a:ext cx="7315200" cy="4572000"/>
+          </a:xfrm>
+          <a:prstGeom prst="rect">
+            <a:avLst/>
+          </a:prstGeom>
+          <a:noFill/>
+        </p:spPr>
+        <p:txBody>
+          <a:bodyPr wrap="none">
+            <a:spAutoFit/>
+          </a:bodyPr>
+          <a:lstStyle/>
+          <a:p/>
+          <a:p>
+            <a:r>
+              <a:t>Weak Yes</a:t>
+            </a:r>
+            <a:br/>
+            <a:r>
+              <a:t>Dl4 Rain Mild High Strong</a:t>
+            </a:r>
+          </a:p>
+          <a:p>
+            <a:r>
+              <a:t>wx</a:t>
+            </a:r>
+            <a:br/>
+            <a:r>
+              <a:t>CHAPTER 3 DECISION TREE LEARNING 59</a:t>
+            </a:r>
+            <a:br/>
+            <a:r>
+              <a:t>Which attribute is the best classifier?</a:t>
+            </a:r>
+            <a:br/>
+            <a:r>
+              <a:t>S:</a:t>
+            </a:r>
+          </a:p>
+        </p:txBody>
+      </p:sp>
+    </p:spTree>
+  </p:cSld>
+  <p:clrMapOvr>
+    <a:masterClrMapping/>
+  </p:clrMapOvr>
+</p:sld>
+</file>
+
+<file path=ppt/slides/slide7.xml><?xml version="1.0" encoding="utf-8"?>
+<p:sld xmlns:a="http://schemas.openxmlformats.org/drawingml/2006/main" xmlns:p="http://schemas.openxmlformats.org/presentationml/2006/main" xmlns:r="http://schemas.openxmlformats.org/officeDocument/2006/relationships">
+  <p:cSld>
+    <p:spTree>
+      <p:nvGrpSpPr>
+        <p:cNvPr id="1" name=""/>
+        <p:cNvGrpSpPr/>
+        <p:nvPr/>
+      </p:nvGrpSpPr>
+      <p:grpSpPr/>
+      <p:sp>
+        <p:nvSpPr>
+          <p:cNvPr id="2" name="Title 1"/>
+          <p:cNvSpPr>
+            <a:spLocks noGrp="1"/>
+          </p:cNvSpPr>
+          <p:nvPr>
+            <p:ph type="title"/>
+          </p:nvPr>
+        </p:nvSpPr>
+        <p:spPr/>
+        <p:txBody>
+          <a:bodyPr/>
+          <a:lstStyle/>
+          <a:p/>
+        </p:txBody>
+      </p:sp>
+      <p:sp>
+        <p:nvSpPr>
+          <p:cNvPr id="3" name="TextBox 2"/>
+          <p:cNvSpPr txBox="1"/>
+          <p:nvPr/>
+        </p:nvSpPr>
+        <p:spPr>
+          <a:xfrm>
+            <a:off x="914400" y="914400"/>
+            <a:ext cx="7315200" cy="4572000"/>
+          </a:xfrm>
+          <a:prstGeom prst="rect">
+            <a:avLst/>
+          </a:prstGeom>
+          <a:noFill/>
+        </p:spPr>
+        <p:txBody>
+          <a:bodyPr wrap="none">
+            <a:spAutoFit/>
+          </a:bodyPr>
+          <a:lstStyle/>
+          <a:p/>
+          <a:p>
+            <a:r>
+              <a:t>3</a:t>
+            </a:r>
+            <a:br/>
+            <a:r>
+              <a:t>CHAPTER 1 INTRODUCITON</a:t>
+            </a:r>
+            <a:br/>
+            <a:r>
+              <a:t>Learning to recognize spoken words.</a:t>
+            </a:r>
+            <a:br/>
+          </a:p>
+          <a:p>
+            <a:r>
+              <a:t>0</a:t>
+            </a:r>
+            <a:br/>
+            <a:r>
+              <a:t>All of the most successful speech recognition systems employ machine learning in some form.</a:t>
+            </a:r>
+            <a:br/>
+          </a:p>
+          <a:p>
+            <a:r>
+              <a:t>For example, the SPHINXsy stem (e.g., Lee 1989) learns speaker-specific strategies for recognizing</a:t>
+            </a:r>
+            <a:br/>
+            <a:r>
+              <a:t>the primitive sounds (phonemes) and words from the observed speech signal.</a:t>
+            </a:r>
+          </a:p>
+        </p:txBody>
+      </p:sp>
+    </p:spTree>
+  </p:cSld>
+  <p:clrMapOvr>
+    <a:masterClrMapping/>
+  </p:clrMapOvr>
+</p:sld>
+</file>
+
+<file path=ppt/slides/slide8.xml><?xml version="1.0" encoding="utf-8"?>
+<p:sld xmlns:a="http://schemas.openxmlformats.org/drawingml/2006/main" xmlns:p="http://schemas.openxmlformats.org/presentationml/2006/main" xmlns:r="http://schemas.openxmlformats.org/officeDocument/2006/relationships">
+  <p:cSld>
+    <p:spTree>
+      <p:nvGrpSpPr>
+        <p:cNvPr id="1" name=""/>
+        <p:cNvGrpSpPr/>
+        <p:nvPr/>
+      </p:nvGrpSpPr>
+      <p:grpSpPr/>
+      <p:sp>
+        <p:nvSpPr>
+          <p:cNvPr id="2" name="Title 1"/>
+          <p:cNvSpPr>
+            <a:spLocks noGrp="1"/>
+          </p:cNvSpPr>
+          <p:nvPr>
+            <p:ph type="title"/>
+          </p:nvPr>
+        </p:nvSpPr>
+        <p:spPr/>
+        <p:txBody>
+          <a:bodyPr/>
+          <a:lstStyle/>
+          <a:p/>
+        </p:txBody>
+      </p:sp>
+      <p:sp>
+        <p:nvSpPr>
+          <p:cNvPr id="3" name="TextBox 2"/>
+          <p:cNvSpPr txBox="1"/>
+          <p:nvPr/>
+        </p:nvSpPr>
+        <p:spPr>
+          <a:xfrm>
+            <a:off x="914400" y="914400"/>
+            <a:ext cx="7315200" cy="4572000"/>
+          </a:xfrm>
+          <a:prstGeom prst="rect">
+            <a:avLst/>
+          </a:prstGeom>
+          <a:noFill/>
+        </p:spPr>
+        <p:txBody>
+          <a:bodyPr wrap="none">
+            <a:spAutoFit/>
+          </a:bodyPr>
+          <a:lstStyle/>
+          <a:p/>
+          <a:p>
+            <a:r>
+              <a:t>Training experience E: a database of handwritten words with given classi-</a:t>
+            </a:r>
+            <a:br/>
+            <a:r>
+              <a:t>0</a:t>
+            </a:r>
+            <a:br/>
+            <a:r>
+              <a:t>fications</a:t>
+            </a:r>
+            <a:br/>
+            <a:r>
+              <a:t>A robot driving learning problem:</a:t>
+            </a:r>
+            <a:br/>
+            <a:r>
+              <a:t>Task T: driving on public four-lane highways using vision sensors</a:t>
+            </a:r>
+            <a:br/>
+            <a:r>
+              <a:t>0</a:t>
+            </a:r>
+            <a:br/>
+            <a:r>
+              <a:t>Performance measure P: average distance traveled before an error (as judged</a:t>
+            </a:r>
+            <a:br/>
+            <a:r>
+              <a:t>0</a:t>
+            </a:r>
+            <a:br/>
+            <a:r>
+              <a:t>by human overseer)</a:t>
+            </a:r>
+            <a:br/>
+            <a:r>
+              <a:t>Training experience E: a sequence of images and steering commands record-</a:t>
+            </a:r>
+            <a:br/>
+            <a:r>
+              <a:t>0</a:t>
+            </a:r>
+            <a:br/>
+            <a:r>
+              <a:t>ed while observing a human driver</a:t>
+            </a:r>
+            <a:br/>
+            <a:r>
+              <a:t>Our definition of learning is broad enough to include most tasks that we</a:t>
+            </a:r>
+            <a:br/>
+            <a:r>
+              <a:t>would conventionally call "learning" tasks, as we use the word in everyday lan-</a:t>
+            </a:r>
+            <a:br/>
+            <a:r>
+              <a:t>guage.</a:t>
+            </a:r>
+          </a:p>
+          <a:p>
+            <a:r>
+              <a:t>Using prior knowledge together with training data</a:t>
+            </a:r>
+            <a:br/>
+            <a:r>
+              <a:t>to guide learning.</a:t>
+            </a:r>
+            <a:br/>
+            <a:r>
+              <a:t>Bayesian methods</a:t>
+            </a:r>
+            <a:br/>
+            <a:r>
+              <a:t>0</a:t>
+            </a:r>
+            <a:br/>
+            <a:r>
+              <a:t>Bayes' theorem as the basis for calculating probabilities of hypotheses.</a:t>
+            </a:r>
+          </a:p>
+          <a:p>
+            <a:r>
+              <a:t>Psychology and neurobiology</a:t>
+            </a:r>
+            <a:br/>
+            <a:r>
+              <a:t>0</a:t>
+            </a:r>
+            <a:br/>
+            <a:r>
+              <a:t>The power law of practice, which states that over a very broad range of learning problems,</a:t>
+            </a:r>
+            <a:br/>
+            <a:r>
+              <a:t>people's response time improves with practice according to a power law.</a:t>
+            </a:r>
+          </a:p>
+        </p:txBody>
+      </p:sp>
+    </p:spTree>
+  </p:cSld>
+  <p:clrMapOvr>
+    <a:masterClrMapping/>
+  </p:clrMapOvr>
+</p:sld>
+</file>
+
+<file path=ppt/slides/slide9.xml><?xml version="1.0" encoding="utf-8"?>
+<p:sld xmlns:a="http://schemas.openxmlformats.org/drawingml/2006/main" xmlns:p="http://schemas.openxmlformats.org/presentationml/2006/main" xmlns:r="http://schemas.openxmlformats.org/officeDocument/2006/relationships">
+  <p:cSld>
+    <p:spTree>
+      <p:nvGrpSpPr>
+        <p:cNvPr id="1" name=""/>
+        <p:cNvGrpSpPr/>
+        <p:nvPr/>
+      </p:nvGrpSpPr>
+      <p:grpSpPr/>
+      <p:sp>
+        <p:nvSpPr>
+          <p:cNvPr id="2" name="Title 1"/>
+          <p:cNvSpPr>
+            <a:spLocks noGrp="1"/>
+          </p:cNvSpPr>
+          <p:nvPr>
+            <p:ph type="title"/>
+          </p:nvPr>
+        </p:nvSpPr>
+        <p:spPr/>
+        <p:txBody>
+          <a:bodyPr/>
+          <a:lstStyle/>
+          <a:p/>
+        </p:txBody>
+      </p:sp>
+      <p:sp>
+        <p:nvSpPr>
+          <p:cNvPr id="3" name="TextBox 2"/>
+          <p:cNvSpPr txBox="1"/>
+          <p:nvPr/>
+        </p:nvSpPr>
+        <p:spPr>
+          <a:xfrm>
+            <a:off x="914400" y="914400"/>
+            <a:ext cx="7315200" cy="4572000"/>
+          </a:xfrm>
+          <a:prstGeom prst="rect">
+            <a:avLst/>
+          </a:prstGeom>
+          <a:noFill/>
+        </p:spPr>
+        <p:txBody>
+          <a:bodyPr wrap="none">
+            <a:spAutoFit/>
+          </a:bodyPr>
+          <a:lstStyle/>
+          <a:p/>
+          <a:p>
+            <a:r>
+              <a:t>CHAFTlB 1 INTRODUCTION 5</a:t>
+            </a:r>
+            <a:br/>
+            <a:r>
+              <a:t>that allows users to update data entries would fit our definition of a learning</a:t>
+            </a:r>
+            <a:br/>
+            <a:r>
+              <a:t>system: it improves its performance at answering database queries, based on the</a:t>
+            </a:r>
+            <a:br/>
+            <a:r>
+              <a:t>experience gained from database updates.</a:t>
+            </a:r>
+          </a:p>
+          <a:p>
+            <a:r>
+              <a:t>Rather than worry about whether this</a:t>
+            </a:r>
+            <a:br/>
+            <a:r>
+              <a:t>type of activity falls under the usual informal conversational meaning of the word</a:t>
+            </a:r>
+            <a:br/>
+            <a:r>
+              <a:t>"learning," we will simply adopt our technical definition of the class of programs</a:t>
+            </a:r>
+            <a:br/>
+            <a:r>
+              <a:t>that improve through experience.</a:t>
+            </a:r>
+          </a:p>
         </p:txBody>
       </p:sp>
     </p:spTree>
